--- a/Презентация ВКР Бакалавра.pptx
+++ b/Презентация ВКР Бакалавра.pptx
@@ -9,7 +9,9 @@
     <p:sldId id="258" r:id="rId3"/>
     <p:sldId id="259" r:id="rId4"/>
     <p:sldId id="260" r:id="rId5"/>
-    <p:sldId id="261" r:id="rId6"/>
+    <p:sldId id="262" r:id="rId6"/>
+    <p:sldId id="263" r:id="rId7"/>
+    <p:sldId id="264" r:id="rId8"/>
   </p:sldIdLst>
   <p:sldSz cx="12192000" cy="6858000"/>
   <p:notesSz cx="6858000" cy="9144000"/>
@@ -116,6 +118,5147 @@
 </p:presentation>
 </file>
 
+<file path=ppt/diagrams/colors1.xml><?xml version="1.0" encoding="utf-8"?>
+<dgm:colorsDef xmlns:dgm="http://schemas.openxmlformats.org/drawingml/2006/diagram" xmlns:a="http://schemas.openxmlformats.org/drawingml/2006/main" uniqueId="urn:microsoft.com/office/officeart/2005/8/colors/accent1_2">
+  <dgm:title val=""/>
+  <dgm:desc val=""/>
+  <dgm:catLst>
+    <dgm:cat type="accent1" pri="11200"/>
+  </dgm:catLst>
+  <dgm:styleLbl name="node0">
+    <dgm:fillClrLst meth="repeat">
+      <a:schemeClr val="accent1"/>
+    </dgm:fillClrLst>
+    <dgm:linClrLst meth="repeat">
+      <a:schemeClr val="lt1"/>
+    </dgm:linClrLst>
+    <dgm:effectClrLst/>
+    <dgm:txLinClrLst/>
+    <dgm:txFillClrLst/>
+    <dgm:txEffectClrLst/>
+  </dgm:styleLbl>
+  <dgm:styleLbl name="alignNode1">
+    <dgm:fillClrLst meth="repeat">
+      <a:schemeClr val="accent1"/>
+    </dgm:fillClrLst>
+    <dgm:linClrLst meth="repeat">
+      <a:schemeClr val="accent1"/>
+    </dgm:linClrLst>
+    <dgm:effectClrLst/>
+    <dgm:txLinClrLst/>
+    <dgm:txFillClrLst/>
+    <dgm:txEffectClrLst/>
+  </dgm:styleLbl>
+  <dgm:styleLbl name="node1">
+    <dgm:fillClrLst meth="repeat">
+      <a:schemeClr val="accent1"/>
+    </dgm:fillClrLst>
+    <dgm:linClrLst meth="repeat">
+      <a:schemeClr val="lt1"/>
+    </dgm:linClrLst>
+    <dgm:effectClrLst/>
+    <dgm:txLinClrLst/>
+    <dgm:txFillClrLst/>
+    <dgm:txEffectClrLst/>
+  </dgm:styleLbl>
+  <dgm:styleLbl name="lnNode1">
+    <dgm:fillClrLst meth="repeat">
+      <a:schemeClr val="accent1"/>
+    </dgm:fillClrLst>
+    <dgm:linClrLst meth="repeat">
+      <a:schemeClr val="lt1"/>
+    </dgm:linClrLst>
+    <dgm:effectClrLst/>
+    <dgm:txLinClrLst/>
+    <dgm:txFillClrLst/>
+    <dgm:txEffectClrLst/>
+  </dgm:styleLbl>
+  <dgm:styleLbl name="vennNode1">
+    <dgm:fillClrLst meth="repeat">
+      <a:schemeClr val="accent1">
+        <a:alpha val="50000"/>
+      </a:schemeClr>
+    </dgm:fillClrLst>
+    <dgm:linClrLst meth="repeat">
+      <a:schemeClr val="lt1"/>
+    </dgm:linClrLst>
+    <dgm:effectClrLst/>
+    <dgm:txLinClrLst/>
+    <dgm:txFillClrLst/>
+    <dgm:txEffectClrLst/>
+  </dgm:styleLbl>
+  <dgm:styleLbl name="node2">
+    <dgm:fillClrLst meth="repeat">
+      <a:schemeClr val="accent1"/>
+    </dgm:fillClrLst>
+    <dgm:linClrLst meth="repeat">
+      <a:schemeClr val="lt1"/>
+    </dgm:linClrLst>
+    <dgm:effectClrLst/>
+    <dgm:txLinClrLst/>
+    <dgm:txFillClrLst/>
+    <dgm:txEffectClrLst/>
+  </dgm:styleLbl>
+  <dgm:styleLbl name="node3">
+    <dgm:fillClrLst meth="repeat">
+      <a:schemeClr val="accent1"/>
+    </dgm:fillClrLst>
+    <dgm:linClrLst meth="repeat">
+      <a:schemeClr val="lt1"/>
+    </dgm:linClrLst>
+    <dgm:effectClrLst/>
+    <dgm:txLinClrLst/>
+    <dgm:txFillClrLst/>
+    <dgm:txEffectClrLst/>
+  </dgm:styleLbl>
+  <dgm:styleLbl name="node4">
+    <dgm:fillClrLst meth="repeat">
+      <a:schemeClr val="accent1"/>
+    </dgm:fillClrLst>
+    <dgm:linClrLst meth="repeat">
+      <a:schemeClr val="lt1"/>
+    </dgm:linClrLst>
+    <dgm:effectClrLst/>
+    <dgm:txLinClrLst/>
+    <dgm:txFillClrLst/>
+    <dgm:txEffectClrLst/>
+  </dgm:styleLbl>
+  <dgm:styleLbl name="fgImgPlace1">
+    <dgm:fillClrLst meth="repeat">
+      <a:schemeClr val="accent1">
+        <a:tint val="50000"/>
+      </a:schemeClr>
+    </dgm:fillClrLst>
+    <dgm:linClrLst meth="repeat">
+      <a:schemeClr val="lt1"/>
+    </dgm:linClrLst>
+    <dgm:effectClrLst/>
+    <dgm:txLinClrLst/>
+    <dgm:txFillClrLst meth="repeat">
+      <a:schemeClr val="lt1"/>
+    </dgm:txFillClrLst>
+    <dgm:txEffectClrLst/>
+  </dgm:styleLbl>
+  <dgm:styleLbl name="alignImgPlace1">
+    <dgm:fillClrLst meth="repeat">
+      <a:schemeClr val="accent1">
+        <a:tint val="50000"/>
+      </a:schemeClr>
+    </dgm:fillClrLst>
+    <dgm:linClrLst meth="repeat">
+      <a:schemeClr val="lt1"/>
+    </dgm:linClrLst>
+    <dgm:effectClrLst/>
+    <dgm:txLinClrLst/>
+    <dgm:txFillClrLst meth="repeat">
+      <a:schemeClr val="lt1"/>
+    </dgm:txFillClrLst>
+    <dgm:txEffectClrLst/>
+  </dgm:styleLbl>
+  <dgm:styleLbl name="bgImgPlace1">
+    <dgm:fillClrLst meth="repeat">
+      <a:schemeClr val="accent1">
+        <a:tint val="50000"/>
+      </a:schemeClr>
+    </dgm:fillClrLst>
+    <dgm:linClrLst meth="repeat">
+      <a:schemeClr val="lt1"/>
+    </dgm:linClrLst>
+    <dgm:effectClrLst/>
+    <dgm:txLinClrLst/>
+    <dgm:txFillClrLst meth="repeat">
+      <a:schemeClr val="lt1"/>
+    </dgm:txFillClrLst>
+    <dgm:txEffectClrLst/>
+  </dgm:styleLbl>
+  <dgm:styleLbl name="sibTrans2D1">
+    <dgm:fillClrLst meth="repeat">
+      <a:schemeClr val="accent1">
+        <a:tint val="60000"/>
+      </a:schemeClr>
+    </dgm:fillClrLst>
+    <dgm:linClrLst meth="repeat">
+      <a:schemeClr val="accent1">
+        <a:tint val="60000"/>
+      </a:schemeClr>
+    </dgm:linClrLst>
+    <dgm:effectClrLst/>
+    <dgm:txLinClrLst/>
+    <dgm:txFillClrLst/>
+    <dgm:txEffectClrLst/>
+  </dgm:styleLbl>
+  <dgm:styleLbl name="fgSibTrans2D1">
+    <dgm:fillClrLst meth="repeat">
+      <a:schemeClr val="accent1">
+        <a:tint val="60000"/>
+      </a:schemeClr>
+    </dgm:fillClrLst>
+    <dgm:linClrLst meth="repeat">
+      <a:schemeClr val="accent1">
+        <a:tint val="60000"/>
+      </a:schemeClr>
+    </dgm:linClrLst>
+    <dgm:effectClrLst/>
+    <dgm:txLinClrLst/>
+    <dgm:txFillClrLst/>
+    <dgm:txEffectClrLst/>
+  </dgm:styleLbl>
+  <dgm:styleLbl name="bgSibTrans2D1">
+    <dgm:fillClrLst meth="repeat">
+      <a:schemeClr val="accent1">
+        <a:tint val="60000"/>
+      </a:schemeClr>
+    </dgm:fillClrLst>
+    <dgm:linClrLst meth="repeat">
+      <a:schemeClr val="accent1">
+        <a:tint val="60000"/>
+      </a:schemeClr>
+    </dgm:linClrLst>
+    <dgm:effectClrLst/>
+    <dgm:txLinClrLst/>
+    <dgm:txFillClrLst/>
+    <dgm:txEffectClrLst/>
+  </dgm:styleLbl>
+  <dgm:styleLbl name="sibTrans1D1">
+    <dgm:fillClrLst meth="repeat">
+      <a:schemeClr val="accent1"/>
+    </dgm:fillClrLst>
+    <dgm:linClrLst meth="repeat">
+      <a:schemeClr val="accent1"/>
+    </dgm:linClrLst>
+    <dgm:effectClrLst/>
+    <dgm:txLinClrLst/>
+    <dgm:txFillClrLst meth="repeat">
+      <a:schemeClr val="tx1"/>
+    </dgm:txFillClrLst>
+    <dgm:txEffectClrLst/>
+  </dgm:styleLbl>
+  <dgm:styleLbl name="callout">
+    <dgm:fillClrLst meth="repeat">
+      <a:schemeClr val="accent1"/>
+    </dgm:fillClrLst>
+    <dgm:linClrLst meth="repeat">
+      <a:schemeClr val="accent1">
+        <a:tint val="50000"/>
+      </a:schemeClr>
+    </dgm:linClrLst>
+    <dgm:effectClrLst/>
+    <dgm:txLinClrLst/>
+    <dgm:txFillClrLst meth="repeat">
+      <a:schemeClr val="tx1"/>
+    </dgm:txFillClrLst>
+    <dgm:txEffectClrLst/>
+  </dgm:styleLbl>
+  <dgm:styleLbl name="asst0">
+    <dgm:fillClrLst meth="repeat">
+      <a:schemeClr val="accent1"/>
+    </dgm:fillClrLst>
+    <dgm:linClrLst meth="repeat">
+      <a:schemeClr val="lt1"/>
+    </dgm:linClrLst>
+    <dgm:effectClrLst/>
+    <dgm:txLinClrLst/>
+    <dgm:txFillClrLst/>
+    <dgm:txEffectClrLst/>
+  </dgm:styleLbl>
+  <dgm:styleLbl name="asst1">
+    <dgm:fillClrLst meth="repeat">
+      <a:schemeClr val="accent1"/>
+    </dgm:fillClrLst>
+    <dgm:linClrLst meth="repeat">
+      <a:schemeClr val="lt1"/>
+    </dgm:linClrLst>
+    <dgm:effectClrLst/>
+    <dgm:txLinClrLst/>
+    <dgm:txFillClrLst/>
+    <dgm:txEffectClrLst/>
+  </dgm:styleLbl>
+  <dgm:styleLbl name="asst2">
+    <dgm:fillClrLst meth="repeat">
+      <a:schemeClr val="accent1"/>
+    </dgm:fillClrLst>
+    <dgm:linClrLst meth="repeat">
+      <a:schemeClr val="lt1"/>
+    </dgm:linClrLst>
+    <dgm:effectClrLst/>
+    <dgm:txLinClrLst/>
+    <dgm:txFillClrLst/>
+    <dgm:txEffectClrLst/>
+  </dgm:styleLbl>
+  <dgm:styleLbl name="asst3">
+    <dgm:fillClrLst meth="repeat">
+      <a:schemeClr val="accent1"/>
+    </dgm:fillClrLst>
+    <dgm:linClrLst meth="repeat">
+      <a:schemeClr val="lt1"/>
+    </dgm:linClrLst>
+    <dgm:effectClrLst/>
+    <dgm:txLinClrLst/>
+    <dgm:txFillClrLst/>
+    <dgm:txEffectClrLst/>
+  </dgm:styleLbl>
+  <dgm:styleLbl name="asst4">
+    <dgm:fillClrLst meth="repeat">
+      <a:schemeClr val="accent1"/>
+    </dgm:fillClrLst>
+    <dgm:linClrLst meth="repeat">
+      <a:schemeClr val="lt1"/>
+    </dgm:linClrLst>
+    <dgm:effectClrLst/>
+    <dgm:txLinClrLst/>
+    <dgm:txFillClrLst/>
+    <dgm:txEffectClrLst/>
+  </dgm:styleLbl>
+  <dgm:styleLbl name="parChTrans2D1">
+    <dgm:fillClrLst meth="repeat">
+      <a:schemeClr val="accent1">
+        <a:tint val="60000"/>
+      </a:schemeClr>
+    </dgm:fillClrLst>
+    <dgm:linClrLst meth="repeat">
+      <a:schemeClr val="accent1">
+        <a:tint val="60000"/>
+      </a:schemeClr>
+    </dgm:linClrLst>
+    <dgm:effectClrLst/>
+    <dgm:txLinClrLst/>
+    <dgm:txFillClrLst meth="repeat">
+      <a:schemeClr val="lt1"/>
+    </dgm:txFillClrLst>
+    <dgm:txEffectClrLst/>
+  </dgm:styleLbl>
+  <dgm:styleLbl name="parChTrans2D2">
+    <dgm:fillClrLst meth="repeat">
+      <a:schemeClr val="accent1"/>
+    </dgm:fillClrLst>
+    <dgm:linClrLst meth="repeat">
+      <a:schemeClr val="accent1"/>
+    </dgm:linClrLst>
+    <dgm:effectClrLst/>
+    <dgm:txLinClrLst/>
+    <dgm:txFillClrLst meth="repeat">
+      <a:schemeClr val="lt1"/>
+    </dgm:txFillClrLst>
+    <dgm:txEffectClrLst/>
+  </dgm:styleLbl>
+  <dgm:styleLbl name="parChTrans2D3">
+    <dgm:fillClrLst meth="repeat">
+      <a:schemeClr val="accent1"/>
+    </dgm:fillClrLst>
+    <dgm:linClrLst meth="repeat">
+      <a:schemeClr val="accent1"/>
+    </dgm:linClrLst>
+    <dgm:effectClrLst/>
+    <dgm:txLinClrLst/>
+    <dgm:txFillClrLst meth="repeat">
+      <a:schemeClr val="lt1"/>
+    </dgm:txFillClrLst>
+    <dgm:txEffectClrLst/>
+  </dgm:styleLbl>
+  <dgm:styleLbl name="parChTrans2D4">
+    <dgm:fillClrLst meth="repeat">
+      <a:schemeClr val="accent1"/>
+    </dgm:fillClrLst>
+    <dgm:linClrLst meth="repeat">
+      <a:schemeClr val="accent1"/>
+    </dgm:linClrLst>
+    <dgm:effectClrLst/>
+    <dgm:txLinClrLst/>
+    <dgm:txFillClrLst meth="repeat">
+      <a:schemeClr val="lt1"/>
+    </dgm:txFillClrLst>
+    <dgm:txEffectClrLst/>
+  </dgm:styleLbl>
+  <dgm:styleLbl name="parChTrans1D1">
+    <dgm:fillClrLst meth="repeat">
+      <a:schemeClr val="accent1"/>
+    </dgm:fillClrLst>
+    <dgm:linClrLst meth="repeat">
+      <a:schemeClr val="accent1">
+        <a:shade val="60000"/>
+      </a:schemeClr>
+    </dgm:linClrLst>
+    <dgm:effectClrLst/>
+    <dgm:txLinClrLst/>
+    <dgm:txFillClrLst meth="repeat">
+      <a:schemeClr val="tx1"/>
+    </dgm:txFillClrLst>
+    <dgm:txEffectClrLst/>
+  </dgm:styleLbl>
+  <dgm:styleLbl name="parChTrans1D2">
+    <dgm:fillClrLst meth="repeat">
+      <a:schemeClr val="accent1"/>
+    </dgm:fillClrLst>
+    <dgm:linClrLst meth="repeat">
+      <a:schemeClr val="accent1">
+        <a:shade val="60000"/>
+      </a:schemeClr>
+    </dgm:linClrLst>
+    <dgm:effectClrLst/>
+    <dgm:txLinClrLst/>
+    <dgm:txFillClrLst meth="repeat">
+      <a:schemeClr val="tx1"/>
+    </dgm:txFillClrLst>
+    <dgm:txEffectClrLst/>
+  </dgm:styleLbl>
+  <dgm:styleLbl name="parChTrans1D3">
+    <dgm:fillClrLst meth="repeat">
+      <a:schemeClr val="accent1"/>
+    </dgm:fillClrLst>
+    <dgm:linClrLst meth="repeat">
+      <a:schemeClr val="accent1">
+        <a:shade val="80000"/>
+      </a:schemeClr>
+    </dgm:linClrLst>
+    <dgm:effectClrLst/>
+    <dgm:txLinClrLst/>
+    <dgm:txFillClrLst meth="repeat">
+      <a:schemeClr val="tx1"/>
+    </dgm:txFillClrLst>
+    <dgm:txEffectClrLst/>
+  </dgm:styleLbl>
+  <dgm:styleLbl name="parChTrans1D4">
+    <dgm:fillClrLst meth="repeat">
+      <a:schemeClr val="accent1"/>
+    </dgm:fillClrLst>
+    <dgm:linClrLst meth="repeat">
+      <a:schemeClr val="accent1">
+        <a:shade val="80000"/>
+      </a:schemeClr>
+    </dgm:linClrLst>
+    <dgm:effectClrLst/>
+    <dgm:txLinClrLst/>
+    <dgm:txFillClrLst meth="repeat">
+      <a:schemeClr val="tx1"/>
+    </dgm:txFillClrLst>
+    <dgm:txEffectClrLst/>
+  </dgm:styleLbl>
+  <dgm:styleLbl name="fgAcc1">
+    <dgm:fillClrLst meth="repeat">
+      <a:schemeClr val="lt1">
+        <a:alpha val="90000"/>
+      </a:schemeClr>
+    </dgm:fillClrLst>
+    <dgm:linClrLst meth="repeat">
+      <a:schemeClr val="accent1"/>
+    </dgm:linClrLst>
+    <dgm:effectClrLst/>
+    <dgm:txLinClrLst/>
+    <dgm:txFillClrLst meth="repeat">
+      <a:schemeClr val="dk1"/>
+    </dgm:txFillClrLst>
+    <dgm:txEffectClrLst/>
+  </dgm:styleLbl>
+  <dgm:styleLbl name="conFgAcc1">
+    <dgm:fillClrLst meth="repeat">
+      <a:schemeClr val="lt1">
+        <a:alpha val="90000"/>
+      </a:schemeClr>
+    </dgm:fillClrLst>
+    <dgm:linClrLst meth="repeat">
+      <a:schemeClr val="accent1"/>
+    </dgm:linClrLst>
+    <dgm:effectClrLst/>
+    <dgm:txLinClrLst/>
+    <dgm:txFillClrLst meth="repeat">
+      <a:schemeClr val="dk1"/>
+    </dgm:txFillClrLst>
+    <dgm:txEffectClrLst/>
+  </dgm:styleLbl>
+  <dgm:styleLbl name="alignAcc1">
+    <dgm:fillClrLst meth="repeat">
+      <a:schemeClr val="lt1">
+        <a:alpha val="90000"/>
+      </a:schemeClr>
+    </dgm:fillClrLst>
+    <dgm:linClrLst meth="repeat">
+      <a:schemeClr val="accent1"/>
+    </dgm:linClrLst>
+    <dgm:effectClrLst/>
+    <dgm:txLinClrLst/>
+    <dgm:txFillClrLst meth="repeat">
+      <a:schemeClr val="dk1"/>
+    </dgm:txFillClrLst>
+    <dgm:txEffectClrLst/>
+  </dgm:styleLbl>
+  <dgm:styleLbl name="trAlignAcc1">
+    <dgm:fillClrLst meth="repeat">
+      <a:schemeClr val="lt1">
+        <a:alpha val="40000"/>
+      </a:schemeClr>
+    </dgm:fillClrLst>
+    <dgm:linClrLst meth="repeat">
+      <a:schemeClr val="accent1"/>
+    </dgm:linClrLst>
+    <dgm:effectClrLst/>
+    <dgm:txLinClrLst/>
+    <dgm:txFillClrLst meth="repeat">
+      <a:schemeClr val="dk1"/>
+    </dgm:txFillClrLst>
+    <dgm:txEffectClrLst/>
+  </dgm:styleLbl>
+  <dgm:styleLbl name="bgAcc1">
+    <dgm:fillClrLst meth="repeat">
+      <a:schemeClr val="lt1">
+        <a:alpha val="90000"/>
+      </a:schemeClr>
+    </dgm:fillClrLst>
+    <dgm:linClrLst meth="repeat">
+      <a:schemeClr val="accent1"/>
+    </dgm:linClrLst>
+    <dgm:effectClrLst/>
+    <dgm:txLinClrLst/>
+    <dgm:txFillClrLst meth="repeat">
+      <a:schemeClr val="dk1"/>
+    </dgm:txFillClrLst>
+    <dgm:txEffectClrLst/>
+  </dgm:styleLbl>
+  <dgm:styleLbl name="solidFgAcc1">
+    <dgm:fillClrLst meth="repeat">
+      <a:schemeClr val="lt1"/>
+    </dgm:fillClrLst>
+    <dgm:linClrLst meth="repeat">
+      <a:schemeClr val="accent1"/>
+    </dgm:linClrLst>
+    <dgm:effectClrLst/>
+    <dgm:txLinClrLst/>
+    <dgm:txFillClrLst meth="repeat">
+      <a:schemeClr val="dk1"/>
+    </dgm:txFillClrLst>
+    <dgm:txEffectClrLst/>
+  </dgm:styleLbl>
+  <dgm:styleLbl name="solidAlignAcc1">
+    <dgm:fillClrLst meth="repeat">
+      <a:schemeClr val="lt1"/>
+    </dgm:fillClrLst>
+    <dgm:linClrLst meth="repeat">
+      <a:schemeClr val="accent1"/>
+    </dgm:linClrLst>
+    <dgm:effectClrLst/>
+    <dgm:txLinClrLst/>
+    <dgm:txFillClrLst meth="repeat">
+      <a:schemeClr val="dk1"/>
+    </dgm:txFillClrLst>
+    <dgm:txEffectClrLst/>
+  </dgm:styleLbl>
+  <dgm:styleLbl name="solidBgAcc1">
+    <dgm:fillClrLst meth="repeat">
+      <a:schemeClr val="lt1"/>
+    </dgm:fillClrLst>
+    <dgm:linClrLst meth="repeat">
+      <a:schemeClr val="accent1"/>
+    </dgm:linClrLst>
+    <dgm:effectClrLst/>
+    <dgm:txLinClrLst/>
+    <dgm:txFillClrLst meth="repeat">
+      <a:schemeClr val="dk1"/>
+    </dgm:txFillClrLst>
+    <dgm:txEffectClrLst/>
+  </dgm:styleLbl>
+  <dgm:styleLbl name="fgAccFollowNode1">
+    <dgm:fillClrLst meth="repeat">
+      <a:schemeClr val="accent1">
+        <a:alpha val="90000"/>
+        <a:tint val="40000"/>
+      </a:schemeClr>
+    </dgm:fillClrLst>
+    <dgm:linClrLst meth="repeat">
+      <a:schemeClr val="accent1">
+        <a:alpha val="90000"/>
+        <a:tint val="40000"/>
+      </a:schemeClr>
+    </dgm:linClrLst>
+    <dgm:effectClrLst/>
+    <dgm:txLinClrLst/>
+    <dgm:txFillClrLst meth="repeat">
+      <a:schemeClr val="dk1"/>
+    </dgm:txFillClrLst>
+    <dgm:txEffectClrLst/>
+  </dgm:styleLbl>
+  <dgm:styleLbl name="alignAccFollowNode1">
+    <dgm:fillClrLst meth="repeat">
+      <a:schemeClr val="accent1">
+        <a:alpha val="90000"/>
+        <a:tint val="40000"/>
+      </a:schemeClr>
+    </dgm:fillClrLst>
+    <dgm:linClrLst meth="repeat">
+      <a:schemeClr val="accent1">
+        <a:alpha val="90000"/>
+        <a:tint val="40000"/>
+      </a:schemeClr>
+    </dgm:linClrLst>
+    <dgm:effectClrLst/>
+    <dgm:txLinClrLst/>
+    <dgm:txFillClrLst meth="repeat">
+      <a:schemeClr val="dk1"/>
+    </dgm:txFillClrLst>
+    <dgm:txEffectClrLst/>
+  </dgm:styleLbl>
+  <dgm:styleLbl name="bgAccFollowNode1">
+    <dgm:fillClrLst meth="repeat">
+      <a:schemeClr val="accent1">
+        <a:alpha val="90000"/>
+        <a:tint val="40000"/>
+      </a:schemeClr>
+    </dgm:fillClrLst>
+    <dgm:linClrLst meth="repeat">
+      <a:schemeClr val="accent1">
+        <a:alpha val="90000"/>
+        <a:tint val="40000"/>
+      </a:schemeClr>
+    </dgm:linClrLst>
+    <dgm:effectClrLst/>
+    <dgm:txLinClrLst/>
+    <dgm:txFillClrLst meth="repeat">
+      <a:schemeClr val="dk1"/>
+    </dgm:txFillClrLst>
+    <dgm:txEffectClrLst/>
+  </dgm:styleLbl>
+  <dgm:styleLbl name="fgAcc0">
+    <dgm:fillClrLst meth="repeat">
+      <a:schemeClr val="lt1">
+        <a:alpha val="90000"/>
+      </a:schemeClr>
+    </dgm:fillClrLst>
+    <dgm:linClrLst meth="repeat">
+      <a:schemeClr val="accent1"/>
+    </dgm:linClrLst>
+    <dgm:effectClrLst/>
+    <dgm:txLinClrLst/>
+    <dgm:txFillClrLst meth="repeat">
+      <a:schemeClr val="dk1"/>
+    </dgm:txFillClrLst>
+    <dgm:txEffectClrLst/>
+  </dgm:styleLbl>
+  <dgm:styleLbl name="fgAcc2">
+    <dgm:fillClrLst meth="repeat">
+      <a:schemeClr val="lt1">
+        <a:alpha val="90000"/>
+      </a:schemeClr>
+    </dgm:fillClrLst>
+    <dgm:linClrLst meth="repeat">
+      <a:schemeClr val="accent1"/>
+    </dgm:linClrLst>
+    <dgm:effectClrLst/>
+    <dgm:txLinClrLst/>
+    <dgm:txFillClrLst meth="repeat">
+      <a:schemeClr val="dk1"/>
+    </dgm:txFillClrLst>
+    <dgm:txEffectClrLst/>
+  </dgm:styleLbl>
+  <dgm:styleLbl name="fgAcc3">
+    <dgm:fillClrLst meth="repeat">
+      <a:schemeClr val="lt1">
+        <a:alpha val="90000"/>
+      </a:schemeClr>
+    </dgm:fillClrLst>
+    <dgm:linClrLst meth="repeat">
+      <a:schemeClr val="accent1"/>
+    </dgm:linClrLst>
+    <dgm:effectClrLst/>
+    <dgm:txLinClrLst/>
+    <dgm:txFillClrLst meth="repeat">
+      <a:schemeClr val="dk1"/>
+    </dgm:txFillClrLst>
+    <dgm:txEffectClrLst/>
+  </dgm:styleLbl>
+  <dgm:styleLbl name="fgAcc4">
+    <dgm:fillClrLst meth="repeat">
+      <a:schemeClr val="lt1">
+        <a:alpha val="90000"/>
+      </a:schemeClr>
+    </dgm:fillClrLst>
+    <dgm:linClrLst meth="repeat">
+      <a:schemeClr val="accent1"/>
+    </dgm:linClrLst>
+    <dgm:effectClrLst/>
+    <dgm:txLinClrLst/>
+    <dgm:txFillClrLst meth="repeat">
+      <a:schemeClr val="dk1"/>
+    </dgm:txFillClrLst>
+    <dgm:txEffectClrLst/>
+  </dgm:styleLbl>
+  <dgm:styleLbl name="bgShp">
+    <dgm:fillClrLst meth="repeat">
+      <a:schemeClr val="accent1">
+        <a:tint val="40000"/>
+      </a:schemeClr>
+    </dgm:fillClrLst>
+    <dgm:linClrLst meth="repeat">
+      <a:schemeClr val="accent1"/>
+    </dgm:linClrLst>
+    <dgm:effectClrLst/>
+    <dgm:txLinClrLst/>
+    <dgm:txFillClrLst meth="repeat">
+      <a:schemeClr val="dk1"/>
+    </dgm:txFillClrLst>
+    <dgm:txEffectClrLst/>
+  </dgm:styleLbl>
+  <dgm:styleLbl name="dkBgShp">
+    <dgm:fillClrLst meth="repeat">
+      <a:schemeClr val="accent1">
+        <a:shade val="80000"/>
+      </a:schemeClr>
+    </dgm:fillClrLst>
+    <dgm:linClrLst meth="repeat">
+      <a:schemeClr val="accent1"/>
+    </dgm:linClrLst>
+    <dgm:effectClrLst/>
+    <dgm:txLinClrLst/>
+    <dgm:txFillClrLst meth="repeat">
+      <a:schemeClr val="lt1"/>
+    </dgm:txFillClrLst>
+    <dgm:txEffectClrLst/>
+  </dgm:styleLbl>
+  <dgm:styleLbl name="trBgShp">
+    <dgm:fillClrLst meth="repeat">
+      <a:schemeClr val="accent1">
+        <a:tint val="50000"/>
+        <a:alpha val="40000"/>
+      </a:schemeClr>
+    </dgm:fillClrLst>
+    <dgm:linClrLst meth="repeat">
+      <a:schemeClr val="accent1"/>
+    </dgm:linClrLst>
+    <dgm:effectClrLst/>
+    <dgm:txLinClrLst/>
+    <dgm:txFillClrLst meth="repeat">
+      <a:schemeClr val="lt1"/>
+    </dgm:txFillClrLst>
+    <dgm:txEffectClrLst/>
+  </dgm:styleLbl>
+  <dgm:styleLbl name="fgShp">
+    <dgm:fillClrLst meth="repeat">
+      <a:schemeClr val="accent1">
+        <a:tint val="60000"/>
+      </a:schemeClr>
+    </dgm:fillClrLst>
+    <dgm:linClrLst meth="repeat">
+      <a:schemeClr val="lt1"/>
+    </dgm:linClrLst>
+    <dgm:effectClrLst/>
+    <dgm:txLinClrLst/>
+    <dgm:txFillClrLst meth="repeat">
+      <a:schemeClr val="dk1"/>
+    </dgm:txFillClrLst>
+    <dgm:txEffectClrLst/>
+  </dgm:styleLbl>
+  <dgm:styleLbl name="revTx">
+    <dgm:fillClrLst meth="repeat">
+      <a:schemeClr val="lt1">
+        <a:alpha val="0"/>
+      </a:schemeClr>
+    </dgm:fillClrLst>
+    <dgm:linClrLst meth="repeat">
+      <a:schemeClr val="dk1">
+        <a:alpha val="0"/>
+      </a:schemeClr>
+    </dgm:linClrLst>
+    <dgm:effectClrLst/>
+    <dgm:txLinClrLst/>
+    <dgm:txFillClrLst meth="repeat">
+      <a:schemeClr val="tx1"/>
+    </dgm:txFillClrLst>
+    <dgm:txEffectClrLst/>
+  </dgm:styleLbl>
+</dgm:colorsDef>
+</file>
+
+<file path=ppt/diagrams/data1.xml><?xml version="1.0" encoding="utf-8"?>
+<dgm:dataModel xmlns:dgm="http://schemas.openxmlformats.org/drawingml/2006/diagram" xmlns:a="http://schemas.openxmlformats.org/drawingml/2006/main">
+  <dgm:ptLst>
+    <dgm:pt modelId="{E56A1606-B412-48DC-B431-D073BDE099AF}" type="doc">
+      <dgm:prSet loTypeId="urn:microsoft.com/office/officeart/2005/8/layout/orgChart1" loCatId="hierarchy" qsTypeId="urn:microsoft.com/office/officeart/2005/8/quickstyle/simple1" qsCatId="simple" csTypeId="urn:microsoft.com/office/officeart/2005/8/colors/accent1_2" csCatId="accent1" phldr="1"/>
+      <dgm:spPr/>
+      <dgm:t>
+        <a:bodyPr/>
+        <a:lstStyle/>
+        <a:p>
+          <a:endParaRPr lang="ru-RU"/>
+        </a:p>
+      </dgm:t>
+    </dgm:pt>
+    <dgm:pt modelId="{5D438917-69EB-4960-9EE9-6184D48EA467}">
+      <dgm:prSet phldrT="[Текст]"/>
+      <dgm:spPr/>
+      <dgm:t>
+        <a:bodyPr/>
+        <a:lstStyle/>
+        <a:p>
+          <a:r>
+            <a:rPr lang="ru-RU" dirty="0"/>
+            <a:t>Система управления учебным процессом</a:t>
+          </a:r>
+        </a:p>
+      </dgm:t>
+    </dgm:pt>
+    <dgm:pt modelId="{FC7E077F-6F90-46A8-8056-62C9FCAAD1CC}" type="parTrans" cxnId="{71ABF41E-AB39-4A98-BD0C-F019239B59E9}">
+      <dgm:prSet/>
+      <dgm:spPr/>
+      <dgm:t>
+        <a:bodyPr/>
+        <a:lstStyle/>
+        <a:p>
+          <a:endParaRPr lang="ru-RU"/>
+        </a:p>
+      </dgm:t>
+    </dgm:pt>
+    <dgm:pt modelId="{D59774A1-C857-4327-82CB-23AE84D6625A}" type="sibTrans" cxnId="{71ABF41E-AB39-4A98-BD0C-F019239B59E9}">
+      <dgm:prSet/>
+      <dgm:spPr/>
+      <dgm:t>
+        <a:bodyPr/>
+        <a:lstStyle/>
+        <a:p>
+          <a:endParaRPr lang="ru-RU"/>
+        </a:p>
+      </dgm:t>
+    </dgm:pt>
+    <dgm:pt modelId="{65ACCE1D-3BD4-4927-A396-2D6CF96BDFBC}">
+      <dgm:prSet phldrT="[Текст]"/>
+      <dgm:spPr>
+        <a:solidFill>
+          <a:schemeClr val="tx1"/>
+        </a:solidFill>
+      </dgm:spPr>
+      <dgm:t>
+        <a:bodyPr/>
+        <a:lstStyle/>
+        <a:p>
+          <a:r>
+            <a:rPr lang="ru-RU" dirty="0"/>
+            <a:t>База данных</a:t>
+          </a:r>
+        </a:p>
+      </dgm:t>
+    </dgm:pt>
+    <dgm:pt modelId="{6BFF1C58-5C59-46CA-A03C-6B32D2E4F714}" type="parTrans" cxnId="{9C7FA03B-6E95-4CF8-B99B-54A8D511E9E2}">
+      <dgm:prSet/>
+      <dgm:spPr/>
+      <dgm:t>
+        <a:bodyPr/>
+        <a:lstStyle/>
+        <a:p>
+          <a:endParaRPr lang="ru-RU"/>
+        </a:p>
+      </dgm:t>
+    </dgm:pt>
+    <dgm:pt modelId="{EDC29EB1-B31E-4A51-98E4-6B2444D260DA}" type="sibTrans" cxnId="{9C7FA03B-6E95-4CF8-B99B-54A8D511E9E2}">
+      <dgm:prSet/>
+      <dgm:spPr/>
+      <dgm:t>
+        <a:bodyPr/>
+        <a:lstStyle/>
+        <a:p>
+          <a:endParaRPr lang="ru-RU"/>
+        </a:p>
+      </dgm:t>
+    </dgm:pt>
+    <dgm:pt modelId="{1444356A-2CCC-4DF1-8060-845304F1A121}">
+      <dgm:prSet phldrT="[Текст]"/>
+      <dgm:spPr>
+        <a:solidFill>
+          <a:schemeClr val="tx1"/>
+        </a:solidFill>
+      </dgm:spPr>
+      <dgm:t>
+        <a:bodyPr/>
+        <a:lstStyle/>
+        <a:p>
+          <a:r>
+            <a:rPr lang="ru-RU" dirty="0"/>
+            <a:t>Сервис авторизации</a:t>
+          </a:r>
+        </a:p>
+      </dgm:t>
+    </dgm:pt>
+    <dgm:pt modelId="{05243F4A-7AB1-440A-B158-DDCEA8D9CC01}" type="parTrans" cxnId="{FE56672B-33FC-44BC-8836-D472536CD1FE}">
+      <dgm:prSet/>
+      <dgm:spPr/>
+      <dgm:t>
+        <a:bodyPr/>
+        <a:lstStyle/>
+        <a:p>
+          <a:endParaRPr lang="ru-RU"/>
+        </a:p>
+      </dgm:t>
+    </dgm:pt>
+    <dgm:pt modelId="{BCE9B881-3429-49C2-A308-BC59F9C20F05}" type="sibTrans" cxnId="{FE56672B-33FC-44BC-8836-D472536CD1FE}">
+      <dgm:prSet/>
+      <dgm:spPr/>
+      <dgm:t>
+        <a:bodyPr/>
+        <a:lstStyle/>
+        <a:p>
+          <a:endParaRPr lang="ru-RU"/>
+        </a:p>
+      </dgm:t>
+    </dgm:pt>
+    <dgm:pt modelId="{C761D48B-45E3-41DC-8EE1-AEC4A1AF3659}">
+      <dgm:prSet phldrT="[Текст]"/>
+      <dgm:spPr>
+        <a:solidFill>
+          <a:schemeClr val="accent6">
+            <a:lumMod val="50000"/>
+          </a:schemeClr>
+        </a:solidFill>
+      </dgm:spPr>
+      <dgm:t>
+        <a:bodyPr/>
+        <a:lstStyle/>
+        <a:p>
+          <a:r>
+            <a:rPr lang="ru-RU" dirty="0"/>
+            <a:t>Клиентская часть</a:t>
+          </a:r>
+        </a:p>
+      </dgm:t>
+    </dgm:pt>
+    <dgm:pt modelId="{2D31D540-5954-4A9F-BB45-3F8A21254195}" type="parTrans" cxnId="{E70E183D-4080-446D-A53F-0069CEC5B485}">
+      <dgm:prSet/>
+      <dgm:spPr/>
+      <dgm:t>
+        <a:bodyPr/>
+        <a:lstStyle/>
+        <a:p>
+          <a:endParaRPr lang="ru-RU"/>
+        </a:p>
+      </dgm:t>
+    </dgm:pt>
+    <dgm:pt modelId="{034323FE-DD98-4981-B780-4387B3101F9A}" type="sibTrans" cxnId="{E70E183D-4080-446D-A53F-0069CEC5B485}">
+      <dgm:prSet/>
+      <dgm:spPr/>
+      <dgm:t>
+        <a:bodyPr/>
+        <a:lstStyle/>
+        <a:p>
+          <a:endParaRPr lang="ru-RU"/>
+        </a:p>
+      </dgm:t>
+    </dgm:pt>
+    <dgm:pt modelId="{C758C8A6-126C-4CF9-A7E3-CBBC44B48497}">
+      <dgm:prSet/>
+      <dgm:spPr>
+        <a:solidFill>
+          <a:schemeClr val="tx1"/>
+        </a:solidFill>
+      </dgm:spPr>
+      <dgm:t>
+        <a:bodyPr/>
+        <a:lstStyle/>
+        <a:p>
+          <a:r>
+            <a:rPr lang="ru-RU" dirty="0"/>
+            <a:t>Сервис </a:t>
+          </a:r>
+          <a:r>
+            <a:rPr lang="en-US" dirty="0"/>
+            <a:t>WEB API</a:t>
+          </a:r>
+          <a:endParaRPr lang="ru-RU" dirty="0"/>
+        </a:p>
+      </dgm:t>
+    </dgm:pt>
+    <dgm:pt modelId="{8797460D-7CF2-41FC-8E93-DAD94949E865}" type="parTrans" cxnId="{664AD55A-264F-46A8-8961-582730E00273}">
+      <dgm:prSet/>
+      <dgm:spPr/>
+      <dgm:t>
+        <a:bodyPr/>
+        <a:lstStyle/>
+        <a:p>
+          <a:endParaRPr lang="ru-RU"/>
+        </a:p>
+      </dgm:t>
+    </dgm:pt>
+    <dgm:pt modelId="{3A36C136-C071-4C69-AFB3-1C4918486399}" type="sibTrans" cxnId="{664AD55A-264F-46A8-8961-582730E00273}">
+      <dgm:prSet/>
+      <dgm:spPr/>
+      <dgm:t>
+        <a:bodyPr/>
+        <a:lstStyle/>
+        <a:p>
+          <a:endParaRPr lang="ru-RU"/>
+        </a:p>
+      </dgm:t>
+    </dgm:pt>
+    <dgm:pt modelId="{E72DCED2-8557-4FA3-AC19-06B6B9A2E37F}">
+      <dgm:prSet/>
+      <dgm:spPr>
+        <a:solidFill>
+          <a:schemeClr val="accent6">
+            <a:lumMod val="50000"/>
+          </a:schemeClr>
+        </a:solidFill>
+      </dgm:spPr>
+      <dgm:t>
+        <a:bodyPr/>
+        <a:lstStyle/>
+        <a:p>
+          <a:r>
+            <a:rPr lang="ru-RU" dirty="0"/>
+            <a:t>Приложение для студентов</a:t>
+          </a:r>
+        </a:p>
+      </dgm:t>
+    </dgm:pt>
+    <dgm:pt modelId="{C500B74A-3977-42FA-B0EF-541749584CCF}" type="parTrans" cxnId="{C3DC0285-E642-4843-A63D-8B2932DB924A}">
+      <dgm:prSet/>
+      <dgm:spPr/>
+      <dgm:t>
+        <a:bodyPr/>
+        <a:lstStyle/>
+        <a:p>
+          <a:endParaRPr lang="ru-RU"/>
+        </a:p>
+      </dgm:t>
+    </dgm:pt>
+    <dgm:pt modelId="{AFC61A09-EE85-44A5-90F4-FA207310FE00}" type="sibTrans" cxnId="{C3DC0285-E642-4843-A63D-8B2932DB924A}">
+      <dgm:prSet/>
+      <dgm:spPr/>
+      <dgm:t>
+        <a:bodyPr/>
+        <a:lstStyle/>
+        <a:p>
+          <a:endParaRPr lang="ru-RU"/>
+        </a:p>
+      </dgm:t>
+    </dgm:pt>
+    <dgm:pt modelId="{42FC45B0-1C9B-4A8B-B0B2-F3D2FF3A2468}">
+      <dgm:prSet/>
+      <dgm:spPr>
+        <a:solidFill>
+          <a:schemeClr val="accent6">
+            <a:lumMod val="50000"/>
+          </a:schemeClr>
+        </a:solidFill>
+      </dgm:spPr>
+      <dgm:t>
+        <a:bodyPr/>
+        <a:lstStyle/>
+        <a:p>
+          <a:r>
+            <a:rPr lang="ru-RU" dirty="0"/>
+            <a:t>Приложение для преподавателей</a:t>
+          </a:r>
+        </a:p>
+      </dgm:t>
+    </dgm:pt>
+    <dgm:pt modelId="{77154F5C-EBB2-49EC-A0B8-A101D0BDB9EF}" type="sibTrans" cxnId="{61FA4E5D-C963-477E-A60A-252F36D59C23}">
+      <dgm:prSet/>
+      <dgm:spPr/>
+      <dgm:t>
+        <a:bodyPr/>
+        <a:lstStyle/>
+        <a:p>
+          <a:endParaRPr lang="ru-RU"/>
+        </a:p>
+      </dgm:t>
+    </dgm:pt>
+    <dgm:pt modelId="{8DBDA32E-CEDB-4958-933D-EAF333B158DB}" type="parTrans" cxnId="{61FA4E5D-C963-477E-A60A-252F36D59C23}">
+      <dgm:prSet/>
+      <dgm:spPr/>
+      <dgm:t>
+        <a:bodyPr/>
+        <a:lstStyle/>
+        <a:p>
+          <a:endParaRPr lang="ru-RU"/>
+        </a:p>
+      </dgm:t>
+    </dgm:pt>
+    <dgm:pt modelId="{2B13909C-1305-4F36-800F-01E48E5218D8}">
+      <dgm:prSet/>
+      <dgm:spPr>
+        <a:solidFill>
+          <a:schemeClr val="accent6">
+            <a:lumMod val="50000"/>
+          </a:schemeClr>
+        </a:solidFill>
+      </dgm:spPr>
+      <dgm:t>
+        <a:bodyPr/>
+        <a:lstStyle/>
+        <a:p>
+          <a:r>
+            <a:rPr lang="ru-RU" dirty="0"/>
+            <a:t>Общая библиотека для авторизации</a:t>
+          </a:r>
+        </a:p>
+      </dgm:t>
+    </dgm:pt>
+    <dgm:pt modelId="{06E67021-E373-46DD-B510-B025D62858F0}" type="parTrans" cxnId="{E6589E6D-0F66-4474-85CA-7D5752765A01}">
+      <dgm:prSet/>
+      <dgm:spPr/>
+      <dgm:t>
+        <a:bodyPr/>
+        <a:lstStyle/>
+        <a:p>
+          <a:endParaRPr lang="ru-RU"/>
+        </a:p>
+      </dgm:t>
+    </dgm:pt>
+    <dgm:pt modelId="{103DC43D-F620-47EA-AF5E-8E1CB6C06DCC}" type="sibTrans" cxnId="{E6589E6D-0F66-4474-85CA-7D5752765A01}">
+      <dgm:prSet/>
+      <dgm:spPr/>
+      <dgm:t>
+        <a:bodyPr/>
+        <a:lstStyle/>
+        <a:p>
+          <a:endParaRPr lang="ru-RU"/>
+        </a:p>
+      </dgm:t>
+    </dgm:pt>
+    <dgm:pt modelId="{7AA57574-C233-4284-AC8F-A08EE20B7F5A}">
+      <dgm:prSet/>
+      <dgm:spPr>
+        <a:solidFill>
+          <a:schemeClr val="tx1"/>
+        </a:solidFill>
+      </dgm:spPr>
+      <dgm:t>
+        <a:bodyPr/>
+        <a:lstStyle/>
+        <a:p>
+          <a:r>
+            <a:rPr lang="en-US" dirty="0"/>
+            <a:t>API </a:t>
+          </a:r>
+          <a:r>
+            <a:rPr lang="ru-RU" dirty="0"/>
+            <a:t>для приложения преподавателей</a:t>
+          </a:r>
+        </a:p>
+      </dgm:t>
+    </dgm:pt>
+    <dgm:pt modelId="{5CB0D8AA-079D-4DE2-A027-3C5FE9DDB7DC}" type="parTrans" cxnId="{BB285A0B-7A62-4FAE-B712-539727F25919}">
+      <dgm:prSet/>
+      <dgm:spPr/>
+      <dgm:t>
+        <a:bodyPr/>
+        <a:lstStyle/>
+        <a:p>
+          <a:endParaRPr lang="ru-RU"/>
+        </a:p>
+      </dgm:t>
+    </dgm:pt>
+    <dgm:pt modelId="{8641FFCA-E260-473C-B85C-F3BF736B1746}" type="sibTrans" cxnId="{BB285A0B-7A62-4FAE-B712-539727F25919}">
+      <dgm:prSet/>
+      <dgm:spPr/>
+      <dgm:t>
+        <a:bodyPr/>
+        <a:lstStyle/>
+        <a:p>
+          <a:endParaRPr lang="ru-RU"/>
+        </a:p>
+      </dgm:t>
+    </dgm:pt>
+    <dgm:pt modelId="{16C5A2A5-6852-4791-A406-C8A6AB3EB4CA}">
+      <dgm:prSet/>
+      <dgm:spPr>
+        <a:solidFill>
+          <a:schemeClr val="tx1"/>
+        </a:solidFill>
+      </dgm:spPr>
+      <dgm:t>
+        <a:bodyPr/>
+        <a:lstStyle/>
+        <a:p>
+          <a:r>
+            <a:rPr lang="en-US" dirty="0"/>
+            <a:t>API </a:t>
+          </a:r>
+          <a:r>
+            <a:rPr lang="ru-RU" dirty="0"/>
+            <a:t>для приложения студентов</a:t>
+          </a:r>
+        </a:p>
+      </dgm:t>
+    </dgm:pt>
+    <dgm:pt modelId="{09F555BA-FE77-492F-84B7-5289B24891A3}" type="parTrans" cxnId="{7FE1CCB8-588D-4E0A-A974-498E5655612F}">
+      <dgm:prSet/>
+      <dgm:spPr/>
+      <dgm:t>
+        <a:bodyPr/>
+        <a:lstStyle/>
+        <a:p>
+          <a:endParaRPr lang="ru-RU"/>
+        </a:p>
+      </dgm:t>
+    </dgm:pt>
+    <dgm:pt modelId="{36CF9179-A062-468B-B83B-390DB61F4FB4}" type="sibTrans" cxnId="{7FE1CCB8-588D-4E0A-A974-498E5655612F}">
+      <dgm:prSet/>
+      <dgm:spPr/>
+      <dgm:t>
+        <a:bodyPr/>
+        <a:lstStyle/>
+        <a:p>
+          <a:endParaRPr lang="ru-RU"/>
+        </a:p>
+      </dgm:t>
+    </dgm:pt>
+    <dgm:pt modelId="{C425EC0C-C896-48FB-928D-80877C72E630}" type="pres">
+      <dgm:prSet presAssocID="{E56A1606-B412-48DC-B431-D073BDE099AF}" presName="hierChild1" presStyleCnt="0">
+        <dgm:presLayoutVars>
+          <dgm:orgChart val="1"/>
+          <dgm:chPref val="1"/>
+          <dgm:dir/>
+          <dgm:animOne val="branch"/>
+          <dgm:animLvl val="lvl"/>
+          <dgm:resizeHandles/>
+        </dgm:presLayoutVars>
+      </dgm:prSet>
+      <dgm:spPr/>
+    </dgm:pt>
+    <dgm:pt modelId="{6A8999E0-D0D2-4979-BF64-F9FDC364158E}" type="pres">
+      <dgm:prSet presAssocID="{5D438917-69EB-4960-9EE9-6184D48EA467}" presName="hierRoot1" presStyleCnt="0">
+        <dgm:presLayoutVars>
+          <dgm:hierBranch val="init"/>
+        </dgm:presLayoutVars>
+      </dgm:prSet>
+      <dgm:spPr/>
+    </dgm:pt>
+    <dgm:pt modelId="{633F72DC-AC9E-4825-90CE-3D277DA96AE5}" type="pres">
+      <dgm:prSet presAssocID="{5D438917-69EB-4960-9EE9-6184D48EA467}" presName="rootComposite1" presStyleCnt="0"/>
+      <dgm:spPr/>
+    </dgm:pt>
+    <dgm:pt modelId="{114B413F-3723-4A0A-95A9-A951E3190945}" type="pres">
+      <dgm:prSet presAssocID="{5D438917-69EB-4960-9EE9-6184D48EA467}" presName="rootText1" presStyleLbl="node0" presStyleIdx="0" presStyleCnt="1" custScaleX="101575" custScaleY="100503">
+        <dgm:presLayoutVars>
+          <dgm:chPref val="3"/>
+        </dgm:presLayoutVars>
+      </dgm:prSet>
+      <dgm:spPr/>
+    </dgm:pt>
+    <dgm:pt modelId="{8AC92E4C-15DA-46FB-8356-53D37AA6EA8F}" type="pres">
+      <dgm:prSet presAssocID="{5D438917-69EB-4960-9EE9-6184D48EA467}" presName="rootConnector1" presStyleLbl="node1" presStyleIdx="0" presStyleCnt="0"/>
+      <dgm:spPr/>
+    </dgm:pt>
+    <dgm:pt modelId="{96BF84BC-FFB6-4FCF-807C-F0C2B4A15322}" type="pres">
+      <dgm:prSet presAssocID="{5D438917-69EB-4960-9EE9-6184D48EA467}" presName="hierChild2" presStyleCnt="0"/>
+      <dgm:spPr/>
+    </dgm:pt>
+    <dgm:pt modelId="{D9AA9C8F-C87E-4B98-AB1B-B0704EF4D484}" type="pres">
+      <dgm:prSet presAssocID="{6BFF1C58-5C59-46CA-A03C-6B32D2E4F714}" presName="Name37" presStyleLbl="parChTrans1D2" presStyleIdx="0" presStyleCnt="4"/>
+      <dgm:spPr/>
+    </dgm:pt>
+    <dgm:pt modelId="{C5DE6EFA-7FD9-4034-B24A-64E2AE23195E}" type="pres">
+      <dgm:prSet presAssocID="{65ACCE1D-3BD4-4927-A396-2D6CF96BDFBC}" presName="hierRoot2" presStyleCnt="0">
+        <dgm:presLayoutVars>
+          <dgm:hierBranch val="init"/>
+        </dgm:presLayoutVars>
+      </dgm:prSet>
+      <dgm:spPr/>
+    </dgm:pt>
+    <dgm:pt modelId="{90F143ED-F5FB-450E-B2B0-C75AD37803E4}" type="pres">
+      <dgm:prSet presAssocID="{65ACCE1D-3BD4-4927-A396-2D6CF96BDFBC}" presName="rootComposite" presStyleCnt="0"/>
+      <dgm:spPr/>
+    </dgm:pt>
+    <dgm:pt modelId="{D37B394A-D89D-4E25-AF9E-8F0906EC8762}" type="pres">
+      <dgm:prSet presAssocID="{65ACCE1D-3BD4-4927-A396-2D6CF96BDFBC}" presName="rootText" presStyleLbl="node2" presStyleIdx="0" presStyleCnt="4">
+        <dgm:presLayoutVars>
+          <dgm:chPref val="3"/>
+        </dgm:presLayoutVars>
+      </dgm:prSet>
+      <dgm:spPr/>
+    </dgm:pt>
+    <dgm:pt modelId="{EC81DB69-A68E-4B41-B825-871BC2345479}" type="pres">
+      <dgm:prSet presAssocID="{65ACCE1D-3BD4-4927-A396-2D6CF96BDFBC}" presName="rootConnector" presStyleLbl="node2" presStyleIdx="0" presStyleCnt="4"/>
+      <dgm:spPr/>
+    </dgm:pt>
+    <dgm:pt modelId="{76036E11-320E-4869-BB48-3A8EC7C10050}" type="pres">
+      <dgm:prSet presAssocID="{65ACCE1D-3BD4-4927-A396-2D6CF96BDFBC}" presName="hierChild4" presStyleCnt="0"/>
+      <dgm:spPr/>
+    </dgm:pt>
+    <dgm:pt modelId="{DDCE9BC9-1E66-4CE6-ACDB-E576AEDF1F90}" type="pres">
+      <dgm:prSet presAssocID="{65ACCE1D-3BD4-4927-A396-2D6CF96BDFBC}" presName="hierChild5" presStyleCnt="0"/>
+      <dgm:spPr/>
+    </dgm:pt>
+    <dgm:pt modelId="{7B82CD7D-E66B-495D-A167-208DAFE04C14}" type="pres">
+      <dgm:prSet presAssocID="{05243F4A-7AB1-440A-B158-DDCEA8D9CC01}" presName="Name37" presStyleLbl="parChTrans1D2" presStyleIdx="1" presStyleCnt="4"/>
+      <dgm:spPr/>
+    </dgm:pt>
+    <dgm:pt modelId="{5140C48E-74C7-45A2-AD9C-6B3A71FE7F44}" type="pres">
+      <dgm:prSet presAssocID="{1444356A-2CCC-4DF1-8060-845304F1A121}" presName="hierRoot2" presStyleCnt="0">
+        <dgm:presLayoutVars>
+          <dgm:hierBranch val="init"/>
+        </dgm:presLayoutVars>
+      </dgm:prSet>
+      <dgm:spPr/>
+    </dgm:pt>
+    <dgm:pt modelId="{3512B48C-537C-47DC-AB3F-4A851BBF7849}" type="pres">
+      <dgm:prSet presAssocID="{1444356A-2CCC-4DF1-8060-845304F1A121}" presName="rootComposite" presStyleCnt="0"/>
+      <dgm:spPr/>
+    </dgm:pt>
+    <dgm:pt modelId="{5BFB8CE3-FDDB-4A47-A1BD-182D99E3E1A7}" type="pres">
+      <dgm:prSet presAssocID="{1444356A-2CCC-4DF1-8060-845304F1A121}" presName="rootText" presStyleLbl="node2" presStyleIdx="1" presStyleCnt="4">
+        <dgm:presLayoutVars>
+          <dgm:chPref val="3"/>
+        </dgm:presLayoutVars>
+      </dgm:prSet>
+      <dgm:spPr/>
+    </dgm:pt>
+    <dgm:pt modelId="{30F22507-1AE0-4B4F-8996-D2C2574F21E9}" type="pres">
+      <dgm:prSet presAssocID="{1444356A-2CCC-4DF1-8060-845304F1A121}" presName="rootConnector" presStyleLbl="node2" presStyleIdx="1" presStyleCnt="4"/>
+      <dgm:spPr/>
+    </dgm:pt>
+    <dgm:pt modelId="{843ABC10-23B0-4A02-82C9-6B0B1EC697CF}" type="pres">
+      <dgm:prSet presAssocID="{1444356A-2CCC-4DF1-8060-845304F1A121}" presName="hierChild4" presStyleCnt="0"/>
+      <dgm:spPr/>
+    </dgm:pt>
+    <dgm:pt modelId="{C2EA4313-D850-4C92-856B-0D6302D8A232}" type="pres">
+      <dgm:prSet presAssocID="{1444356A-2CCC-4DF1-8060-845304F1A121}" presName="hierChild5" presStyleCnt="0"/>
+      <dgm:spPr/>
+    </dgm:pt>
+    <dgm:pt modelId="{2D411D37-64EF-4925-8EE2-9A49E967AE67}" type="pres">
+      <dgm:prSet presAssocID="{8797460D-7CF2-41FC-8E93-DAD94949E865}" presName="Name37" presStyleLbl="parChTrans1D2" presStyleIdx="2" presStyleCnt="4"/>
+      <dgm:spPr/>
+    </dgm:pt>
+    <dgm:pt modelId="{D46FA846-263F-443A-A843-00FB51B2F2CE}" type="pres">
+      <dgm:prSet presAssocID="{C758C8A6-126C-4CF9-A7E3-CBBC44B48497}" presName="hierRoot2" presStyleCnt="0">
+        <dgm:presLayoutVars>
+          <dgm:hierBranch val="init"/>
+        </dgm:presLayoutVars>
+      </dgm:prSet>
+      <dgm:spPr/>
+    </dgm:pt>
+    <dgm:pt modelId="{81D57615-CD31-4939-BE5B-BF9796794FD7}" type="pres">
+      <dgm:prSet presAssocID="{C758C8A6-126C-4CF9-A7E3-CBBC44B48497}" presName="rootComposite" presStyleCnt="0"/>
+      <dgm:spPr/>
+    </dgm:pt>
+    <dgm:pt modelId="{6692DA02-AB2C-4B87-A2A3-ABC5C7B149A0}" type="pres">
+      <dgm:prSet presAssocID="{C758C8A6-126C-4CF9-A7E3-CBBC44B48497}" presName="rootText" presStyleLbl="node2" presStyleIdx="2" presStyleCnt="4">
+        <dgm:presLayoutVars>
+          <dgm:chPref val="3"/>
+        </dgm:presLayoutVars>
+      </dgm:prSet>
+      <dgm:spPr/>
+    </dgm:pt>
+    <dgm:pt modelId="{234E4956-0619-4F9B-A962-891A825ED1C1}" type="pres">
+      <dgm:prSet presAssocID="{C758C8A6-126C-4CF9-A7E3-CBBC44B48497}" presName="rootConnector" presStyleLbl="node2" presStyleIdx="2" presStyleCnt="4"/>
+      <dgm:spPr/>
+    </dgm:pt>
+    <dgm:pt modelId="{E42E69ED-97BC-48D3-85B3-70CB7FF71612}" type="pres">
+      <dgm:prSet presAssocID="{C758C8A6-126C-4CF9-A7E3-CBBC44B48497}" presName="hierChild4" presStyleCnt="0"/>
+      <dgm:spPr/>
+    </dgm:pt>
+    <dgm:pt modelId="{EA13E375-64F0-41AE-BE46-0201C40EFDC6}" type="pres">
+      <dgm:prSet presAssocID="{5CB0D8AA-079D-4DE2-A027-3C5FE9DDB7DC}" presName="Name37" presStyleLbl="parChTrans1D3" presStyleIdx="0" presStyleCnt="5"/>
+      <dgm:spPr/>
+    </dgm:pt>
+    <dgm:pt modelId="{2036440D-557F-48B5-BA49-BC35EFC75E98}" type="pres">
+      <dgm:prSet presAssocID="{7AA57574-C233-4284-AC8F-A08EE20B7F5A}" presName="hierRoot2" presStyleCnt="0">
+        <dgm:presLayoutVars>
+          <dgm:hierBranch val="init"/>
+        </dgm:presLayoutVars>
+      </dgm:prSet>
+      <dgm:spPr/>
+    </dgm:pt>
+    <dgm:pt modelId="{487103B8-DB15-4E0F-9D02-0576BBF8F593}" type="pres">
+      <dgm:prSet presAssocID="{7AA57574-C233-4284-AC8F-A08EE20B7F5A}" presName="rootComposite" presStyleCnt="0"/>
+      <dgm:spPr/>
+    </dgm:pt>
+    <dgm:pt modelId="{F684CB6D-0CA3-4575-B400-83A8010D1C8F}" type="pres">
+      <dgm:prSet presAssocID="{7AA57574-C233-4284-AC8F-A08EE20B7F5A}" presName="rootText" presStyleLbl="node3" presStyleIdx="0" presStyleCnt="5">
+        <dgm:presLayoutVars>
+          <dgm:chPref val="3"/>
+        </dgm:presLayoutVars>
+      </dgm:prSet>
+      <dgm:spPr/>
+    </dgm:pt>
+    <dgm:pt modelId="{496354FE-F3CC-4D1F-931B-2ED8EC9B90C8}" type="pres">
+      <dgm:prSet presAssocID="{7AA57574-C233-4284-AC8F-A08EE20B7F5A}" presName="rootConnector" presStyleLbl="node3" presStyleIdx="0" presStyleCnt="5"/>
+      <dgm:spPr/>
+    </dgm:pt>
+    <dgm:pt modelId="{D40DAF58-77D1-47E6-BABC-9A4A00FF0201}" type="pres">
+      <dgm:prSet presAssocID="{7AA57574-C233-4284-AC8F-A08EE20B7F5A}" presName="hierChild4" presStyleCnt="0"/>
+      <dgm:spPr/>
+    </dgm:pt>
+    <dgm:pt modelId="{0AC55C81-46DA-4B25-A5EB-E4909B37457C}" type="pres">
+      <dgm:prSet presAssocID="{7AA57574-C233-4284-AC8F-A08EE20B7F5A}" presName="hierChild5" presStyleCnt="0"/>
+      <dgm:spPr/>
+    </dgm:pt>
+    <dgm:pt modelId="{C7DDE1B5-3221-4895-A983-D4D793190E3A}" type="pres">
+      <dgm:prSet presAssocID="{09F555BA-FE77-492F-84B7-5289B24891A3}" presName="Name37" presStyleLbl="parChTrans1D3" presStyleIdx="1" presStyleCnt="5"/>
+      <dgm:spPr/>
+    </dgm:pt>
+    <dgm:pt modelId="{2FA24DC3-093D-4E97-AC4D-D6632FAE5CEA}" type="pres">
+      <dgm:prSet presAssocID="{16C5A2A5-6852-4791-A406-C8A6AB3EB4CA}" presName="hierRoot2" presStyleCnt="0">
+        <dgm:presLayoutVars>
+          <dgm:hierBranch val="init"/>
+        </dgm:presLayoutVars>
+      </dgm:prSet>
+      <dgm:spPr/>
+    </dgm:pt>
+    <dgm:pt modelId="{20D40640-60A4-4F55-B2C8-BFF6DA4DB6D6}" type="pres">
+      <dgm:prSet presAssocID="{16C5A2A5-6852-4791-A406-C8A6AB3EB4CA}" presName="rootComposite" presStyleCnt="0"/>
+      <dgm:spPr/>
+    </dgm:pt>
+    <dgm:pt modelId="{CF81FC50-5925-44BE-B20B-29F815938336}" type="pres">
+      <dgm:prSet presAssocID="{16C5A2A5-6852-4791-A406-C8A6AB3EB4CA}" presName="rootText" presStyleLbl="node3" presStyleIdx="1" presStyleCnt="5">
+        <dgm:presLayoutVars>
+          <dgm:chPref val="3"/>
+        </dgm:presLayoutVars>
+      </dgm:prSet>
+      <dgm:spPr/>
+    </dgm:pt>
+    <dgm:pt modelId="{984FD0E1-2D92-47EA-BCDD-9D8C52305717}" type="pres">
+      <dgm:prSet presAssocID="{16C5A2A5-6852-4791-A406-C8A6AB3EB4CA}" presName="rootConnector" presStyleLbl="node3" presStyleIdx="1" presStyleCnt="5"/>
+      <dgm:spPr/>
+    </dgm:pt>
+    <dgm:pt modelId="{092CD1C3-AD72-4031-9F94-89D01E74FB8F}" type="pres">
+      <dgm:prSet presAssocID="{16C5A2A5-6852-4791-A406-C8A6AB3EB4CA}" presName="hierChild4" presStyleCnt="0"/>
+      <dgm:spPr/>
+    </dgm:pt>
+    <dgm:pt modelId="{2645CE66-0330-4A3A-B406-BC2CA64E4E1A}" type="pres">
+      <dgm:prSet presAssocID="{16C5A2A5-6852-4791-A406-C8A6AB3EB4CA}" presName="hierChild5" presStyleCnt="0"/>
+      <dgm:spPr/>
+    </dgm:pt>
+    <dgm:pt modelId="{EAAE914B-E388-4EC8-B530-3A99BD8EFEEC}" type="pres">
+      <dgm:prSet presAssocID="{C758C8A6-126C-4CF9-A7E3-CBBC44B48497}" presName="hierChild5" presStyleCnt="0"/>
+      <dgm:spPr/>
+    </dgm:pt>
+    <dgm:pt modelId="{096189C1-DA8D-48D6-8880-7BF514A3200A}" type="pres">
+      <dgm:prSet presAssocID="{2D31D540-5954-4A9F-BB45-3F8A21254195}" presName="Name37" presStyleLbl="parChTrans1D2" presStyleIdx="3" presStyleCnt="4"/>
+      <dgm:spPr/>
+    </dgm:pt>
+    <dgm:pt modelId="{E1BB378C-289E-4C13-AE2D-EAC4F368FC04}" type="pres">
+      <dgm:prSet presAssocID="{C761D48B-45E3-41DC-8EE1-AEC4A1AF3659}" presName="hierRoot2" presStyleCnt="0">
+        <dgm:presLayoutVars>
+          <dgm:hierBranch val="init"/>
+        </dgm:presLayoutVars>
+      </dgm:prSet>
+      <dgm:spPr/>
+    </dgm:pt>
+    <dgm:pt modelId="{E114916B-D5A1-491D-AD5E-D9C3A00EF0F4}" type="pres">
+      <dgm:prSet presAssocID="{C761D48B-45E3-41DC-8EE1-AEC4A1AF3659}" presName="rootComposite" presStyleCnt="0"/>
+      <dgm:spPr/>
+    </dgm:pt>
+    <dgm:pt modelId="{CC4A03C4-DDC0-4767-B0DC-552FE17BF4B2}" type="pres">
+      <dgm:prSet presAssocID="{C761D48B-45E3-41DC-8EE1-AEC4A1AF3659}" presName="rootText" presStyleLbl="node2" presStyleIdx="3" presStyleCnt="4">
+        <dgm:presLayoutVars>
+          <dgm:chPref val="3"/>
+        </dgm:presLayoutVars>
+      </dgm:prSet>
+      <dgm:spPr/>
+    </dgm:pt>
+    <dgm:pt modelId="{2C0AC9DF-05E0-4F27-80C0-76A65EF69B1B}" type="pres">
+      <dgm:prSet presAssocID="{C761D48B-45E3-41DC-8EE1-AEC4A1AF3659}" presName="rootConnector" presStyleLbl="node2" presStyleIdx="3" presStyleCnt="4"/>
+      <dgm:spPr/>
+    </dgm:pt>
+    <dgm:pt modelId="{C6326D15-3B3E-4D06-9937-85087E4454E2}" type="pres">
+      <dgm:prSet presAssocID="{C761D48B-45E3-41DC-8EE1-AEC4A1AF3659}" presName="hierChild4" presStyleCnt="0"/>
+      <dgm:spPr/>
+    </dgm:pt>
+    <dgm:pt modelId="{54C625C3-ED21-4BEC-A6B2-36F003EB321C}" type="pres">
+      <dgm:prSet presAssocID="{8DBDA32E-CEDB-4958-933D-EAF333B158DB}" presName="Name37" presStyleLbl="parChTrans1D3" presStyleIdx="2" presStyleCnt="5"/>
+      <dgm:spPr/>
+    </dgm:pt>
+    <dgm:pt modelId="{DF0A9812-B2A2-47B5-9A3E-1F9023DBC17F}" type="pres">
+      <dgm:prSet presAssocID="{42FC45B0-1C9B-4A8B-B0B2-F3D2FF3A2468}" presName="hierRoot2" presStyleCnt="0">
+        <dgm:presLayoutVars>
+          <dgm:hierBranch val="init"/>
+        </dgm:presLayoutVars>
+      </dgm:prSet>
+      <dgm:spPr/>
+    </dgm:pt>
+    <dgm:pt modelId="{1FE705A4-49CE-41CF-98C5-FB661129DC04}" type="pres">
+      <dgm:prSet presAssocID="{42FC45B0-1C9B-4A8B-B0B2-F3D2FF3A2468}" presName="rootComposite" presStyleCnt="0"/>
+      <dgm:spPr/>
+    </dgm:pt>
+    <dgm:pt modelId="{370B2BA9-3B69-4D8C-859C-83949602F126}" type="pres">
+      <dgm:prSet presAssocID="{42FC45B0-1C9B-4A8B-B0B2-F3D2FF3A2468}" presName="rootText" presStyleLbl="node3" presStyleIdx="2" presStyleCnt="5">
+        <dgm:presLayoutVars>
+          <dgm:chPref val="3"/>
+        </dgm:presLayoutVars>
+      </dgm:prSet>
+      <dgm:spPr/>
+    </dgm:pt>
+    <dgm:pt modelId="{6D1182BA-3C0E-4439-9AC5-76ED492F75EB}" type="pres">
+      <dgm:prSet presAssocID="{42FC45B0-1C9B-4A8B-B0B2-F3D2FF3A2468}" presName="rootConnector" presStyleLbl="node3" presStyleIdx="2" presStyleCnt="5"/>
+      <dgm:spPr/>
+    </dgm:pt>
+    <dgm:pt modelId="{E8FACB55-44CB-4D1C-B8B2-D9E3EC1473E7}" type="pres">
+      <dgm:prSet presAssocID="{42FC45B0-1C9B-4A8B-B0B2-F3D2FF3A2468}" presName="hierChild4" presStyleCnt="0"/>
+      <dgm:spPr/>
+    </dgm:pt>
+    <dgm:pt modelId="{8F139694-2500-4833-A438-A94C11DC86CB}" type="pres">
+      <dgm:prSet presAssocID="{42FC45B0-1C9B-4A8B-B0B2-F3D2FF3A2468}" presName="hierChild5" presStyleCnt="0"/>
+      <dgm:spPr/>
+    </dgm:pt>
+    <dgm:pt modelId="{A194D412-1823-4CAC-ACAD-63D56EBE3FA3}" type="pres">
+      <dgm:prSet presAssocID="{C500B74A-3977-42FA-B0EF-541749584CCF}" presName="Name37" presStyleLbl="parChTrans1D3" presStyleIdx="3" presStyleCnt="5"/>
+      <dgm:spPr/>
+    </dgm:pt>
+    <dgm:pt modelId="{6078C560-FB54-461B-8C47-F18335AF84B9}" type="pres">
+      <dgm:prSet presAssocID="{E72DCED2-8557-4FA3-AC19-06B6B9A2E37F}" presName="hierRoot2" presStyleCnt="0">
+        <dgm:presLayoutVars>
+          <dgm:hierBranch val="init"/>
+        </dgm:presLayoutVars>
+      </dgm:prSet>
+      <dgm:spPr/>
+    </dgm:pt>
+    <dgm:pt modelId="{10948859-99F7-4505-8033-DB3D1492F685}" type="pres">
+      <dgm:prSet presAssocID="{E72DCED2-8557-4FA3-AC19-06B6B9A2E37F}" presName="rootComposite" presStyleCnt="0"/>
+      <dgm:spPr/>
+    </dgm:pt>
+    <dgm:pt modelId="{2E6DF66F-FA8C-44E4-AEBC-B414769205A9}" type="pres">
+      <dgm:prSet presAssocID="{E72DCED2-8557-4FA3-AC19-06B6B9A2E37F}" presName="rootText" presStyleLbl="node3" presStyleIdx="3" presStyleCnt="5">
+        <dgm:presLayoutVars>
+          <dgm:chPref val="3"/>
+        </dgm:presLayoutVars>
+      </dgm:prSet>
+      <dgm:spPr/>
+    </dgm:pt>
+    <dgm:pt modelId="{BA484903-3C28-497B-805D-DF24C488C7A0}" type="pres">
+      <dgm:prSet presAssocID="{E72DCED2-8557-4FA3-AC19-06B6B9A2E37F}" presName="rootConnector" presStyleLbl="node3" presStyleIdx="3" presStyleCnt="5"/>
+      <dgm:spPr/>
+    </dgm:pt>
+    <dgm:pt modelId="{20B2B864-3915-4267-8383-60CBA9129F73}" type="pres">
+      <dgm:prSet presAssocID="{E72DCED2-8557-4FA3-AC19-06B6B9A2E37F}" presName="hierChild4" presStyleCnt="0"/>
+      <dgm:spPr/>
+    </dgm:pt>
+    <dgm:pt modelId="{14F14BD3-8516-47EA-933E-707EFF62AE28}" type="pres">
+      <dgm:prSet presAssocID="{E72DCED2-8557-4FA3-AC19-06B6B9A2E37F}" presName="hierChild5" presStyleCnt="0"/>
+      <dgm:spPr/>
+    </dgm:pt>
+    <dgm:pt modelId="{A3A9214C-149D-450C-B524-8A8AFBAE6598}" type="pres">
+      <dgm:prSet presAssocID="{06E67021-E373-46DD-B510-B025D62858F0}" presName="Name37" presStyleLbl="parChTrans1D3" presStyleIdx="4" presStyleCnt="5"/>
+      <dgm:spPr/>
+    </dgm:pt>
+    <dgm:pt modelId="{835CD7ED-F7B0-4392-8CC5-E49A2F07232D}" type="pres">
+      <dgm:prSet presAssocID="{2B13909C-1305-4F36-800F-01E48E5218D8}" presName="hierRoot2" presStyleCnt="0">
+        <dgm:presLayoutVars>
+          <dgm:hierBranch val="init"/>
+        </dgm:presLayoutVars>
+      </dgm:prSet>
+      <dgm:spPr/>
+    </dgm:pt>
+    <dgm:pt modelId="{395B6152-234B-4CD4-B042-970AE4802528}" type="pres">
+      <dgm:prSet presAssocID="{2B13909C-1305-4F36-800F-01E48E5218D8}" presName="rootComposite" presStyleCnt="0"/>
+      <dgm:spPr/>
+    </dgm:pt>
+    <dgm:pt modelId="{37B891EE-457B-4B1D-8D27-286A7326E551}" type="pres">
+      <dgm:prSet presAssocID="{2B13909C-1305-4F36-800F-01E48E5218D8}" presName="rootText" presStyleLbl="node3" presStyleIdx="4" presStyleCnt="5">
+        <dgm:presLayoutVars>
+          <dgm:chPref val="3"/>
+        </dgm:presLayoutVars>
+      </dgm:prSet>
+      <dgm:spPr/>
+    </dgm:pt>
+    <dgm:pt modelId="{0DDF5149-6241-49AC-AD76-56534B6EC371}" type="pres">
+      <dgm:prSet presAssocID="{2B13909C-1305-4F36-800F-01E48E5218D8}" presName="rootConnector" presStyleLbl="node3" presStyleIdx="4" presStyleCnt="5"/>
+      <dgm:spPr/>
+    </dgm:pt>
+    <dgm:pt modelId="{817EB491-3303-47FF-A02E-F6B4FBD01A20}" type="pres">
+      <dgm:prSet presAssocID="{2B13909C-1305-4F36-800F-01E48E5218D8}" presName="hierChild4" presStyleCnt="0"/>
+      <dgm:spPr/>
+    </dgm:pt>
+    <dgm:pt modelId="{C9AA5A72-4E03-4502-B6DF-0A365C68D68D}" type="pres">
+      <dgm:prSet presAssocID="{2B13909C-1305-4F36-800F-01E48E5218D8}" presName="hierChild5" presStyleCnt="0"/>
+      <dgm:spPr/>
+    </dgm:pt>
+    <dgm:pt modelId="{E421D6E6-841C-4021-AC1A-DD418FDDAE4F}" type="pres">
+      <dgm:prSet presAssocID="{C761D48B-45E3-41DC-8EE1-AEC4A1AF3659}" presName="hierChild5" presStyleCnt="0"/>
+      <dgm:spPr/>
+    </dgm:pt>
+    <dgm:pt modelId="{D29F67D5-2A0E-4055-9EF7-9505B0665171}" type="pres">
+      <dgm:prSet presAssocID="{5D438917-69EB-4960-9EE9-6184D48EA467}" presName="hierChild3" presStyleCnt="0"/>
+      <dgm:spPr/>
+    </dgm:pt>
+  </dgm:ptLst>
+  <dgm:cxnLst>
+    <dgm:cxn modelId="{BB285A0B-7A62-4FAE-B712-539727F25919}" srcId="{C758C8A6-126C-4CF9-A7E3-CBBC44B48497}" destId="{7AA57574-C233-4284-AC8F-A08EE20B7F5A}" srcOrd="0" destOrd="0" parTransId="{5CB0D8AA-079D-4DE2-A027-3C5FE9DDB7DC}" sibTransId="{8641FFCA-E260-473C-B85C-F3BF736B1746}"/>
+    <dgm:cxn modelId="{EF3DB90E-D162-4807-84F4-4433D4E38F6C}" type="presOf" srcId="{42FC45B0-1C9B-4A8B-B0B2-F3D2FF3A2468}" destId="{370B2BA9-3B69-4D8C-859C-83949602F126}" srcOrd="0" destOrd="0" presId="urn:microsoft.com/office/officeart/2005/8/layout/orgChart1"/>
+    <dgm:cxn modelId="{B431D710-69A1-412D-BA76-8FA9390CBA19}" type="presOf" srcId="{65ACCE1D-3BD4-4927-A396-2D6CF96BDFBC}" destId="{EC81DB69-A68E-4B41-B825-871BC2345479}" srcOrd="1" destOrd="0" presId="urn:microsoft.com/office/officeart/2005/8/layout/orgChart1"/>
+    <dgm:cxn modelId="{28D51513-DFBC-4239-9807-C8BD6C9ECB7F}" type="presOf" srcId="{C761D48B-45E3-41DC-8EE1-AEC4A1AF3659}" destId="{2C0AC9DF-05E0-4F27-80C0-76A65EF69B1B}" srcOrd="1" destOrd="0" presId="urn:microsoft.com/office/officeart/2005/8/layout/orgChart1"/>
+    <dgm:cxn modelId="{71ABF41E-AB39-4A98-BD0C-F019239B59E9}" srcId="{E56A1606-B412-48DC-B431-D073BDE099AF}" destId="{5D438917-69EB-4960-9EE9-6184D48EA467}" srcOrd="0" destOrd="0" parTransId="{FC7E077F-6F90-46A8-8056-62C9FCAAD1CC}" sibTransId="{D59774A1-C857-4327-82CB-23AE84D6625A}"/>
+    <dgm:cxn modelId="{E18D3F21-BF19-4FD2-A974-E31D001A4191}" type="presOf" srcId="{E72DCED2-8557-4FA3-AC19-06B6B9A2E37F}" destId="{BA484903-3C28-497B-805D-DF24C488C7A0}" srcOrd="1" destOrd="0" presId="urn:microsoft.com/office/officeart/2005/8/layout/orgChart1"/>
+    <dgm:cxn modelId="{D7D91A24-1231-4BEB-9C94-944B1E9552EA}" type="presOf" srcId="{6BFF1C58-5C59-46CA-A03C-6B32D2E4F714}" destId="{D9AA9C8F-C87E-4B98-AB1B-B0704EF4D484}" srcOrd="0" destOrd="0" presId="urn:microsoft.com/office/officeart/2005/8/layout/orgChart1"/>
+    <dgm:cxn modelId="{FE56672B-33FC-44BC-8836-D472536CD1FE}" srcId="{5D438917-69EB-4960-9EE9-6184D48EA467}" destId="{1444356A-2CCC-4DF1-8060-845304F1A121}" srcOrd="1" destOrd="0" parTransId="{05243F4A-7AB1-440A-B158-DDCEA8D9CC01}" sibTransId="{BCE9B881-3429-49C2-A308-BC59F9C20F05}"/>
+    <dgm:cxn modelId="{B3C7282C-20D2-4D17-996E-9274213A44E3}" type="presOf" srcId="{C758C8A6-126C-4CF9-A7E3-CBBC44B48497}" destId="{234E4956-0619-4F9B-A962-891A825ED1C1}" srcOrd="1" destOrd="0" presId="urn:microsoft.com/office/officeart/2005/8/layout/orgChart1"/>
+    <dgm:cxn modelId="{9C7FA03B-6E95-4CF8-B99B-54A8D511E9E2}" srcId="{5D438917-69EB-4960-9EE9-6184D48EA467}" destId="{65ACCE1D-3BD4-4927-A396-2D6CF96BDFBC}" srcOrd="0" destOrd="0" parTransId="{6BFF1C58-5C59-46CA-A03C-6B32D2E4F714}" sibTransId="{EDC29EB1-B31E-4A51-98E4-6B2444D260DA}"/>
+    <dgm:cxn modelId="{E70E183D-4080-446D-A53F-0069CEC5B485}" srcId="{5D438917-69EB-4960-9EE9-6184D48EA467}" destId="{C761D48B-45E3-41DC-8EE1-AEC4A1AF3659}" srcOrd="3" destOrd="0" parTransId="{2D31D540-5954-4A9F-BB45-3F8A21254195}" sibTransId="{034323FE-DD98-4981-B780-4387B3101F9A}"/>
+    <dgm:cxn modelId="{61FA4E5D-C963-477E-A60A-252F36D59C23}" srcId="{C761D48B-45E3-41DC-8EE1-AEC4A1AF3659}" destId="{42FC45B0-1C9B-4A8B-B0B2-F3D2FF3A2468}" srcOrd="0" destOrd="0" parTransId="{8DBDA32E-CEDB-4958-933D-EAF333B158DB}" sibTransId="{77154F5C-EBB2-49EC-A0B8-A101D0BDB9EF}"/>
+    <dgm:cxn modelId="{561FA55F-4A66-447E-81CE-A6A74F343B0C}" type="presOf" srcId="{16C5A2A5-6852-4791-A406-C8A6AB3EB4CA}" destId="{984FD0E1-2D92-47EA-BCDD-9D8C52305717}" srcOrd="1" destOrd="0" presId="urn:microsoft.com/office/officeart/2005/8/layout/orgChart1"/>
+    <dgm:cxn modelId="{78391041-642C-4F3E-9C6C-131DC15006E9}" type="presOf" srcId="{E72DCED2-8557-4FA3-AC19-06B6B9A2E37F}" destId="{2E6DF66F-FA8C-44E4-AEBC-B414769205A9}" srcOrd="0" destOrd="0" presId="urn:microsoft.com/office/officeart/2005/8/layout/orgChart1"/>
+    <dgm:cxn modelId="{D932CD62-2B3D-469D-8D44-CDD155481342}" type="presOf" srcId="{8797460D-7CF2-41FC-8E93-DAD94949E865}" destId="{2D411D37-64EF-4925-8EE2-9A49E967AE67}" srcOrd="0" destOrd="0" presId="urn:microsoft.com/office/officeart/2005/8/layout/orgChart1"/>
+    <dgm:cxn modelId="{CF452743-E8FC-4756-9D83-7FCFF4800095}" type="presOf" srcId="{7AA57574-C233-4284-AC8F-A08EE20B7F5A}" destId="{F684CB6D-0CA3-4575-B400-83A8010D1C8F}" srcOrd="0" destOrd="0" presId="urn:microsoft.com/office/officeart/2005/8/layout/orgChart1"/>
+    <dgm:cxn modelId="{36413C64-F286-4CB3-8B60-2A825491DE5B}" type="presOf" srcId="{1444356A-2CCC-4DF1-8060-845304F1A121}" destId="{5BFB8CE3-FDDB-4A47-A1BD-182D99E3E1A7}" srcOrd="0" destOrd="0" presId="urn:microsoft.com/office/officeart/2005/8/layout/orgChart1"/>
+    <dgm:cxn modelId="{20B45246-C6FD-4E54-8D87-6B3C964D23B6}" type="presOf" srcId="{06E67021-E373-46DD-B510-B025D62858F0}" destId="{A3A9214C-149D-450C-B524-8A8AFBAE6598}" srcOrd="0" destOrd="0" presId="urn:microsoft.com/office/officeart/2005/8/layout/orgChart1"/>
+    <dgm:cxn modelId="{8A44D566-1C65-4F79-A88E-50B25C212EEA}" type="presOf" srcId="{1444356A-2CCC-4DF1-8060-845304F1A121}" destId="{30F22507-1AE0-4B4F-8996-D2C2574F21E9}" srcOrd="1" destOrd="0" presId="urn:microsoft.com/office/officeart/2005/8/layout/orgChart1"/>
+    <dgm:cxn modelId="{8F456347-63E9-4F54-AFD7-D7E93F3FFA16}" type="presOf" srcId="{2B13909C-1305-4F36-800F-01E48E5218D8}" destId="{37B891EE-457B-4B1D-8D27-286A7326E551}" srcOrd="0" destOrd="0" presId="urn:microsoft.com/office/officeart/2005/8/layout/orgChart1"/>
+    <dgm:cxn modelId="{66A0FB69-7507-4E39-8C11-5E75B0A805F2}" type="presOf" srcId="{5D438917-69EB-4960-9EE9-6184D48EA467}" destId="{8AC92E4C-15DA-46FB-8356-53D37AA6EA8F}" srcOrd="1" destOrd="0" presId="urn:microsoft.com/office/officeart/2005/8/layout/orgChart1"/>
+    <dgm:cxn modelId="{E6589E6D-0F66-4474-85CA-7D5752765A01}" srcId="{C761D48B-45E3-41DC-8EE1-AEC4A1AF3659}" destId="{2B13909C-1305-4F36-800F-01E48E5218D8}" srcOrd="2" destOrd="0" parTransId="{06E67021-E373-46DD-B510-B025D62858F0}" sibTransId="{103DC43D-F620-47EA-AF5E-8E1CB6C06DCC}"/>
+    <dgm:cxn modelId="{66ABC271-D95A-413E-ACEB-794C9429134F}" type="presOf" srcId="{2B13909C-1305-4F36-800F-01E48E5218D8}" destId="{0DDF5149-6241-49AC-AD76-56534B6EC371}" srcOrd="1" destOrd="0" presId="urn:microsoft.com/office/officeart/2005/8/layout/orgChart1"/>
+    <dgm:cxn modelId="{664AD55A-264F-46A8-8961-582730E00273}" srcId="{5D438917-69EB-4960-9EE9-6184D48EA467}" destId="{C758C8A6-126C-4CF9-A7E3-CBBC44B48497}" srcOrd="2" destOrd="0" parTransId="{8797460D-7CF2-41FC-8E93-DAD94949E865}" sibTransId="{3A36C136-C071-4C69-AFB3-1C4918486399}"/>
+    <dgm:cxn modelId="{C3DC0285-E642-4843-A63D-8B2932DB924A}" srcId="{C761D48B-45E3-41DC-8EE1-AEC4A1AF3659}" destId="{E72DCED2-8557-4FA3-AC19-06B6B9A2E37F}" srcOrd="1" destOrd="0" parTransId="{C500B74A-3977-42FA-B0EF-541749584CCF}" sibTransId="{AFC61A09-EE85-44A5-90F4-FA207310FE00}"/>
+    <dgm:cxn modelId="{F8D11095-65FE-4CCB-B730-7243D5EA5055}" type="presOf" srcId="{5D438917-69EB-4960-9EE9-6184D48EA467}" destId="{114B413F-3723-4A0A-95A9-A951E3190945}" srcOrd="0" destOrd="0" presId="urn:microsoft.com/office/officeart/2005/8/layout/orgChart1"/>
+    <dgm:cxn modelId="{A7A2569D-B9E0-46D4-907D-9BF83CF3C5EA}" type="presOf" srcId="{2D31D540-5954-4A9F-BB45-3F8A21254195}" destId="{096189C1-DA8D-48D6-8880-7BF514A3200A}" srcOrd="0" destOrd="0" presId="urn:microsoft.com/office/officeart/2005/8/layout/orgChart1"/>
+    <dgm:cxn modelId="{0A25B7A7-B853-44E7-8B57-9E159A5F2A90}" type="presOf" srcId="{7AA57574-C233-4284-AC8F-A08EE20B7F5A}" destId="{496354FE-F3CC-4D1F-931B-2ED8EC9B90C8}" srcOrd="1" destOrd="0" presId="urn:microsoft.com/office/officeart/2005/8/layout/orgChart1"/>
+    <dgm:cxn modelId="{8118D0B1-C9D8-4D4B-92D3-55F6B3A30E4A}" type="presOf" srcId="{5CB0D8AA-079D-4DE2-A027-3C5FE9DDB7DC}" destId="{EA13E375-64F0-41AE-BE46-0201C40EFDC6}" srcOrd="0" destOrd="0" presId="urn:microsoft.com/office/officeart/2005/8/layout/orgChart1"/>
+    <dgm:cxn modelId="{B2F46DB3-F760-493A-B8B4-2D5897D2499D}" type="presOf" srcId="{C761D48B-45E3-41DC-8EE1-AEC4A1AF3659}" destId="{CC4A03C4-DDC0-4767-B0DC-552FE17BF4B2}" srcOrd="0" destOrd="0" presId="urn:microsoft.com/office/officeart/2005/8/layout/orgChart1"/>
+    <dgm:cxn modelId="{7FE1CCB8-588D-4E0A-A974-498E5655612F}" srcId="{C758C8A6-126C-4CF9-A7E3-CBBC44B48497}" destId="{16C5A2A5-6852-4791-A406-C8A6AB3EB4CA}" srcOrd="1" destOrd="0" parTransId="{09F555BA-FE77-492F-84B7-5289B24891A3}" sibTransId="{36CF9179-A062-468B-B83B-390DB61F4FB4}"/>
+    <dgm:cxn modelId="{2FFAAEBD-AAEB-4ECF-9A0D-EB48F523D0D1}" type="presOf" srcId="{42FC45B0-1C9B-4A8B-B0B2-F3D2FF3A2468}" destId="{6D1182BA-3C0E-4439-9AC5-76ED492F75EB}" srcOrd="1" destOrd="0" presId="urn:microsoft.com/office/officeart/2005/8/layout/orgChart1"/>
+    <dgm:cxn modelId="{288F6BC0-91EB-434A-8835-395261E79868}" type="presOf" srcId="{C758C8A6-126C-4CF9-A7E3-CBBC44B48497}" destId="{6692DA02-AB2C-4B87-A2A3-ABC5C7B149A0}" srcOrd="0" destOrd="0" presId="urn:microsoft.com/office/officeart/2005/8/layout/orgChart1"/>
+    <dgm:cxn modelId="{76B066C6-0E59-4C88-B41E-86B577FF5D30}" type="presOf" srcId="{E56A1606-B412-48DC-B431-D073BDE099AF}" destId="{C425EC0C-C896-48FB-928D-80877C72E630}" srcOrd="0" destOrd="0" presId="urn:microsoft.com/office/officeart/2005/8/layout/orgChart1"/>
+    <dgm:cxn modelId="{15998AD7-21C7-4179-AD79-B69D53DA9FBB}" type="presOf" srcId="{09F555BA-FE77-492F-84B7-5289B24891A3}" destId="{C7DDE1B5-3221-4895-A983-D4D793190E3A}" srcOrd="0" destOrd="0" presId="urn:microsoft.com/office/officeart/2005/8/layout/orgChart1"/>
+    <dgm:cxn modelId="{6305B6E6-97E4-4303-8C71-A7AC62D329C0}" type="presOf" srcId="{8DBDA32E-CEDB-4958-933D-EAF333B158DB}" destId="{54C625C3-ED21-4BEC-A6B2-36F003EB321C}" srcOrd="0" destOrd="0" presId="urn:microsoft.com/office/officeart/2005/8/layout/orgChart1"/>
+    <dgm:cxn modelId="{C8C62FE7-D7B2-4FF0-A42F-BDBB22F4E309}" type="presOf" srcId="{C500B74A-3977-42FA-B0EF-541749584CCF}" destId="{A194D412-1823-4CAC-ACAD-63D56EBE3FA3}" srcOrd="0" destOrd="0" presId="urn:microsoft.com/office/officeart/2005/8/layout/orgChart1"/>
+    <dgm:cxn modelId="{CCDE8FEC-E31A-4AD3-AE93-09F6CE99AA52}" type="presOf" srcId="{05243F4A-7AB1-440A-B158-DDCEA8D9CC01}" destId="{7B82CD7D-E66B-495D-A167-208DAFE04C14}" srcOrd="0" destOrd="0" presId="urn:microsoft.com/office/officeart/2005/8/layout/orgChart1"/>
+    <dgm:cxn modelId="{F87B36F7-BC62-4E0B-88B0-47CBCC2D0DB6}" type="presOf" srcId="{16C5A2A5-6852-4791-A406-C8A6AB3EB4CA}" destId="{CF81FC50-5925-44BE-B20B-29F815938336}" srcOrd="0" destOrd="0" presId="urn:microsoft.com/office/officeart/2005/8/layout/orgChart1"/>
+    <dgm:cxn modelId="{530047FF-B082-4022-B408-82D15080296B}" type="presOf" srcId="{65ACCE1D-3BD4-4927-A396-2D6CF96BDFBC}" destId="{D37B394A-D89D-4E25-AF9E-8F0906EC8762}" srcOrd="0" destOrd="0" presId="urn:microsoft.com/office/officeart/2005/8/layout/orgChart1"/>
+    <dgm:cxn modelId="{21B58D87-99CB-4DE5-929D-4C7E2650DA2F}" type="presParOf" srcId="{C425EC0C-C896-48FB-928D-80877C72E630}" destId="{6A8999E0-D0D2-4979-BF64-F9FDC364158E}" srcOrd="0" destOrd="0" presId="urn:microsoft.com/office/officeart/2005/8/layout/orgChart1"/>
+    <dgm:cxn modelId="{6E61B1F1-CE59-4BDF-806A-09CF0525FB80}" type="presParOf" srcId="{6A8999E0-D0D2-4979-BF64-F9FDC364158E}" destId="{633F72DC-AC9E-4825-90CE-3D277DA96AE5}" srcOrd="0" destOrd="0" presId="urn:microsoft.com/office/officeart/2005/8/layout/orgChart1"/>
+    <dgm:cxn modelId="{FEAD6C91-C9DF-4E47-A7D5-075B6C482301}" type="presParOf" srcId="{633F72DC-AC9E-4825-90CE-3D277DA96AE5}" destId="{114B413F-3723-4A0A-95A9-A951E3190945}" srcOrd="0" destOrd="0" presId="urn:microsoft.com/office/officeart/2005/8/layout/orgChart1"/>
+    <dgm:cxn modelId="{77A43745-E67D-4685-9F7B-6F4D841269A5}" type="presParOf" srcId="{633F72DC-AC9E-4825-90CE-3D277DA96AE5}" destId="{8AC92E4C-15DA-46FB-8356-53D37AA6EA8F}" srcOrd="1" destOrd="0" presId="urn:microsoft.com/office/officeart/2005/8/layout/orgChart1"/>
+    <dgm:cxn modelId="{5814EB63-A273-4E38-9E3E-FED8A807B82A}" type="presParOf" srcId="{6A8999E0-D0D2-4979-BF64-F9FDC364158E}" destId="{96BF84BC-FFB6-4FCF-807C-F0C2B4A15322}" srcOrd="1" destOrd="0" presId="urn:microsoft.com/office/officeart/2005/8/layout/orgChart1"/>
+    <dgm:cxn modelId="{9FE40CFC-E788-4466-86BB-A23D3837AAE5}" type="presParOf" srcId="{96BF84BC-FFB6-4FCF-807C-F0C2B4A15322}" destId="{D9AA9C8F-C87E-4B98-AB1B-B0704EF4D484}" srcOrd="0" destOrd="0" presId="urn:microsoft.com/office/officeart/2005/8/layout/orgChart1"/>
+    <dgm:cxn modelId="{5414308A-644D-4054-BA87-9B93156F6204}" type="presParOf" srcId="{96BF84BC-FFB6-4FCF-807C-F0C2B4A15322}" destId="{C5DE6EFA-7FD9-4034-B24A-64E2AE23195E}" srcOrd="1" destOrd="0" presId="urn:microsoft.com/office/officeart/2005/8/layout/orgChart1"/>
+    <dgm:cxn modelId="{F07BB5E3-D11B-4700-ABD3-1D2F4A1FECFC}" type="presParOf" srcId="{C5DE6EFA-7FD9-4034-B24A-64E2AE23195E}" destId="{90F143ED-F5FB-450E-B2B0-C75AD37803E4}" srcOrd="0" destOrd="0" presId="urn:microsoft.com/office/officeart/2005/8/layout/orgChart1"/>
+    <dgm:cxn modelId="{5709DC48-7D6C-40D1-8DD6-AA90EE0A6F4B}" type="presParOf" srcId="{90F143ED-F5FB-450E-B2B0-C75AD37803E4}" destId="{D37B394A-D89D-4E25-AF9E-8F0906EC8762}" srcOrd="0" destOrd="0" presId="urn:microsoft.com/office/officeart/2005/8/layout/orgChart1"/>
+    <dgm:cxn modelId="{1C2EDCEA-0821-4886-8C8F-7A0635F535AA}" type="presParOf" srcId="{90F143ED-F5FB-450E-B2B0-C75AD37803E4}" destId="{EC81DB69-A68E-4B41-B825-871BC2345479}" srcOrd="1" destOrd="0" presId="urn:microsoft.com/office/officeart/2005/8/layout/orgChart1"/>
+    <dgm:cxn modelId="{1E64C5AE-0217-4C12-91A5-B931CEFBB18A}" type="presParOf" srcId="{C5DE6EFA-7FD9-4034-B24A-64E2AE23195E}" destId="{76036E11-320E-4869-BB48-3A8EC7C10050}" srcOrd="1" destOrd="0" presId="urn:microsoft.com/office/officeart/2005/8/layout/orgChart1"/>
+    <dgm:cxn modelId="{932DA84B-8725-4BA4-A0E9-82B62BA993EC}" type="presParOf" srcId="{C5DE6EFA-7FD9-4034-B24A-64E2AE23195E}" destId="{DDCE9BC9-1E66-4CE6-ACDB-E576AEDF1F90}" srcOrd="2" destOrd="0" presId="urn:microsoft.com/office/officeart/2005/8/layout/orgChart1"/>
+    <dgm:cxn modelId="{6FDD864B-6694-4A84-8B8B-96A62141D0DE}" type="presParOf" srcId="{96BF84BC-FFB6-4FCF-807C-F0C2B4A15322}" destId="{7B82CD7D-E66B-495D-A167-208DAFE04C14}" srcOrd="2" destOrd="0" presId="urn:microsoft.com/office/officeart/2005/8/layout/orgChart1"/>
+    <dgm:cxn modelId="{D9940CD7-1947-44D1-B8F4-07E7E39A4C15}" type="presParOf" srcId="{96BF84BC-FFB6-4FCF-807C-F0C2B4A15322}" destId="{5140C48E-74C7-45A2-AD9C-6B3A71FE7F44}" srcOrd="3" destOrd="0" presId="urn:microsoft.com/office/officeart/2005/8/layout/orgChart1"/>
+    <dgm:cxn modelId="{9CD26DCA-2590-460B-B605-C6378D2BF37B}" type="presParOf" srcId="{5140C48E-74C7-45A2-AD9C-6B3A71FE7F44}" destId="{3512B48C-537C-47DC-AB3F-4A851BBF7849}" srcOrd="0" destOrd="0" presId="urn:microsoft.com/office/officeart/2005/8/layout/orgChart1"/>
+    <dgm:cxn modelId="{C69879FC-7DD7-4766-96DA-42270C4B5EA3}" type="presParOf" srcId="{3512B48C-537C-47DC-AB3F-4A851BBF7849}" destId="{5BFB8CE3-FDDB-4A47-A1BD-182D99E3E1A7}" srcOrd="0" destOrd="0" presId="urn:microsoft.com/office/officeart/2005/8/layout/orgChart1"/>
+    <dgm:cxn modelId="{3FE54EEE-B4DE-4ECB-919E-3131110A5E4F}" type="presParOf" srcId="{3512B48C-537C-47DC-AB3F-4A851BBF7849}" destId="{30F22507-1AE0-4B4F-8996-D2C2574F21E9}" srcOrd="1" destOrd="0" presId="urn:microsoft.com/office/officeart/2005/8/layout/orgChart1"/>
+    <dgm:cxn modelId="{F0770A88-0B5C-4457-AB01-840B490E5AD7}" type="presParOf" srcId="{5140C48E-74C7-45A2-AD9C-6B3A71FE7F44}" destId="{843ABC10-23B0-4A02-82C9-6B0B1EC697CF}" srcOrd="1" destOrd="0" presId="urn:microsoft.com/office/officeart/2005/8/layout/orgChart1"/>
+    <dgm:cxn modelId="{E4F93AFA-736A-45A1-8CCD-BEA923A61E44}" type="presParOf" srcId="{5140C48E-74C7-45A2-AD9C-6B3A71FE7F44}" destId="{C2EA4313-D850-4C92-856B-0D6302D8A232}" srcOrd="2" destOrd="0" presId="urn:microsoft.com/office/officeart/2005/8/layout/orgChart1"/>
+    <dgm:cxn modelId="{904D6DCE-6778-4526-A6FE-8A0954A53794}" type="presParOf" srcId="{96BF84BC-FFB6-4FCF-807C-F0C2B4A15322}" destId="{2D411D37-64EF-4925-8EE2-9A49E967AE67}" srcOrd="4" destOrd="0" presId="urn:microsoft.com/office/officeart/2005/8/layout/orgChart1"/>
+    <dgm:cxn modelId="{9D70189E-0A0A-4412-B20E-17C1BBC683A1}" type="presParOf" srcId="{96BF84BC-FFB6-4FCF-807C-F0C2B4A15322}" destId="{D46FA846-263F-443A-A843-00FB51B2F2CE}" srcOrd="5" destOrd="0" presId="urn:microsoft.com/office/officeart/2005/8/layout/orgChart1"/>
+    <dgm:cxn modelId="{D4FD0CE5-5A87-4B5B-8DD7-3722760FB88C}" type="presParOf" srcId="{D46FA846-263F-443A-A843-00FB51B2F2CE}" destId="{81D57615-CD31-4939-BE5B-BF9796794FD7}" srcOrd="0" destOrd="0" presId="urn:microsoft.com/office/officeart/2005/8/layout/orgChart1"/>
+    <dgm:cxn modelId="{D9BC44A0-2A6F-4AD7-A1FD-08F0696635F8}" type="presParOf" srcId="{81D57615-CD31-4939-BE5B-BF9796794FD7}" destId="{6692DA02-AB2C-4B87-A2A3-ABC5C7B149A0}" srcOrd="0" destOrd="0" presId="urn:microsoft.com/office/officeart/2005/8/layout/orgChart1"/>
+    <dgm:cxn modelId="{89DC16F1-5E10-4203-91C9-33CDD7AF0C5C}" type="presParOf" srcId="{81D57615-CD31-4939-BE5B-BF9796794FD7}" destId="{234E4956-0619-4F9B-A962-891A825ED1C1}" srcOrd="1" destOrd="0" presId="urn:microsoft.com/office/officeart/2005/8/layout/orgChart1"/>
+    <dgm:cxn modelId="{90BFB4AC-EDEA-4E44-A1B8-C543141CA28B}" type="presParOf" srcId="{D46FA846-263F-443A-A843-00FB51B2F2CE}" destId="{E42E69ED-97BC-48D3-85B3-70CB7FF71612}" srcOrd="1" destOrd="0" presId="urn:microsoft.com/office/officeart/2005/8/layout/orgChart1"/>
+    <dgm:cxn modelId="{1DA69F4A-AB4E-46BD-9516-026EBDC19382}" type="presParOf" srcId="{E42E69ED-97BC-48D3-85B3-70CB7FF71612}" destId="{EA13E375-64F0-41AE-BE46-0201C40EFDC6}" srcOrd="0" destOrd="0" presId="urn:microsoft.com/office/officeart/2005/8/layout/orgChart1"/>
+    <dgm:cxn modelId="{1B2A5E16-3987-4B91-8EAD-01F1D4B478DA}" type="presParOf" srcId="{E42E69ED-97BC-48D3-85B3-70CB7FF71612}" destId="{2036440D-557F-48B5-BA49-BC35EFC75E98}" srcOrd="1" destOrd="0" presId="urn:microsoft.com/office/officeart/2005/8/layout/orgChart1"/>
+    <dgm:cxn modelId="{6E93FB45-D377-48A3-924D-C46F3FCBAA31}" type="presParOf" srcId="{2036440D-557F-48B5-BA49-BC35EFC75E98}" destId="{487103B8-DB15-4E0F-9D02-0576BBF8F593}" srcOrd="0" destOrd="0" presId="urn:microsoft.com/office/officeart/2005/8/layout/orgChart1"/>
+    <dgm:cxn modelId="{6F350F7E-C584-466A-BEDE-B65F1BE68C95}" type="presParOf" srcId="{487103B8-DB15-4E0F-9D02-0576BBF8F593}" destId="{F684CB6D-0CA3-4575-B400-83A8010D1C8F}" srcOrd="0" destOrd="0" presId="urn:microsoft.com/office/officeart/2005/8/layout/orgChart1"/>
+    <dgm:cxn modelId="{01E00F17-2F32-4867-8A3C-F4480BE1C9BB}" type="presParOf" srcId="{487103B8-DB15-4E0F-9D02-0576BBF8F593}" destId="{496354FE-F3CC-4D1F-931B-2ED8EC9B90C8}" srcOrd="1" destOrd="0" presId="urn:microsoft.com/office/officeart/2005/8/layout/orgChart1"/>
+    <dgm:cxn modelId="{848D50CD-BCC3-4C90-B461-617AD268A8FF}" type="presParOf" srcId="{2036440D-557F-48B5-BA49-BC35EFC75E98}" destId="{D40DAF58-77D1-47E6-BABC-9A4A00FF0201}" srcOrd="1" destOrd="0" presId="urn:microsoft.com/office/officeart/2005/8/layout/orgChart1"/>
+    <dgm:cxn modelId="{D4FE595E-A618-435C-A283-E0B882A2EE11}" type="presParOf" srcId="{2036440D-557F-48B5-BA49-BC35EFC75E98}" destId="{0AC55C81-46DA-4B25-A5EB-E4909B37457C}" srcOrd="2" destOrd="0" presId="urn:microsoft.com/office/officeart/2005/8/layout/orgChart1"/>
+    <dgm:cxn modelId="{E3BFA0B5-6C94-4A98-9936-C27E188F5A1D}" type="presParOf" srcId="{E42E69ED-97BC-48D3-85B3-70CB7FF71612}" destId="{C7DDE1B5-3221-4895-A983-D4D793190E3A}" srcOrd="2" destOrd="0" presId="urn:microsoft.com/office/officeart/2005/8/layout/orgChart1"/>
+    <dgm:cxn modelId="{CCBD3A1F-61EC-4CC6-9B93-5B79B244AF55}" type="presParOf" srcId="{E42E69ED-97BC-48D3-85B3-70CB7FF71612}" destId="{2FA24DC3-093D-4E97-AC4D-D6632FAE5CEA}" srcOrd="3" destOrd="0" presId="urn:microsoft.com/office/officeart/2005/8/layout/orgChart1"/>
+    <dgm:cxn modelId="{56EB3B4F-3004-44D2-8E2E-7E9B708CFD4F}" type="presParOf" srcId="{2FA24DC3-093D-4E97-AC4D-D6632FAE5CEA}" destId="{20D40640-60A4-4F55-B2C8-BFF6DA4DB6D6}" srcOrd="0" destOrd="0" presId="urn:microsoft.com/office/officeart/2005/8/layout/orgChart1"/>
+    <dgm:cxn modelId="{9242A16E-111D-47E2-BCA7-CD87391E3BB0}" type="presParOf" srcId="{20D40640-60A4-4F55-B2C8-BFF6DA4DB6D6}" destId="{CF81FC50-5925-44BE-B20B-29F815938336}" srcOrd="0" destOrd="0" presId="urn:microsoft.com/office/officeart/2005/8/layout/orgChart1"/>
+    <dgm:cxn modelId="{B3CA74E3-C13D-4F25-A5A5-2EA566959DEC}" type="presParOf" srcId="{20D40640-60A4-4F55-B2C8-BFF6DA4DB6D6}" destId="{984FD0E1-2D92-47EA-BCDD-9D8C52305717}" srcOrd="1" destOrd="0" presId="urn:microsoft.com/office/officeart/2005/8/layout/orgChart1"/>
+    <dgm:cxn modelId="{8B1524F5-B39D-4C99-8D4C-D6BCA5477F5E}" type="presParOf" srcId="{2FA24DC3-093D-4E97-AC4D-D6632FAE5CEA}" destId="{092CD1C3-AD72-4031-9F94-89D01E74FB8F}" srcOrd="1" destOrd="0" presId="urn:microsoft.com/office/officeart/2005/8/layout/orgChart1"/>
+    <dgm:cxn modelId="{7F1CF285-9C87-4E9E-A9C1-7CD8481777FB}" type="presParOf" srcId="{2FA24DC3-093D-4E97-AC4D-D6632FAE5CEA}" destId="{2645CE66-0330-4A3A-B406-BC2CA64E4E1A}" srcOrd="2" destOrd="0" presId="urn:microsoft.com/office/officeart/2005/8/layout/orgChart1"/>
+    <dgm:cxn modelId="{89FF751B-2691-43EF-BF90-C5D0CC1E7954}" type="presParOf" srcId="{D46FA846-263F-443A-A843-00FB51B2F2CE}" destId="{EAAE914B-E388-4EC8-B530-3A99BD8EFEEC}" srcOrd="2" destOrd="0" presId="urn:microsoft.com/office/officeart/2005/8/layout/orgChart1"/>
+    <dgm:cxn modelId="{65AFB13E-CBB2-48D5-96FD-CBCBD485F139}" type="presParOf" srcId="{96BF84BC-FFB6-4FCF-807C-F0C2B4A15322}" destId="{096189C1-DA8D-48D6-8880-7BF514A3200A}" srcOrd="6" destOrd="0" presId="urn:microsoft.com/office/officeart/2005/8/layout/orgChart1"/>
+    <dgm:cxn modelId="{2C0E6484-419C-497B-B3A8-78C679A43C8C}" type="presParOf" srcId="{96BF84BC-FFB6-4FCF-807C-F0C2B4A15322}" destId="{E1BB378C-289E-4C13-AE2D-EAC4F368FC04}" srcOrd="7" destOrd="0" presId="urn:microsoft.com/office/officeart/2005/8/layout/orgChart1"/>
+    <dgm:cxn modelId="{FCDFA11C-0DFE-4DF9-8E1E-E6960806A75C}" type="presParOf" srcId="{E1BB378C-289E-4C13-AE2D-EAC4F368FC04}" destId="{E114916B-D5A1-491D-AD5E-D9C3A00EF0F4}" srcOrd="0" destOrd="0" presId="urn:microsoft.com/office/officeart/2005/8/layout/orgChart1"/>
+    <dgm:cxn modelId="{40930142-44B6-4AB6-AF09-0A3EFE89D48B}" type="presParOf" srcId="{E114916B-D5A1-491D-AD5E-D9C3A00EF0F4}" destId="{CC4A03C4-DDC0-4767-B0DC-552FE17BF4B2}" srcOrd="0" destOrd="0" presId="urn:microsoft.com/office/officeart/2005/8/layout/orgChart1"/>
+    <dgm:cxn modelId="{059F1116-EDEE-4A3A-95F3-4E69A91020D2}" type="presParOf" srcId="{E114916B-D5A1-491D-AD5E-D9C3A00EF0F4}" destId="{2C0AC9DF-05E0-4F27-80C0-76A65EF69B1B}" srcOrd="1" destOrd="0" presId="urn:microsoft.com/office/officeart/2005/8/layout/orgChart1"/>
+    <dgm:cxn modelId="{59A38694-5998-4EA0-9724-31D323F9E53C}" type="presParOf" srcId="{E1BB378C-289E-4C13-AE2D-EAC4F368FC04}" destId="{C6326D15-3B3E-4D06-9937-85087E4454E2}" srcOrd="1" destOrd="0" presId="urn:microsoft.com/office/officeart/2005/8/layout/orgChart1"/>
+    <dgm:cxn modelId="{9FE9FB0A-8A4D-425D-BA38-08EA2A377CE1}" type="presParOf" srcId="{C6326D15-3B3E-4D06-9937-85087E4454E2}" destId="{54C625C3-ED21-4BEC-A6B2-36F003EB321C}" srcOrd="0" destOrd="0" presId="urn:microsoft.com/office/officeart/2005/8/layout/orgChart1"/>
+    <dgm:cxn modelId="{A3063EC4-43FD-4B23-A2A6-4D23D311820E}" type="presParOf" srcId="{C6326D15-3B3E-4D06-9937-85087E4454E2}" destId="{DF0A9812-B2A2-47B5-9A3E-1F9023DBC17F}" srcOrd="1" destOrd="0" presId="urn:microsoft.com/office/officeart/2005/8/layout/orgChart1"/>
+    <dgm:cxn modelId="{928CB837-1FC6-4C93-81E3-40001CFE310B}" type="presParOf" srcId="{DF0A9812-B2A2-47B5-9A3E-1F9023DBC17F}" destId="{1FE705A4-49CE-41CF-98C5-FB661129DC04}" srcOrd="0" destOrd="0" presId="urn:microsoft.com/office/officeart/2005/8/layout/orgChart1"/>
+    <dgm:cxn modelId="{8E997E93-8522-4098-9581-1AE1BBC4ECFB}" type="presParOf" srcId="{1FE705A4-49CE-41CF-98C5-FB661129DC04}" destId="{370B2BA9-3B69-4D8C-859C-83949602F126}" srcOrd="0" destOrd="0" presId="urn:microsoft.com/office/officeart/2005/8/layout/orgChart1"/>
+    <dgm:cxn modelId="{B5F11837-B349-4B9E-8D01-875F6500E145}" type="presParOf" srcId="{1FE705A4-49CE-41CF-98C5-FB661129DC04}" destId="{6D1182BA-3C0E-4439-9AC5-76ED492F75EB}" srcOrd="1" destOrd="0" presId="urn:microsoft.com/office/officeart/2005/8/layout/orgChart1"/>
+    <dgm:cxn modelId="{BB5CAAA6-431C-4080-A278-A86D94673048}" type="presParOf" srcId="{DF0A9812-B2A2-47B5-9A3E-1F9023DBC17F}" destId="{E8FACB55-44CB-4D1C-B8B2-D9E3EC1473E7}" srcOrd="1" destOrd="0" presId="urn:microsoft.com/office/officeart/2005/8/layout/orgChart1"/>
+    <dgm:cxn modelId="{DA1284D4-08BE-4533-A675-60F741440580}" type="presParOf" srcId="{DF0A9812-B2A2-47B5-9A3E-1F9023DBC17F}" destId="{8F139694-2500-4833-A438-A94C11DC86CB}" srcOrd="2" destOrd="0" presId="urn:microsoft.com/office/officeart/2005/8/layout/orgChart1"/>
+    <dgm:cxn modelId="{34162936-2D9D-4333-B30E-DB8A75489E54}" type="presParOf" srcId="{C6326D15-3B3E-4D06-9937-85087E4454E2}" destId="{A194D412-1823-4CAC-ACAD-63D56EBE3FA3}" srcOrd="2" destOrd="0" presId="urn:microsoft.com/office/officeart/2005/8/layout/orgChart1"/>
+    <dgm:cxn modelId="{0952D797-8C75-4905-AF23-A8C97E3F7CF8}" type="presParOf" srcId="{C6326D15-3B3E-4D06-9937-85087E4454E2}" destId="{6078C560-FB54-461B-8C47-F18335AF84B9}" srcOrd="3" destOrd="0" presId="urn:microsoft.com/office/officeart/2005/8/layout/orgChart1"/>
+    <dgm:cxn modelId="{03ACC764-A3E6-4698-9738-F254DF8DF18F}" type="presParOf" srcId="{6078C560-FB54-461B-8C47-F18335AF84B9}" destId="{10948859-99F7-4505-8033-DB3D1492F685}" srcOrd="0" destOrd="0" presId="urn:microsoft.com/office/officeart/2005/8/layout/orgChart1"/>
+    <dgm:cxn modelId="{7A1D86CF-4477-41A3-84BA-30005ACA257C}" type="presParOf" srcId="{10948859-99F7-4505-8033-DB3D1492F685}" destId="{2E6DF66F-FA8C-44E4-AEBC-B414769205A9}" srcOrd="0" destOrd="0" presId="urn:microsoft.com/office/officeart/2005/8/layout/orgChart1"/>
+    <dgm:cxn modelId="{7F11EC57-1EE6-4B1D-AC65-5C6C14341E34}" type="presParOf" srcId="{10948859-99F7-4505-8033-DB3D1492F685}" destId="{BA484903-3C28-497B-805D-DF24C488C7A0}" srcOrd="1" destOrd="0" presId="urn:microsoft.com/office/officeart/2005/8/layout/orgChart1"/>
+    <dgm:cxn modelId="{BCFBCD7C-5D95-4113-A246-A6D417217203}" type="presParOf" srcId="{6078C560-FB54-461B-8C47-F18335AF84B9}" destId="{20B2B864-3915-4267-8383-60CBA9129F73}" srcOrd="1" destOrd="0" presId="urn:microsoft.com/office/officeart/2005/8/layout/orgChart1"/>
+    <dgm:cxn modelId="{1CEE8CCA-0236-4781-B31E-58381D8B8986}" type="presParOf" srcId="{6078C560-FB54-461B-8C47-F18335AF84B9}" destId="{14F14BD3-8516-47EA-933E-707EFF62AE28}" srcOrd="2" destOrd="0" presId="urn:microsoft.com/office/officeart/2005/8/layout/orgChart1"/>
+    <dgm:cxn modelId="{BE6CFCA0-0388-4059-BA5A-DD72E5B9C613}" type="presParOf" srcId="{C6326D15-3B3E-4D06-9937-85087E4454E2}" destId="{A3A9214C-149D-450C-B524-8A8AFBAE6598}" srcOrd="4" destOrd="0" presId="urn:microsoft.com/office/officeart/2005/8/layout/orgChart1"/>
+    <dgm:cxn modelId="{4599BF97-BDC3-4D65-867C-350FF41CAE62}" type="presParOf" srcId="{C6326D15-3B3E-4D06-9937-85087E4454E2}" destId="{835CD7ED-F7B0-4392-8CC5-E49A2F07232D}" srcOrd="5" destOrd="0" presId="urn:microsoft.com/office/officeart/2005/8/layout/orgChart1"/>
+    <dgm:cxn modelId="{80D29CA0-C237-413C-8E20-53F4CA09BC98}" type="presParOf" srcId="{835CD7ED-F7B0-4392-8CC5-E49A2F07232D}" destId="{395B6152-234B-4CD4-B042-970AE4802528}" srcOrd="0" destOrd="0" presId="urn:microsoft.com/office/officeart/2005/8/layout/orgChart1"/>
+    <dgm:cxn modelId="{8AEC1853-C751-409E-8F53-782B7BE4595C}" type="presParOf" srcId="{395B6152-234B-4CD4-B042-970AE4802528}" destId="{37B891EE-457B-4B1D-8D27-286A7326E551}" srcOrd="0" destOrd="0" presId="urn:microsoft.com/office/officeart/2005/8/layout/orgChart1"/>
+    <dgm:cxn modelId="{F87B187D-4670-4BC3-AF7A-E2F0EB15E13B}" type="presParOf" srcId="{395B6152-234B-4CD4-B042-970AE4802528}" destId="{0DDF5149-6241-49AC-AD76-56534B6EC371}" srcOrd="1" destOrd="0" presId="urn:microsoft.com/office/officeart/2005/8/layout/orgChart1"/>
+    <dgm:cxn modelId="{C091685E-6A60-44B5-A814-660149235F03}" type="presParOf" srcId="{835CD7ED-F7B0-4392-8CC5-E49A2F07232D}" destId="{817EB491-3303-47FF-A02E-F6B4FBD01A20}" srcOrd="1" destOrd="0" presId="urn:microsoft.com/office/officeart/2005/8/layout/orgChart1"/>
+    <dgm:cxn modelId="{20E4F5C4-DEBC-475B-BD4F-E9EEEC1C5EBE}" type="presParOf" srcId="{835CD7ED-F7B0-4392-8CC5-E49A2F07232D}" destId="{C9AA5A72-4E03-4502-B6DF-0A365C68D68D}" srcOrd="2" destOrd="0" presId="urn:microsoft.com/office/officeart/2005/8/layout/orgChart1"/>
+    <dgm:cxn modelId="{D88A2B09-315A-4C07-BD63-B9AE8AD9B515}" type="presParOf" srcId="{E1BB378C-289E-4C13-AE2D-EAC4F368FC04}" destId="{E421D6E6-841C-4021-AC1A-DD418FDDAE4F}" srcOrd="2" destOrd="0" presId="urn:microsoft.com/office/officeart/2005/8/layout/orgChart1"/>
+    <dgm:cxn modelId="{9ED004D1-1C3E-401A-AB85-426BDFFE5206}" type="presParOf" srcId="{6A8999E0-D0D2-4979-BF64-F9FDC364158E}" destId="{D29F67D5-2A0E-4055-9EF7-9505B0665171}" srcOrd="2" destOrd="0" presId="urn:microsoft.com/office/officeart/2005/8/layout/orgChart1"/>
+  </dgm:cxnLst>
+  <dgm:bg/>
+  <dgm:whole/>
+  <dgm:extLst>
+    <a:ext uri="http://schemas.microsoft.com/office/drawing/2008/diagram">
+      <dsp:dataModelExt xmlns:dsp="http://schemas.microsoft.com/office/drawing/2008/diagram" relId="rId6" minVer="http://schemas.openxmlformats.org/drawingml/2006/diagram"/>
+    </a:ext>
+  </dgm:extLst>
+</dgm:dataModel>
+</file>
+
+<file path=ppt/diagrams/drawing1.xml><?xml version="1.0" encoding="utf-8"?>
+<dsp:drawing xmlns:dgm="http://schemas.openxmlformats.org/drawingml/2006/diagram" xmlns:dsp="http://schemas.microsoft.com/office/drawing/2008/diagram" xmlns:a="http://schemas.openxmlformats.org/drawingml/2006/main">
+  <dsp:spTree>
+    <dsp:nvGrpSpPr>
+      <dsp:cNvPr id="0" name=""/>
+      <dsp:cNvGrpSpPr/>
+    </dsp:nvGrpSpPr>
+    <dsp:grpSpPr/>
+    <dsp:sp modelId="{A3A9214C-149D-450C-B524-8A8AFBAE6598}">
+      <dsp:nvSpPr>
+        <dsp:cNvPr id="0" name=""/>
+        <dsp:cNvSpPr/>
+      </dsp:nvSpPr>
+      <dsp:spPr>
+        <a:xfrm>
+          <a:off x="6175879" y="1292576"/>
+          <a:ext cx="159795" cy="2002772"/>
+        </a:xfrm>
+        <a:custGeom>
+          <a:avLst/>
+          <a:gdLst/>
+          <a:ahLst/>
+          <a:cxnLst/>
+          <a:rect l="0" t="0" r="0" b="0"/>
+          <a:pathLst>
+            <a:path>
+              <a:moveTo>
+                <a:pt x="0" y="0"/>
+              </a:moveTo>
+              <a:lnTo>
+                <a:pt x="0" y="2002772"/>
+              </a:lnTo>
+              <a:lnTo>
+                <a:pt x="159795" y="2002772"/>
+              </a:lnTo>
+            </a:path>
+          </a:pathLst>
+        </a:custGeom>
+        <a:noFill/>
+        <a:ln w="15875" cap="flat" cmpd="sng" algn="ctr">
+          <a:solidFill>
+            <a:schemeClr val="accent1">
+              <a:shade val="80000"/>
+              <a:hueOff val="0"/>
+              <a:satOff val="0"/>
+              <a:lumOff val="0"/>
+              <a:alphaOff val="0"/>
+            </a:schemeClr>
+          </a:solidFill>
+          <a:prstDash val="solid"/>
+        </a:ln>
+        <a:effectLst/>
+      </dsp:spPr>
+      <dsp:style>
+        <a:lnRef idx="2">
+          <a:scrgbClr r="0" g="0" b="0"/>
+        </a:lnRef>
+        <a:fillRef idx="0">
+          <a:scrgbClr r="0" g="0" b="0"/>
+        </a:fillRef>
+        <a:effectRef idx="0">
+          <a:scrgbClr r="0" g="0" b="0"/>
+        </a:effectRef>
+        <a:fontRef idx="minor"/>
+      </dsp:style>
+    </dsp:sp>
+    <dsp:sp modelId="{A194D412-1823-4CAC-ACAD-63D56EBE3FA3}">
+      <dsp:nvSpPr>
+        <dsp:cNvPr id="0" name=""/>
+        <dsp:cNvSpPr/>
+      </dsp:nvSpPr>
+      <dsp:spPr>
+        <a:xfrm>
+          <a:off x="6175879" y="1292576"/>
+          <a:ext cx="159795" cy="1246406"/>
+        </a:xfrm>
+        <a:custGeom>
+          <a:avLst/>
+          <a:gdLst/>
+          <a:ahLst/>
+          <a:cxnLst/>
+          <a:rect l="0" t="0" r="0" b="0"/>
+          <a:pathLst>
+            <a:path>
+              <a:moveTo>
+                <a:pt x="0" y="0"/>
+              </a:moveTo>
+              <a:lnTo>
+                <a:pt x="0" y="1246406"/>
+              </a:lnTo>
+              <a:lnTo>
+                <a:pt x="159795" y="1246406"/>
+              </a:lnTo>
+            </a:path>
+          </a:pathLst>
+        </a:custGeom>
+        <a:noFill/>
+        <a:ln w="15875" cap="flat" cmpd="sng" algn="ctr">
+          <a:solidFill>
+            <a:schemeClr val="accent1">
+              <a:shade val="80000"/>
+              <a:hueOff val="0"/>
+              <a:satOff val="0"/>
+              <a:lumOff val="0"/>
+              <a:alphaOff val="0"/>
+            </a:schemeClr>
+          </a:solidFill>
+          <a:prstDash val="solid"/>
+        </a:ln>
+        <a:effectLst/>
+      </dsp:spPr>
+      <dsp:style>
+        <a:lnRef idx="2">
+          <a:scrgbClr r="0" g="0" b="0"/>
+        </a:lnRef>
+        <a:fillRef idx="0">
+          <a:scrgbClr r="0" g="0" b="0"/>
+        </a:fillRef>
+        <a:effectRef idx="0">
+          <a:scrgbClr r="0" g="0" b="0"/>
+        </a:effectRef>
+        <a:fontRef idx="minor"/>
+      </dsp:style>
+    </dsp:sp>
+    <dsp:sp modelId="{54C625C3-ED21-4BEC-A6B2-36F003EB321C}">
+      <dsp:nvSpPr>
+        <dsp:cNvPr id="0" name=""/>
+        <dsp:cNvSpPr/>
+      </dsp:nvSpPr>
+      <dsp:spPr>
+        <a:xfrm>
+          <a:off x="6175879" y="1292576"/>
+          <a:ext cx="159795" cy="490040"/>
+        </a:xfrm>
+        <a:custGeom>
+          <a:avLst/>
+          <a:gdLst/>
+          <a:ahLst/>
+          <a:cxnLst/>
+          <a:rect l="0" t="0" r="0" b="0"/>
+          <a:pathLst>
+            <a:path>
+              <a:moveTo>
+                <a:pt x="0" y="0"/>
+              </a:moveTo>
+              <a:lnTo>
+                <a:pt x="0" y="490040"/>
+              </a:lnTo>
+              <a:lnTo>
+                <a:pt x="159795" y="490040"/>
+              </a:lnTo>
+            </a:path>
+          </a:pathLst>
+        </a:custGeom>
+        <a:noFill/>
+        <a:ln w="15875" cap="flat" cmpd="sng" algn="ctr">
+          <a:solidFill>
+            <a:schemeClr val="accent1">
+              <a:shade val="80000"/>
+              <a:hueOff val="0"/>
+              <a:satOff val="0"/>
+              <a:lumOff val="0"/>
+              <a:alphaOff val="0"/>
+            </a:schemeClr>
+          </a:solidFill>
+          <a:prstDash val="solid"/>
+        </a:ln>
+        <a:effectLst/>
+      </dsp:spPr>
+      <dsp:style>
+        <a:lnRef idx="2">
+          <a:scrgbClr r="0" g="0" b="0"/>
+        </a:lnRef>
+        <a:fillRef idx="0">
+          <a:scrgbClr r="0" g="0" b="0"/>
+        </a:fillRef>
+        <a:effectRef idx="0">
+          <a:scrgbClr r="0" g="0" b="0"/>
+        </a:effectRef>
+        <a:fontRef idx="minor"/>
+      </dsp:style>
+    </dsp:sp>
+    <dsp:sp modelId="{096189C1-DA8D-48D6-8880-7BF514A3200A}">
+      <dsp:nvSpPr>
+        <dsp:cNvPr id="0" name=""/>
+        <dsp:cNvSpPr/>
+      </dsp:nvSpPr>
+      <dsp:spPr>
+        <a:xfrm>
+          <a:off x="4668473" y="536210"/>
+          <a:ext cx="1933527" cy="223713"/>
+        </a:xfrm>
+        <a:custGeom>
+          <a:avLst/>
+          <a:gdLst/>
+          <a:ahLst/>
+          <a:cxnLst/>
+          <a:rect l="0" t="0" r="0" b="0"/>
+          <a:pathLst>
+            <a:path>
+              <a:moveTo>
+                <a:pt x="0" y="0"/>
+              </a:moveTo>
+              <a:lnTo>
+                <a:pt x="0" y="111856"/>
+              </a:lnTo>
+              <a:lnTo>
+                <a:pt x="1933527" y="111856"/>
+              </a:lnTo>
+              <a:lnTo>
+                <a:pt x="1933527" y="223713"/>
+              </a:lnTo>
+            </a:path>
+          </a:pathLst>
+        </a:custGeom>
+        <a:noFill/>
+        <a:ln w="15875" cap="flat" cmpd="sng" algn="ctr">
+          <a:solidFill>
+            <a:schemeClr val="accent1">
+              <a:shade val="60000"/>
+              <a:hueOff val="0"/>
+              <a:satOff val="0"/>
+              <a:lumOff val="0"/>
+              <a:alphaOff val="0"/>
+            </a:schemeClr>
+          </a:solidFill>
+          <a:prstDash val="solid"/>
+        </a:ln>
+        <a:effectLst/>
+      </dsp:spPr>
+      <dsp:style>
+        <a:lnRef idx="2">
+          <a:scrgbClr r="0" g="0" b="0"/>
+        </a:lnRef>
+        <a:fillRef idx="0">
+          <a:scrgbClr r="0" g="0" b="0"/>
+        </a:fillRef>
+        <a:effectRef idx="0">
+          <a:scrgbClr r="0" g="0" b="0"/>
+        </a:effectRef>
+        <a:fontRef idx="minor"/>
+      </dsp:style>
+    </dsp:sp>
+    <dsp:sp modelId="{C7DDE1B5-3221-4895-A983-D4D793190E3A}">
+      <dsp:nvSpPr>
+        <dsp:cNvPr id="0" name=""/>
+        <dsp:cNvSpPr/>
+      </dsp:nvSpPr>
+      <dsp:spPr>
+        <a:xfrm>
+          <a:off x="4886861" y="1292576"/>
+          <a:ext cx="159795" cy="1246406"/>
+        </a:xfrm>
+        <a:custGeom>
+          <a:avLst/>
+          <a:gdLst/>
+          <a:ahLst/>
+          <a:cxnLst/>
+          <a:rect l="0" t="0" r="0" b="0"/>
+          <a:pathLst>
+            <a:path>
+              <a:moveTo>
+                <a:pt x="0" y="0"/>
+              </a:moveTo>
+              <a:lnTo>
+                <a:pt x="0" y="1246406"/>
+              </a:lnTo>
+              <a:lnTo>
+                <a:pt x="159795" y="1246406"/>
+              </a:lnTo>
+            </a:path>
+          </a:pathLst>
+        </a:custGeom>
+        <a:noFill/>
+        <a:ln w="15875" cap="flat" cmpd="sng" algn="ctr">
+          <a:solidFill>
+            <a:schemeClr val="accent1">
+              <a:shade val="80000"/>
+              <a:hueOff val="0"/>
+              <a:satOff val="0"/>
+              <a:lumOff val="0"/>
+              <a:alphaOff val="0"/>
+            </a:schemeClr>
+          </a:solidFill>
+          <a:prstDash val="solid"/>
+        </a:ln>
+        <a:effectLst/>
+      </dsp:spPr>
+      <dsp:style>
+        <a:lnRef idx="2">
+          <a:scrgbClr r="0" g="0" b="0"/>
+        </a:lnRef>
+        <a:fillRef idx="0">
+          <a:scrgbClr r="0" g="0" b="0"/>
+        </a:fillRef>
+        <a:effectRef idx="0">
+          <a:scrgbClr r="0" g="0" b="0"/>
+        </a:effectRef>
+        <a:fontRef idx="minor"/>
+      </dsp:style>
+    </dsp:sp>
+    <dsp:sp modelId="{EA13E375-64F0-41AE-BE46-0201C40EFDC6}">
+      <dsp:nvSpPr>
+        <dsp:cNvPr id="0" name=""/>
+        <dsp:cNvSpPr/>
+      </dsp:nvSpPr>
+      <dsp:spPr>
+        <a:xfrm>
+          <a:off x="4886861" y="1292576"/>
+          <a:ext cx="159795" cy="490040"/>
+        </a:xfrm>
+        <a:custGeom>
+          <a:avLst/>
+          <a:gdLst/>
+          <a:ahLst/>
+          <a:cxnLst/>
+          <a:rect l="0" t="0" r="0" b="0"/>
+          <a:pathLst>
+            <a:path>
+              <a:moveTo>
+                <a:pt x="0" y="0"/>
+              </a:moveTo>
+              <a:lnTo>
+                <a:pt x="0" y="490040"/>
+              </a:lnTo>
+              <a:lnTo>
+                <a:pt x="159795" y="490040"/>
+              </a:lnTo>
+            </a:path>
+          </a:pathLst>
+        </a:custGeom>
+        <a:noFill/>
+        <a:ln w="15875" cap="flat" cmpd="sng" algn="ctr">
+          <a:solidFill>
+            <a:schemeClr val="accent1">
+              <a:shade val="80000"/>
+              <a:hueOff val="0"/>
+              <a:satOff val="0"/>
+              <a:lumOff val="0"/>
+              <a:alphaOff val="0"/>
+            </a:schemeClr>
+          </a:solidFill>
+          <a:prstDash val="solid"/>
+        </a:ln>
+        <a:effectLst/>
+      </dsp:spPr>
+      <dsp:style>
+        <a:lnRef idx="2">
+          <a:scrgbClr r="0" g="0" b="0"/>
+        </a:lnRef>
+        <a:fillRef idx="0">
+          <a:scrgbClr r="0" g="0" b="0"/>
+        </a:fillRef>
+        <a:effectRef idx="0">
+          <a:scrgbClr r="0" g="0" b="0"/>
+        </a:effectRef>
+        <a:fontRef idx="minor"/>
+      </dsp:style>
+    </dsp:sp>
+    <dsp:sp modelId="{2D411D37-64EF-4925-8EE2-9A49E967AE67}">
+      <dsp:nvSpPr>
+        <dsp:cNvPr id="0" name=""/>
+        <dsp:cNvSpPr/>
+      </dsp:nvSpPr>
+      <dsp:spPr>
+        <a:xfrm>
+          <a:off x="4668473" y="536210"/>
+          <a:ext cx="644509" cy="223713"/>
+        </a:xfrm>
+        <a:custGeom>
+          <a:avLst/>
+          <a:gdLst/>
+          <a:ahLst/>
+          <a:cxnLst/>
+          <a:rect l="0" t="0" r="0" b="0"/>
+          <a:pathLst>
+            <a:path>
+              <a:moveTo>
+                <a:pt x="0" y="0"/>
+              </a:moveTo>
+              <a:lnTo>
+                <a:pt x="0" y="111856"/>
+              </a:lnTo>
+              <a:lnTo>
+                <a:pt x="644509" y="111856"/>
+              </a:lnTo>
+              <a:lnTo>
+                <a:pt x="644509" y="223713"/>
+              </a:lnTo>
+            </a:path>
+          </a:pathLst>
+        </a:custGeom>
+        <a:noFill/>
+        <a:ln w="15875" cap="flat" cmpd="sng" algn="ctr">
+          <a:solidFill>
+            <a:schemeClr val="accent1">
+              <a:shade val="60000"/>
+              <a:hueOff val="0"/>
+              <a:satOff val="0"/>
+              <a:lumOff val="0"/>
+              <a:alphaOff val="0"/>
+            </a:schemeClr>
+          </a:solidFill>
+          <a:prstDash val="solid"/>
+        </a:ln>
+        <a:effectLst/>
+      </dsp:spPr>
+      <dsp:style>
+        <a:lnRef idx="2">
+          <a:scrgbClr r="0" g="0" b="0"/>
+        </a:lnRef>
+        <a:fillRef idx="0">
+          <a:scrgbClr r="0" g="0" b="0"/>
+        </a:fillRef>
+        <a:effectRef idx="0">
+          <a:scrgbClr r="0" g="0" b="0"/>
+        </a:effectRef>
+        <a:fontRef idx="minor"/>
+      </dsp:style>
+    </dsp:sp>
+    <dsp:sp modelId="{7B82CD7D-E66B-495D-A167-208DAFE04C14}">
+      <dsp:nvSpPr>
+        <dsp:cNvPr id="0" name=""/>
+        <dsp:cNvSpPr/>
+      </dsp:nvSpPr>
+      <dsp:spPr>
+        <a:xfrm>
+          <a:off x="4023964" y="536210"/>
+          <a:ext cx="644509" cy="223713"/>
+        </a:xfrm>
+        <a:custGeom>
+          <a:avLst/>
+          <a:gdLst/>
+          <a:ahLst/>
+          <a:cxnLst/>
+          <a:rect l="0" t="0" r="0" b="0"/>
+          <a:pathLst>
+            <a:path>
+              <a:moveTo>
+                <a:pt x="644509" y="0"/>
+              </a:moveTo>
+              <a:lnTo>
+                <a:pt x="644509" y="111856"/>
+              </a:lnTo>
+              <a:lnTo>
+                <a:pt x="0" y="111856"/>
+              </a:lnTo>
+              <a:lnTo>
+                <a:pt x="0" y="223713"/>
+              </a:lnTo>
+            </a:path>
+          </a:pathLst>
+        </a:custGeom>
+        <a:noFill/>
+        <a:ln w="15875" cap="flat" cmpd="sng" algn="ctr">
+          <a:solidFill>
+            <a:schemeClr val="accent1">
+              <a:shade val="60000"/>
+              <a:hueOff val="0"/>
+              <a:satOff val="0"/>
+              <a:lumOff val="0"/>
+              <a:alphaOff val="0"/>
+            </a:schemeClr>
+          </a:solidFill>
+          <a:prstDash val="solid"/>
+        </a:ln>
+        <a:effectLst/>
+      </dsp:spPr>
+      <dsp:style>
+        <a:lnRef idx="2">
+          <a:scrgbClr r="0" g="0" b="0"/>
+        </a:lnRef>
+        <a:fillRef idx="0">
+          <a:scrgbClr r="0" g="0" b="0"/>
+        </a:fillRef>
+        <a:effectRef idx="0">
+          <a:scrgbClr r="0" g="0" b="0"/>
+        </a:effectRef>
+        <a:fontRef idx="minor"/>
+      </dsp:style>
+    </dsp:sp>
+    <dsp:sp modelId="{D9AA9C8F-C87E-4B98-AB1B-B0704EF4D484}">
+      <dsp:nvSpPr>
+        <dsp:cNvPr id="0" name=""/>
+        <dsp:cNvSpPr/>
+      </dsp:nvSpPr>
+      <dsp:spPr>
+        <a:xfrm>
+          <a:off x="2734946" y="536210"/>
+          <a:ext cx="1933527" cy="223713"/>
+        </a:xfrm>
+        <a:custGeom>
+          <a:avLst/>
+          <a:gdLst/>
+          <a:ahLst/>
+          <a:cxnLst/>
+          <a:rect l="0" t="0" r="0" b="0"/>
+          <a:pathLst>
+            <a:path>
+              <a:moveTo>
+                <a:pt x="1933527" y="0"/>
+              </a:moveTo>
+              <a:lnTo>
+                <a:pt x="1933527" y="111856"/>
+              </a:lnTo>
+              <a:lnTo>
+                <a:pt x="0" y="111856"/>
+              </a:lnTo>
+              <a:lnTo>
+                <a:pt x="0" y="223713"/>
+              </a:lnTo>
+            </a:path>
+          </a:pathLst>
+        </a:custGeom>
+        <a:noFill/>
+        <a:ln w="15875" cap="flat" cmpd="sng" algn="ctr">
+          <a:solidFill>
+            <a:schemeClr val="accent1">
+              <a:shade val="60000"/>
+              <a:hueOff val="0"/>
+              <a:satOff val="0"/>
+              <a:lumOff val="0"/>
+              <a:alphaOff val="0"/>
+            </a:schemeClr>
+          </a:solidFill>
+          <a:prstDash val="solid"/>
+        </a:ln>
+        <a:effectLst/>
+      </dsp:spPr>
+      <dsp:style>
+        <a:lnRef idx="2">
+          <a:scrgbClr r="0" g="0" b="0"/>
+        </a:lnRef>
+        <a:fillRef idx="0">
+          <a:scrgbClr r="0" g="0" b="0"/>
+        </a:fillRef>
+        <a:effectRef idx="0">
+          <a:scrgbClr r="0" g="0" b="0"/>
+        </a:effectRef>
+        <a:fontRef idx="minor"/>
+      </dsp:style>
+    </dsp:sp>
+    <dsp:sp modelId="{114B413F-3723-4A0A-95A9-A951E3190945}">
+      <dsp:nvSpPr>
+        <dsp:cNvPr id="0" name=""/>
+        <dsp:cNvSpPr/>
+      </dsp:nvSpPr>
+      <dsp:spPr>
+        <a:xfrm>
+          <a:off x="4127432" y="878"/>
+          <a:ext cx="1082083" cy="535331"/>
+        </a:xfrm>
+        <a:prstGeom prst="rect">
+          <a:avLst/>
+        </a:prstGeom>
+        <a:solidFill>
+          <a:schemeClr val="accent1">
+            <a:hueOff val="0"/>
+            <a:satOff val="0"/>
+            <a:lumOff val="0"/>
+            <a:alphaOff val="0"/>
+          </a:schemeClr>
+        </a:solidFill>
+        <a:ln w="15875" cap="flat" cmpd="sng" algn="ctr">
+          <a:solidFill>
+            <a:schemeClr val="lt1">
+              <a:hueOff val="0"/>
+              <a:satOff val="0"/>
+              <a:lumOff val="0"/>
+              <a:alphaOff val="0"/>
+            </a:schemeClr>
+          </a:solidFill>
+          <a:prstDash val="solid"/>
+        </a:ln>
+        <a:effectLst/>
+      </dsp:spPr>
+      <dsp:style>
+        <a:lnRef idx="2">
+          <a:scrgbClr r="0" g="0" b="0"/>
+        </a:lnRef>
+        <a:fillRef idx="1">
+          <a:scrgbClr r="0" g="0" b="0"/>
+        </a:fillRef>
+        <a:effectRef idx="0">
+          <a:scrgbClr r="0" g="0" b="0"/>
+        </a:effectRef>
+        <a:fontRef idx="minor">
+          <a:schemeClr val="lt1"/>
+        </a:fontRef>
+      </dsp:style>
+      <dsp:txBody>
+        <a:bodyPr spcFirstLastPara="0" vert="horz" wrap="square" lIns="5715" tIns="5715" rIns="5715" bIns="5715" numCol="1" spcCol="1270" anchor="ctr" anchorCtr="0">
+          <a:noAutofit/>
+        </a:bodyPr>
+        <a:lstStyle/>
+        <a:p>
+          <a:pPr marL="0" lvl="0" indent="0" algn="ctr" defTabSz="400050">
+            <a:lnSpc>
+              <a:spcPct val="90000"/>
+            </a:lnSpc>
+            <a:spcBef>
+              <a:spcPct val="0"/>
+            </a:spcBef>
+            <a:spcAft>
+              <a:spcPct val="35000"/>
+            </a:spcAft>
+            <a:buNone/>
+          </a:pPr>
+          <a:r>
+            <a:rPr lang="ru-RU" sz="900" kern="1200" dirty="0"/>
+            <a:t>Система управления учебным процессом</a:t>
+          </a:r>
+        </a:p>
+      </dsp:txBody>
+      <dsp:txXfrm>
+        <a:off x="4127432" y="878"/>
+        <a:ext cx="1082083" cy="535331"/>
+      </dsp:txXfrm>
+    </dsp:sp>
+    <dsp:sp modelId="{D37B394A-D89D-4E25-AF9E-8F0906EC8762}">
+      <dsp:nvSpPr>
+        <dsp:cNvPr id="0" name=""/>
+        <dsp:cNvSpPr/>
+      </dsp:nvSpPr>
+      <dsp:spPr>
+        <a:xfrm>
+          <a:off x="2202293" y="759924"/>
+          <a:ext cx="1065304" cy="532652"/>
+        </a:xfrm>
+        <a:prstGeom prst="rect">
+          <a:avLst/>
+        </a:prstGeom>
+        <a:solidFill>
+          <a:schemeClr val="tx1"/>
+        </a:solidFill>
+        <a:ln w="15875" cap="flat" cmpd="sng" algn="ctr">
+          <a:solidFill>
+            <a:schemeClr val="lt1">
+              <a:hueOff val="0"/>
+              <a:satOff val="0"/>
+              <a:lumOff val="0"/>
+              <a:alphaOff val="0"/>
+            </a:schemeClr>
+          </a:solidFill>
+          <a:prstDash val="solid"/>
+        </a:ln>
+        <a:effectLst/>
+      </dsp:spPr>
+      <dsp:style>
+        <a:lnRef idx="2">
+          <a:scrgbClr r="0" g="0" b="0"/>
+        </a:lnRef>
+        <a:fillRef idx="1">
+          <a:scrgbClr r="0" g="0" b="0"/>
+        </a:fillRef>
+        <a:effectRef idx="0">
+          <a:scrgbClr r="0" g="0" b="0"/>
+        </a:effectRef>
+        <a:fontRef idx="minor">
+          <a:schemeClr val="lt1"/>
+        </a:fontRef>
+      </dsp:style>
+      <dsp:txBody>
+        <a:bodyPr spcFirstLastPara="0" vert="horz" wrap="square" lIns="5715" tIns="5715" rIns="5715" bIns="5715" numCol="1" spcCol="1270" anchor="ctr" anchorCtr="0">
+          <a:noAutofit/>
+        </a:bodyPr>
+        <a:lstStyle/>
+        <a:p>
+          <a:pPr marL="0" lvl="0" indent="0" algn="ctr" defTabSz="400050">
+            <a:lnSpc>
+              <a:spcPct val="90000"/>
+            </a:lnSpc>
+            <a:spcBef>
+              <a:spcPct val="0"/>
+            </a:spcBef>
+            <a:spcAft>
+              <a:spcPct val="35000"/>
+            </a:spcAft>
+            <a:buNone/>
+          </a:pPr>
+          <a:r>
+            <a:rPr lang="ru-RU" sz="900" kern="1200" dirty="0"/>
+            <a:t>База данных</a:t>
+          </a:r>
+        </a:p>
+      </dsp:txBody>
+      <dsp:txXfrm>
+        <a:off x="2202293" y="759924"/>
+        <a:ext cx="1065304" cy="532652"/>
+      </dsp:txXfrm>
+    </dsp:sp>
+    <dsp:sp modelId="{5BFB8CE3-FDDB-4A47-A1BD-182D99E3E1A7}">
+      <dsp:nvSpPr>
+        <dsp:cNvPr id="0" name=""/>
+        <dsp:cNvSpPr/>
+      </dsp:nvSpPr>
+      <dsp:spPr>
+        <a:xfrm>
+          <a:off x="3491312" y="759924"/>
+          <a:ext cx="1065304" cy="532652"/>
+        </a:xfrm>
+        <a:prstGeom prst="rect">
+          <a:avLst/>
+        </a:prstGeom>
+        <a:solidFill>
+          <a:schemeClr val="tx1"/>
+        </a:solidFill>
+        <a:ln w="15875" cap="flat" cmpd="sng" algn="ctr">
+          <a:solidFill>
+            <a:schemeClr val="lt1">
+              <a:hueOff val="0"/>
+              <a:satOff val="0"/>
+              <a:lumOff val="0"/>
+              <a:alphaOff val="0"/>
+            </a:schemeClr>
+          </a:solidFill>
+          <a:prstDash val="solid"/>
+        </a:ln>
+        <a:effectLst/>
+      </dsp:spPr>
+      <dsp:style>
+        <a:lnRef idx="2">
+          <a:scrgbClr r="0" g="0" b="0"/>
+        </a:lnRef>
+        <a:fillRef idx="1">
+          <a:scrgbClr r="0" g="0" b="0"/>
+        </a:fillRef>
+        <a:effectRef idx="0">
+          <a:scrgbClr r="0" g="0" b="0"/>
+        </a:effectRef>
+        <a:fontRef idx="minor">
+          <a:schemeClr val="lt1"/>
+        </a:fontRef>
+      </dsp:style>
+      <dsp:txBody>
+        <a:bodyPr spcFirstLastPara="0" vert="horz" wrap="square" lIns="5715" tIns="5715" rIns="5715" bIns="5715" numCol="1" spcCol="1270" anchor="ctr" anchorCtr="0">
+          <a:noAutofit/>
+        </a:bodyPr>
+        <a:lstStyle/>
+        <a:p>
+          <a:pPr marL="0" lvl="0" indent="0" algn="ctr" defTabSz="400050">
+            <a:lnSpc>
+              <a:spcPct val="90000"/>
+            </a:lnSpc>
+            <a:spcBef>
+              <a:spcPct val="0"/>
+            </a:spcBef>
+            <a:spcAft>
+              <a:spcPct val="35000"/>
+            </a:spcAft>
+            <a:buNone/>
+          </a:pPr>
+          <a:r>
+            <a:rPr lang="ru-RU" sz="900" kern="1200" dirty="0"/>
+            <a:t>Сервис авторизации</a:t>
+          </a:r>
+        </a:p>
+      </dsp:txBody>
+      <dsp:txXfrm>
+        <a:off x="3491312" y="759924"/>
+        <a:ext cx="1065304" cy="532652"/>
+      </dsp:txXfrm>
+    </dsp:sp>
+    <dsp:sp modelId="{6692DA02-AB2C-4B87-A2A3-ABC5C7B149A0}">
+      <dsp:nvSpPr>
+        <dsp:cNvPr id="0" name=""/>
+        <dsp:cNvSpPr/>
+      </dsp:nvSpPr>
+      <dsp:spPr>
+        <a:xfrm>
+          <a:off x="4780330" y="759924"/>
+          <a:ext cx="1065304" cy="532652"/>
+        </a:xfrm>
+        <a:prstGeom prst="rect">
+          <a:avLst/>
+        </a:prstGeom>
+        <a:solidFill>
+          <a:schemeClr val="tx1"/>
+        </a:solidFill>
+        <a:ln w="15875" cap="flat" cmpd="sng" algn="ctr">
+          <a:solidFill>
+            <a:schemeClr val="lt1">
+              <a:hueOff val="0"/>
+              <a:satOff val="0"/>
+              <a:lumOff val="0"/>
+              <a:alphaOff val="0"/>
+            </a:schemeClr>
+          </a:solidFill>
+          <a:prstDash val="solid"/>
+        </a:ln>
+        <a:effectLst/>
+      </dsp:spPr>
+      <dsp:style>
+        <a:lnRef idx="2">
+          <a:scrgbClr r="0" g="0" b="0"/>
+        </a:lnRef>
+        <a:fillRef idx="1">
+          <a:scrgbClr r="0" g="0" b="0"/>
+        </a:fillRef>
+        <a:effectRef idx="0">
+          <a:scrgbClr r="0" g="0" b="0"/>
+        </a:effectRef>
+        <a:fontRef idx="minor">
+          <a:schemeClr val="lt1"/>
+        </a:fontRef>
+      </dsp:style>
+      <dsp:txBody>
+        <a:bodyPr spcFirstLastPara="0" vert="horz" wrap="square" lIns="5715" tIns="5715" rIns="5715" bIns="5715" numCol="1" spcCol="1270" anchor="ctr" anchorCtr="0">
+          <a:noAutofit/>
+        </a:bodyPr>
+        <a:lstStyle/>
+        <a:p>
+          <a:pPr marL="0" lvl="0" indent="0" algn="ctr" defTabSz="400050">
+            <a:lnSpc>
+              <a:spcPct val="90000"/>
+            </a:lnSpc>
+            <a:spcBef>
+              <a:spcPct val="0"/>
+            </a:spcBef>
+            <a:spcAft>
+              <a:spcPct val="35000"/>
+            </a:spcAft>
+            <a:buNone/>
+          </a:pPr>
+          <a:r>
+            <a:rPr lang="ru-RU" sz="900" kern="1200" dirty="0"/>
+            <a:t>Сервис </a:t>
+          </a:r>
+          <a:r>
+            <a:rPr lang="en-US" sz="900" kern="1200" dirty="0"/>
+            <a:t>WEB API</a:t>
+          </a:r>
+          <a:endParaRPr lang="ru-RU" sz="900" kern="1200" dirty="0"/>
+        </a:p>
+      </dsp:txBody>
+      <dsp:txXfrm>
+        <a:off x="4780330" y="759924"/>
+        <a:ext cx="1065304" cy="532652"/>
+      </dsp:txXfrm>
+    </dsp:sp>
+    <dsp:sp modelId="{F684CB6D-0CA3-4575-B400-83A8010D1C8F}">
+      <dsp:nvSpPr>
+        <dsp:cNvPr id="0" name=""/>
+        <dsp:cNvSpPr/>
+      </dsp:nvSpPr>
+      <dsp:spPr>
+        <a:xfrm>
+          <a:off x="5046657" y="1516290"/>
+          <a:ext cx="1065304" cy="532652"/>
+        </a:xfrm>
+        <a:prstGeom prst="rect">
+          <a:avLst/>
+        </a:prstGeom>
+        <a:solidFill>
+          <a:schemeClr val="tx1"/>
+        </a:solidFill>
+        <a:ln w="15875" cap="flat" cmpd="sng" algn="ctr">
+          <a:solidFill>
+            <a:schemeClr val="lt1">
+              <a:hueOff val="0"/>
+              <a:satOff val="0"/>
+              <a:lumOff val="0"/>
+              <a:alphaOff val="0"/>
+            </a:schemeClr>
+          </a:solidFill>
+          <a:prstDash val="solid"/>
+        </a:ln>
+        <a:effectLst/>
+      </dsp:spPr>
+      <dsp:style>
+        <a:lnRef idx="2">
+          <a:scrgbClr r="0" g="0" b="0"/>
+        </a:lnRef>
+        <a:fillRef idx="1">
+          <a:scrgbClr r="0" g="0" b="0"/>
+        </a:fillRef>
+        <a:effectRef idx="0">
+          <a:scrgbClr r="0" g="0" b="0"/>
+        </a:effectRef>
+        <a:fontRef idx="minor">
+          <a:schemeClr val="lt1"/>
+        </a:fontRef>
+      </dsp:style>
+      <dsp:txBody>
+        <a:bodyPr spcFirstLastPara="0" vert="horz" wrap="square" lIns="5715" tIns="5715" rIns="5715" bIns="5715" numCol="1" spcCol="1270" anchor="ctr" anchorCtr="0">
+          <a:noAutofit/>
+        </a:bodyPr>
+        <a:lstStyle/>
+        <a:p>
+          <a:pPr marL="0" lvl="0" indent="0" algn="ctr" defTabSz="400050">
+            <a:lnSpc>
+              <a:spcPct val="90000"/>
+            </a:lnSpc>
+            <a:spcBef>
+              <a:spcPct val="0"/>
+            </a:spcBef>
+            <a:spcAft>
+              <a:spcPct val="35000"/>
+            </a:spcAft>
+            <a:buNone/>
+          </a:pPr>
+          <a:r>
+            <a:rPr lang="en-US" sz="900" kern="1200" dirty="0"/>
+            <a:t>API </a:t>
+          </a:r>
+          <a:r>
+            <a:rPr lang="ru-RU" sz="900" kern="1200" dirty="0"/>
+            <a:t>для приложения преподавателей</a:t>
+          </a:r>
+        </a:p>
+      </dsp:txBody>
+      <dsp:txXfrm>
+        <a:off x="5046657" y="1516290"/>
+        <a:ext cx="1065304" cy="532652"/>
+      </dsp:txXfrm>
+    </dsp:sp>
+    <dsp:sp modelId="{CF81FC50-5925-44BE-B20B-29F815938336}">
+      <dsp:nvSpPr>
+        <dsp:cNvPr id="0" name=""/>
+        <dsp:cNvSpPr/>
+      </dsp:nvSpPr>
+      <dsp:spPr>
+        <a:xfrm>
+          <a:off x="5046657" y="2272656"/>
+          <a:ext cx="1065304" cy="532652"/>
+        </a:xfrm>
+        <a:prstGeom prst="rect">
+          <a:avLst/>
+        </a:prstGeom>
+        <a:solidFill>
+          <a:schemeClr val="tx1"/>
+        </a:solidFill>
+        <a:ln w="15875" cap="flat" cmpd="sng" algn="ctr">
+          <a:solidFill>
+            <a:schemeClr val="lt1">
+              <a:hueOff val="0"/>
+              <a:satOff val="0"/>
+              <a:lumOff val="0"/>
+              <a:alphaOff val="0"/>
+            </a:schemeClr>
+          </a:solidFill>
+          <a:prstDash val="solid"/>
+        </a:ln>
+        <a:effectLst/>
+      </dsp:spPr>
+      <dsp:style>
+        <a:lnRef idx="2">
+          <a:scrgbClr r="0" g="0" b="0"/>
+        </a:lnRef>
+        <a:fillRef idx="1">
+          <a:scrgbClr r="0" g="0" b="0"/>
+        </a:fillRef>
+        <a:effectRef idx="0">
+          <a:scrgbClr r="0" g="0" b="0"/>
+        </a:effectRef>
+        <a:fontRef idx="minor">
+          <a:schemeClr val="lt1"/>
+        </a:fontRef>
+      </dsp:style>
+      <dsp:txBody>
+        <a:bodyPr spcFirstLastPara="0" vert="horz" wrap="square" lIns="5715" tIns="5715" rIns="5715" bIns="5715" numCol="1" spcCol="1270" anchor="ctr" anchorCtr="0">
+          <a:noAutofit/>
+        </a:bodyPr>
+        <a:lstStyle/>
+        <a:p>
+          <a:pPr marL="0" lvl="0" indent="0" algn="ctr" defTabSz="400050">
+            <a:lnSpc>
+              <a:spcPct val="90000"/>
+            </a:lnSpc>
+            <a:spcBef>
+              <a:spcPct val="0"/>
+            </a:spcBef>
+            <a:spcAft>
+              <a:spcPct val="35000"/>
+            </a:spcAft>
+            <a:buNone/>
+          </a:pPr>
+          <a:r>
+            <a:rPr lang="en-US" sz="900" kern="1200" dirty="0"/>
+            <a:t>API </a:t>
+          </a:r>
+          <a:r>
+            <a:rPr lang="ru-RU" sz="900" kern="1200" dirty="0"/>
+            <a:t>для приложения студентов</a:t>
+          </a:r>
+        </a:p>
+      </dsp:txBody>
+      <dsp:txXfrm>
+        <a:off x="5046657" y="2272656"/>
+        <a:ext cx="1065304" cy="532652"/>
+      </dsp:txXfrm>
+    </dsp:sp>
+    <dsp:sp modelId="{CC4A03C4-DDC0-4767-B0DC-552FE17BF4B2}">
+      <dsp:nvSpPr>
+        <dsp:cNvPr id="0" name=""/>
+        <dsp:cNvSpPr/>
+      </dsp:nvSpPr>
+      <dsp:spPr>
+        <a:xfrm>
+          <a:off x="6069349" y="759924"/>
+          <a:ext cx="1065304" cy="532652"/>
+        </a:xfrm>
+        <a:prstGeom prst="rect">
+          <a:avLst/>
+        </a:prstGeom>
+        <a:solidFill>
+          <a:schemeClr val="accent6">
+            <a:lumMod val="50000"/>
+          </a:schemeClr>
+        </a:solidFill>
+        <a:ln w="15875" cap="flat" cmpd="sng" algn="ctr">
+          <a:solidFill>
+            <a:schemeClr val="lt1">
+              <a:hueOff val="0"/>
+              <a:satOff val="0"/>
+              <a:lumOff val="0"/>
+              <a:alphaOff val="0"/>
+            </a:schemeClr>
+          </a:solidFill>
+          <a:prstDash val="solid"/>
+        </a:ln>
+        <a:effectLst/>
+      </dsp:spPr>
+      <dsp:style>
+        <a:lnRef idx="2">
+          <a:scrgbClr r="0" g="0" b="0"/>
+        </a:lnRef>
+        <a:fillRef idx="1">
+          <a:scrgbClr r="0" g="0" b="0"/>
+        </a:fillRef>
+        <a:effectRef idx="0">
+          <a:scrgbClr r="0" g="0" b="0"/>
+        </a:effectRef>
+        <a:fontRef idx="minor">
+          <a:schemeClr val="lt1"/>
+        </a:fontRef>
+      </dsp:style>
+      <dsp:txBody>
+        <a:bodyPr spcFirstLastPara="0" vert="horz" wrap="square" lIns="5715" tIns="5715" rIns="5715" bIns="5715" numCol="1" spcCol="1270" anchor="ctr" anchorCtr="0">
+          <a:noAutofit/>
+        </a:bodyPr>
+        <a:lstStyle/>
+        <a:p>
+          <a:pPr marL="0" lvl="0" indent="0" algn="ctr" defTabSz="400050">
+            <a:lnSpc>
+              <a:spcPct val="90000"/>
+            </a:lnSpc>
+            <a:spcBef>
+              <a:spcPct val="0"/>
+            </a:spcBef>
+            <a:spcAft>
+              <a:spcPct val="35000"/>
+            </a:spcAft>
+            <a:buNone/>
+          </a:pPr>
+          <a:r>
+            <a:rPr lang="ru-RU" sz="900" kern="1200" dirty="0"/>
+            <a:t>Клиентская часть</a:t>
+          </a:r>
+        </a:p>
+      </dsp:txBody>
+      <dsp:txXfrm>
+        <a:off x="6069349" y="759924"/>
+        <a:ext cx="1065304" cy="532652"/>
+      </dsp:txXfrm>
+    </dsp:sp>
+    <dsp:sp modelId="{370B2BA9-3B69-4D8C-859C-83949602F126}">
+      <dsp:nvSpPr>
+        <dsp:cNvPr id="0" name=""/>
+        <dsp:cNvSpPr/>
+      </dsp:nvSpPr>
+      <dsp:spPr>
+        <a:xfrm>
+          <a:off x="6335675" y="1516290"/>
+          <a:ext cx="1065304" cy="532652"/>
+        </a:xfrm>
+        <a:prstGeom prst="rect">
+          <a:avLst/>
+        </a:prstGeom>
+        <a:solidFill>
+          <a:schemeClr val="accent6">
+            <a:lumMod val="50000"/>
+          </a:schemeClr>
+        </a:solidFill>
+        <a:ln w="15875" cap="flat" cmpd="sng" algn="ctr">
+          <a:solidFill>
+            <a:schemeClr val="lt1">
+              <a:hueOff val="0"/>
+              <a:satOff val="0"/>
+              <a:lumOff val="0"/>
+              <a:alphaOff val="0"/>
+            </a:schemeClr>
+          </a:solidFill>
+          <a:prstDash val="solid"/>
+        </a:ln>
+        <a:effectLst/>
+      </dsp:spPr>
+      <dsp:style>
+        <a:lnRef idx="2">
+          <a:scrgbClr r="0" g="0" b="0"/>
+        </a:lnRef>
+        <a:fillRef idx="1">
+          <a:scrgbClr r="0" g="0" b="0"/>
+        </a:fillRef>
+        <a:effectRef idx="0">
+          <a:scrgbClr r="0" g="0" b="0"/>
+        </a:effectRef>
+        <a:fontRef idx="minor">
+          <a:schemeClr val="lt1"/>
+        </a:fontRef>
+      </dsp:style>
+      <dsp:txBody>
+        <a:bodyPr spcFirstLastPara="0" vert="horz" wrap="square" lIns="5715" tIns="5715" rIns="5715" bIns="5715" numCol="1" spcCol="1270" anchor="ctr" anchorCtr="0">
+          <a:noAutofit/>
+        </a:bodyPr>
+        <a:lstStyle/>
+        <a:p>
+          <a:pPr marL="0" lvl="0" indent="0" algn="ctr" defTabSz="400050">
+            <a:lnSpc>
+              <a:spcPct val="90000"/>
+            </a:lnSpc>
+            <a:spcBef>
+              <a:spcPct val="0"/>
+            </a:spcBef>
+            <a:spcAft>
+              <a:spcPct val="35000"/>
+            </a:spcAft>
+            <a:buNone/>
+          </a:pPr>
+          <a:r>
+            <a:rPr lang="ru-RU" sz="900" kern="1200" dirty="0"/>
+            <a:t>Приложение для преподавателей</a:t>
+          </a:r>
+        </a:p>
+      </dsp:txBody>
+      <dsp:txXfrm>
+        <a:off x="6335675" y="1516290"/>
+        <a:ext cx="1065304" cy="532652"/>
+      </dsp:txXfrm>
+    </dsp:sp>
+    <dsp:sp modelId="{2E6DF66F-FA8C-44E4-AEBC-B414769205A9}">
+      <dsp:nvSpPr>
+        <dsp:cNvPr id="0" name=""/>
+        <dsp:cNvSpPr/>
+      </dsp:nvSpPr>
+      <dsp:spPr>
+        <a:xfrm>
+          <a:off x="6335675" y="2272656"/>
+          <a:ext cx="1065304" cy="532652"/>
+        </a:xfrm>
+        <a:prstGeom prst="rect">
+          <a:avLst/>
+        </a:prstGeom>
+        <a:solidFill>
+          <a:schemeClr val="accent6">
+            <a:lumMod val="50000"/>
+          </a:schemeClr>
+        </a:solidFill>
+        <a:ln w="15875" cap="flat" cmpd="sng" algn="ctr">
+          <a:solidFill>
+            <a:schemeClr val="lt1">
+              <a:hueOff val="0"/>
+              <a:satOff val="0"/>
+              <a:lumOff val="0"/>
+              <a:alphaOff val="0"/>
+            </a:schemeClr>
+          </a:solidFill>
+          <a:prstDash val="solid"/>
+        </a:ln>
+        <a:effectLst/>
+      </dsp:spPr>
+      <dsp:style>
+        <a:lnRef idx="2">
+          <a:scrgbClr r="0" g="0" b="0"/>
+        </a:lnRef>
+        <a:fillRef idx="1">
+          <a:scrgbClr r="0" g="0" b="0"/>
+        </a:fillRef>
+        <a:effectRef idx="0">
+          <a:scrgbClr r="0" g="0" b="0"/>
+        </a:effectRef>
+        <a:fontRef idx="minor">
+          <a:schemeClr val="lt1"/>
+        </a:fontRef>
+      </dsp:style>
+      <dsp:txBody>
+        <a:bodyPr spcFirstLastPara="0" vert="horz" wrap="square" lIns="5715" tIns="5715" rIns="5715" bIns="5715" numCol="1" spcCol="1270" anchor="ctr" anchorCtr="0">
+          <a:noAutofit/>
+        </a:bodyPr>
+        <a:lstStyle/>
+        <a:p>
+          <a:pPr marL="0" lvl="0" indent="0" algn="ctr" defTabSz="400050">
+            <a:lnSpc>
+              <a:spcPct val="90000"/>
+            </a:lnSpc>
+            <a:spcBef>
+              <a:spcPct val="0"/>
+            </a:spcBef>
+            <a:spcAft>
+              <a:spcPct val="35000"/>
+            </a:spcAft>
+            <a:buNone/>
+          </a:pPr>
+          <a:r>
+            <a:rPr lang="ru-RU" sz="900" kern="1200" dirty="0"/>
+            <a:t>Приложение для студентов</a:t>
+          </a:r>
+        </a:p>
+      </dsp:txBody>
+      <dsp:txXfrm>
+        <a:off x="6335675" y="2272656"/>
+        <a:ext cx="1065304" cy="532652"/>
+      </dsp:txXfrm>
+    </dsp:sp>
+    <dsp:sp modelId="{37B891EE-457B-4B1D-8D27-286A7326E551}">
+      <dsp:nvSpPr>
+        <dsp:cNvPr id="0" name=""/>
+        <dsp:cNvSpPr/>
+      </dsp:nvSpPr>
+      <dsp:spPr>
+        <a:xfrm>
+          <a:off x="6335675" y="3029022"/>
+          <a:ext cx="1065304" cy="532652"/>
+        </a:xfrm>
+        <a:prstGeom prst="rect">
+          <a:avLst/>
+        </a:prstGeom>
+        <a:solidFill>
+          <a:schemeClr val="accent6">
+            <a:lumMod val="50000"/>
+          </a:schemeClr>
+        </a:solidFill>
+        <a:ln w="15875" cap="flat" cmpd="sng" algn="ctr">
+          <a:solidFill>
+            <a:schemeClr val="lt1">
+              <a:hueOff val="0"/>
+              <a:satOff val="0"/>
+              <a:lumOff val="0"/>
+              <a:alphaOff val="0"/>
+            </a:schemeClr>
+          </a:solidFill>
+          <a:prstDash val="solid"/>
+        </a:ln>
+        <a:effectLst/>
+      </dsp:spPr>
+      <dsp:style>
+        <a:lnRef idx="2">
+          <a:scrgbClr r="0" g="0" b="0"/>
+        </a:lnRef>
+        <a:fillRef idx="1">
+          <a:scrgbClr r="0" g="0" b="0"/>
+        </a:fillRef>
+        <a:effectRef idx="0">
+          <a:scrgbClr r="0" g="0" b="0"/>
+        </a:effectRef>
+        <a:fontRef idx="minor">
+          <a:schemeClr val="lt1"/>
+        </a:fontRef>
+      </dsp:style>
+      <dsp:txBody>
+        <a:bodyPr spcFirstLastPara="0" vert="horz" wrap="square" lIns="5715" tIns="5715" rIns="5715" bIns="5715" numCol="1" spcCol="1270" anchor="ctr" anchorCtr="0">
+          <a:noAutofit/>
+        </a:bodyPr>
+        <a:lstStyle/>
+        <a:p>
+          <a:pPr marL="0" lvl="0" indent="0" algn="ctr" defTabSz="400050">
+            <a:lnSpc>
+              <a:spcPct val="90000"/>
+            </a:lnSpc>
+            <a:spcBef>
+              <a:spcPct val="0"/>
+            </a:spcBef>
+            <a:spcAft>
+              <a:spcPct val="35000"/>
+            </a:spcAft>
+            <a:buNone/>
+          </a:pPr>
+          <a:r>
+            <a:rPr lang="ru-RU" sz="900" kern="1200" dirty="0"/>
+            <a:t>Общая библиотека для авторизации</a:t>
+          </a:r>
+        </a:p>
+      </dsp:txBody>
+      <dsp:txXfrm>
+        <a:off x="6335675" y="3029022"/>
+        <a:ext cx="1065304" cy="532652"/>
+      </dsp:txXfrm>
+    </dsp:sp>
+  </dsp:spTree>
+</dsp:drawing>
+</file>
+
+<file path=ppt/diagrams/layout1.xml><?xml version="1.0" encoding="utf-8"?>
+<dgm:layoutDef xmlns:dgm="http://schemas.openxmlformats.org/drawingml/2006/diagram" xmlns:a="http://schemas.openxmlformats.org/drawingml/2006/main" uniqueId="urn:microsoft.com/office/officeart/2005/8/layout/orgChart1">
+  <dgm:title val=""/>
+  <dgm:desc val=""/>
+  <dgm:catLst>
+    <dgm:cat type="hierarchy" pri="1000"/>
+    <dgm:cat type="convert" pri="6000"/>
+  </dgm:catLst>
+  <dgm:sampData>
+    <dgm:dataModel>
+      <dgm:ptLst>
+        <dgm:pt modelId="0" type="doc"/>
+        <dgm:pt modelId="1">
+          <dgm:prSet phldr="1"/>
+        </dgm:pt>
+        <dgm:pt modelId="2" type="asst">
+          <dgm:prSet phldr="1"/>
+        </dgm:pt>
+        <dgm:pt modelId="3">
+          <dgm:prSet phldr="1"/>
+        </dgm:pt>
+        <dgm:pt modelId="4">
+          <dgm:prSet phldr="1"/>
+        </dgm:pt>
+        <dgm:pt modelId="5">
+          <dgm:prSet phldr="1"/>
+        </dgm:pt>
+      </dgm:ptLst>
+      <dgm:cxnLst>
+        <dgm:cxn modelId="5" srcId="0" destId="1" srcOrd="0" destOrd="0"/>
+        <dgm:cxn modelId="6" srcId="1" destId="2" srcOrd="0" destOrd="0"/>
+        <dgm:cxn modelId="7" srcId="1" destId="3" srcOrd="1" destOrd="0"/>
+        <dgm:cxn modelId="8" srcId="1" destId="4" srcOrd="2" destOrd="0"/>
+        <dgm:cxn modelId="9" srcId="1" destId="5" srcOrd="3" destOrd="0"/>
+      </dgm:cxnLst>
+      <dgm:bg/>
+      <dgm:whole/>
+    </dgm:dataModel>
+  </dgm:sampData>
+  <dgm:styleData>
+    <dgm:dataModel>
+      <dgm:ptLst>
+        <dgm:pt modelId="0" type="doc"/>
+        <dgm:pt modelId="1"/>
+        <dgm:pt modelId="12"/>
+        <dgm:pt modelId="13"/>
+      </dgm:ptLst>
+      <dgm:cxnLst>
+        <dgm:cxn modelId="2" srcId="0" destId="1" srcOrd="0" destOrd="0"/>
+        <dgm:cxn modelId="16" srcId="1" destId="12" srcOrd="1" destOrd="0"/>
+        <dgm:cxn modelId="17" srcId="1" destId="13" srcOrd="2" destOrd="0"/>
+      </dgm:cxnLst>
+      <dgm:bg/>
+      <dgm:whole/>
+    </dgm:dataModel>
+  </dgm:styleData>
+  <dgm:clrData>
+    <dgm:dataModel>
+      <dgm:ptLst>
+        <dgm:pt modelId="0" type="doc"/>
+        <dgm:pt modelId="1"/>
+        <dgm:pt modelId="11" type="asst"/>
+        <dgm:pt modelId="12"/>
+        <dgm:pt modelId="13"/>
+        <dgm:pt modelId="14"/>
+      </dgm:ptLst>
+      <dgm:cxnLst>
+        <dgm:cxn modelId="2" srcId="0" destId="1" srcOrd="0" destOrd="0"/>
+        <dgm:cxn modelId="15" srcId="1" destId="11" srcOrd="0" destOrd="0"/>
+        <dgm:cxn modelId="16" srcId="1" destId="12" srcOrd="1" destOrd="0"/>
+        <dgm:cxn modelId="17" srcId="1" destId="13" srcOrd="2" destOrd="0"/>
+        <dgm:cxn modelId="18" srcId="1" destId="14" srcOrd="2" destOrd="0"/>
+      </dgm:cxnLst>
+      <dgm:bg/>
+      <dgm:whole/>
+    </dgm:dataModel>
+  </dgm:clrData>
+  <dgm:layoutNode name="hierChild1">
+    <dgm:varLst>
+      <dgm:orgChart val="1"/>
+      <dgm:chPref val="1"/>
+      <dgm:dir/>
+      <dgm:animOne val="branch"/>
+      <dgm:animLvl val="lvl"/>
+      <dgm:resizeHandles/>
+    </dgm:varLst>
+    <dgm:choose name="Name0">
+      <dgm:if name="Name1" func="var" arg="dir" op="equ" val="norm">
+        <dgm:alg type="hierChild">
+          <dgm:param type="linDir" val="fromL"/>
+        </dgm:alg>
+      </dgm:if>
+      <dgm:else name="Name2">
+        <dgm:alg type="hierChild">
+          <dgm:param type="linDir" val="fromR"/>
+        </dgm:alg>
+      </dgm:else>
+    </dgm:choose>
+    <dgm:shape xmlns:r="http://schemas.openxmlformats.org/officeDocument/2006/relationships" r:blip="">
+      <dgm:adjLst/>
+    </dgm:shape>
+    <dgm:presOf/>
+    <dgm:constrLst>
+      <dgm:constr type="w" for="des" forName="rootComposite1" refType="w" fact="10"/>
+      <dgm:constr type="h" for="des" forName="rootComposite1" refType="w" refFor="des" refForName="rootComposite1" fact="0.5"/>
+      <dgm:constr type="w" for="des" forName="rootComposite" refType="w" fact="10"/>
+      <dgm:constr type="h" for="des" forName="rootComposite" refType="w" refFor="des" refForName="rootComposite1" fact="0.5"/>
+      <dgm:constr type="w" for="des" forName="rootComposite3" refType="w" fact="10"/>
+      <dgm:constr type="h" for="des" forName="rootComposite3" refType="w" refFor="des" refForName="rootComposite1" fact="0.5"/>
+      <dgm:constr type="primFontSz" for="des" ptType="node" op="equ"/>
+      <dgm:constr type="sp" for="des" op="equ"/>
+      <dgm:constr type="sp" for="des" forName="hierRoot1" refType="w" refFor="des" refForName="rootComposite1" fact="0.21"/>
+      <dgm:constr type="sp" for="des" forName="hierRoot2" refType="sp" refFor="des" refForName="hierRoot1"/>
+      <dgm:constr type="sp" for="des" forName="hierRoot3" refType="sp" refFor="des" refForName="hierRoot1"/>
+      <dgm:constr type="sibSp" refType="w" refFor="des" refForName="rootComposite1" fact="0.21"/>
+      <dgm:constr type="sibSp" for="des" forName="hierChild2" refType="sibSp"/>
+      <dgm:constr type="sibSp" for="des" forName="hierChild3" refType="sibSp"/>
+      <dgm:constr type="sibSp" for="des" forName="hierChild4" refType="sibSp"/>
+      <dgm:constr type="sibSp" for="des" forName="hierChild5" refType="sibSp"/>
+      <dgm:constr type="sibSp" for="des" forName="hierChild6" refType="sibSp"/>
+      <dgm:constr type="sibSp" for="des" forName="hierChild7" refType="sibSp"/>
+      <dgm:constr type="secSibSp" refType="w" refFor="des" refForName="rootComposite1" fact="0.21"/>
+      <dgm:constr type="secSibSp" for="des" forName="hierChild2" refType="secSibSp"/>
+      <dgm:constr type="secSibSp" for="des" forName="hierChild3" refType="secSibSp"/>
+      <dgm:constr type="secSibSp" for="des" forName="hierChild4" refType="secSibSp"/>
+      <dgm:constr type="secSibSp" for="des" forName="hierChild5" refType="secSibSp"/>
+      <dgm:constr type="secSibSp" for="des" forName="hierChild6" refType="secSibSp"/>
+      <dgm:constr type="secSibSp" for="des" forName="hierChild7" refType="secSibSp"/>
+    </dgm:constrLst>
+    <dgm:ruleLst/>
+    <dgm:forEach name="Name3" axis="ch">
+      <dgm:forEach name="Name4" axis="self" ptType="node">
+        <dgm:layoutNode name="hierRoot1">
+          <dgm:varLst>
+            <dgm:hierBranch val="init"/>
+          </dgm:varLst>
+          <dgm:choose name="Name5">
+            <dgm:if name="Name6" func="var" arg="hierBranch" op="equ" val="l">
+              <dgm:choose name="Name7">
+                <dgm:if name="Name8" axis="ch" ptType="asst" func="cnt" op="gte" val="1">
+                  <dgm:alg type="hierRoot">
+                    <dgm:param type="hierAlign" val="tR"/>
+                  </dgm:alg>
+                  <dgm:constrLst>
+                    <dgm:constr type="alignOff" val="0.65"/>
+                  </dgm:constrLst>
+                </dgm:if>
+                <dgm:else name="Name9">
+                  <dgm:alg type="hierRoot">
+                    <dgm:param type="hierAlign" val="tR"/>
+                  </dgm:alg>
+                  <dgm:constrLst>
+                    <dgm:constr type="alignOff" val="0.25"/>
+                  </dgm:constrLst>
+                </dgm:else>
+              </dgm:choose>
+            </dgm:if>
+            <dgm:if name="Name10" func="var" arg="hierBranch" op="equ" val="r">
+              <dgm:choose name="Name11">
+                <dgm:if name="Name12" axis="ch" ptType="asst" func="cnt" op="gte" val="1">
+                  <dgm:alg type="hierRoot">
+                    <dgm:param type="hierAlign" val="tL"/>
+                  </dgm:alg>
+                  <dgm:constrLst>
+                    <dgm:constr type="alignOff" val="0.65"/>
+                  </dgm:constrLst>
+                </dgm:if>
+                <dgm:else name="Name13">
+                  <dgm:alg type="hierRoot">
+                    <dgm:param type="hierAlign" val="tL"/>
+                  </dgm:alg>
+                  <dgm:constrLst>
+                    <dgm:constr type="alignOff" val="0.25"/>
+                  </dgm:constrLst>
+                </dgm:else>
+              </dgm:choose>
+            </dgm:if>
+            <dgm:if name="Name14" func="var" arg="hierBranch" op="equ" val="hang">
+              <dgm:alg type="hierRoot"/>
+              <dgm:constrLst>
+                <dgm:constr type="alignOff" val="0.65"/>
+              </dgm:constrLst>
+            </dgm:if>
+            <dgm:else name="Name15">
+              <dgm:alg type="hierRoot"/>
+              <dgm:constrLst>
+                <dgm:constr type="alignOff"/>
+                <dgm:constr type="bendDist" for="des" ptType="parTrans" refType="sp" fact="0.5"/>
+              </dgm:constrLst>
+            </dgm:else>
+          </dgm:choose>
+          <dgm:shape xmlns:r="http://schemas.openxmlformats.org/officeDocument/2006/relationships" r:blip="">
+            <dgm:adjLst/>
+          </dgm:shape>
+          <dgm:presOf/>
+          <dgm:ruleLst/>
+          <dgm:layoutNode name="rootComposite1">
+            <dgm:alg type="composite"/>
+            <dgm:shape xmlns:r="http://schemas.openxmlformats.org/officeDocument/2006/relationships" r:blip="">
+              <dgm:adjLst/>
+            </dgm:shape>
+            <dgm:presOf axis="self" ptType="node" cnt="1"/>
+            <dgm:choose name="Name16">
+              <dgm:if name="Name17" func="var" arg="hierBranch" op="equ" val="init">
+                <dgm:constrLst>
+                  <dgm:constr type="l" for="ch" forName="rootText1"/>
+                  <dgm:constr type="t" for="ch" forName="rootText1"/>
+                  <dgm:constr type="w" for="ch" forName="rootText1" refType="w"/>
+                  <dgm:constr type="h" for="ch" forName="rootText1" refType="h"/>
+                  <dgm:constr type="l" for="ch" forName="rootConnector1"/>
+                  <dgm:constr type="t" for="ch" forName="rootConnector1"/>
+                  <dgm:constr type="w" for="ch" forName="rootConnector1" refType="w" refFor="ch" refForName="rootText1" fact="0.2"/>
+                  <dgm:constr type="h" for="ch" forName="rootConnector1" refType="h" refFor="ch" refForName="rootText1"/>
+                </dgm:constrLst>
+              </dgm:if>
+              <dgm:if name="Name18" func="var" arg="hierBranch" op="equ" val="l">
+                <dgm:constrLst>
+                  <dgm:constr type="l" for="ch" forName="rootText1"/>
+                  <dgm:constr type="t" for="ch" forName="rootText1"/>
+                  <dgm:constr type="w" for="ch" forName="rootText1" refType="w"/>
+                  <dgm:constr type="h" for="ch" forName="rootText1" refType="h"/>
+                  <dgm:constr type="r" for="ch" forName="rootConnector1" refType="w"/>
+                  <dgm:constr type="t" for="ch" forName="rootConnector1"/>
+                  <dgm:constr type="w" for="ch" forName="rootConnector1" refType="w" refFor="ch" refForName="rootText1" fact="0.2"/>
+                  <dgm:constr type="h" for="ch" forName="rootConnector1" refType="h" refFor="ch" refForName="rootText1"/>
+                </dgm:constrLst>
+              </dgm:if>
+              <dgm:if name="Name19" func="var" arg="hierBranch" op="equ" val="r">
+                <dgm:constrLst>
+                  <dgm:constr type="l" for="ch" forName="rootText1"/>
+                  <dgm:constr type="t" for="ch" forName="rootText1"/>
+                  <dgm:constr type="w" for="ch" forName="rootText1" refType="w"/>
+                  <dgm:constr type="h" for="ch" forName="rootText1" refType="h"/>
+                  <dgm:constr type="l" for="ch" forName="rootConnector1"/>
+                  <dgm:constr type="t" for="ch" forName="rootConnector1"/>
+                  <dgm:constr type="w" for="ch" forName="rootConnector1" refType="w" refFor="ch" refForName="rootText1" fact="0.2"/>
+                  <dgm:constr type="h" for="ch" forName="rootConnector1" refType="h" refFor="ch" refForName="rootText1"/>
+                </dgm:constrLst>
+              </dgm:if>
+              <dgm:else name="Name20">
+                <dgm:constrLst>
+                  <dgm:constr type="l" for="ch" forName="rootText1"/>
+                  <dgm:constr type="t" for="ch" forName="rootText1"/>
+                  <dgm:constr type="w" for="ch" forName="rootText1" refType="w"/>
+                  <dgm:constr type="h" for="ch" forName="rootText1" refType="h"/>
+                  <dgm:constr type="r" for="ch" forName="rootConnector1" refType="w"/>
+                  <dgm:constr type="t" for="ch" forName="rootConnector1"/>
+                  <dgm:constr type="w" for="ch" forName="rootConnector1" refType="w" refFor="ch" refForName="rootText1" fact="0.2"/>
+                  <dgm:constr type="h" for="ch" forName="rootConnector1" refType="h" refFor="ch" refForName="rootText1"/>
+                </dgm:constrLst>
+              </dgm:else>
+            </dgm:choose>
+            <dgm:ruleLst/>
+            <dgm:layoutNode name="rootText1" styleLbl="node0">
+              <dgm:varLst>
+                <dgm:chPref val="3"/>
+              </dgm:varLst>
+              <dgm:alg type="tx"/>
+              <dgm:shape xmlns:r="http://schemas.openxmlformats.org/officeDocument/2006/relationships" type="rect" r:blip="">
+                <dgm:adjLst/>
+              </dgm:shape>
+              <dgm:presOf axis="self" ptType="node" cnt="1"/>
+              <dgm:constrLst>
+                <dgm:constr type="primFontSz" val="65"/>
+                <dgm:constr type="lMarg" refType="primFontSz" fact="0.05"/>
+                <dgm:constr type="rMarg" refType="primFontSz" fact="0.05"/>
+                <dgm:constr type="tMarg" refType="primFontSz" fact="0.05"/>
+                <dgm:constr type="bMarg" refType="primFontSz" fact="0.05"/>
+              </dgm:constrLst>
+              <dgm:ruleLst>
+                <dgm:rule type="primFontSz" val="5" fact="NaN" max="NaN"/>
+              </dgm:ruleLst>
+            </dgm:layoutNode>
+            <dgm:layoutNode name="rootConnector1" moveWith="rootText1">
+              <dgm:alg type="sp"/>
+              <dgm:shape xmlns:r="http://schemas.openxmlformats.org/officeDocument/2006/relationships" type="rect" r:blip="" hideGeom="1">
+                <dgm:adjLst/>
+              </dgm:shape>
+              <dgm:presOf axis="self" ptType="node" cnt="1"/>
+              <dgm:constrLst/>
+              <dgm:ruleLst/>
+            </dgm:layoutNode>
+          </dgm:layoutNode>
+          <dgm:layoutNode name="hierChild2">
+            <dgm:choose name="Name21">
+              <dgm:if name="Name22" func="var" arg="hierBranch" op="equ" val="l">
+                <dgm:alg type="hierChild">
+                  <dgm:param type="chAlign" val="r"/>
+                  <dgm:param type="linDir" val="fromT"/>
+                </dgm:alg>
+              </dgm:if>
+              <dgm:if name="Name23" func="var" arg="hierBranch" op="equ" val="r">
+                <dgm:alg type="hierChild">
+                  <dgm:param type="chAlign" val="l"/>
+                  <dgm:param type="linDir" val="fromT"/>
+                </dgm:alg>
+              </dgm:if>
+              <dgm:if name="Name24" func="var" arg="hierBranch" op="equ" val="hang">
+                <dgm:choose name="Name25">
+                  <dgm:if name="Name26" func="var" arg="dir" op="equ" val="norm">
+                    <dgm:alg type="hierChild">
+                      <dgm:param type="chAlign" val="l"/>
+                      <dgm:param type="linDir" val="fromL"/>
+                      <dgm:param type="secChAlign" val="t"/>
+                      <dgm:param type="secLinDir" val="fromT"/>
+                    </dgm:alg>
+                  </dgm:if>
+                  <dgm:else name="Name27">
+                    <dgm:alg type="hierChild">
+                      <dgm:param type="chAlign" val="l"/>
+                      <dgm:param type="linDir" val="fromR"/>
+                      <dgm:param type="secChAlign" val="t"/>
+                      <dgm:param type="secLinDir" val="fromT"/>
+                    </dgm:alg>
+                  </dgm:else>
+                </dgm:choose>
+              </dgm:if>
+              <dgm:else name="Name28">
+                <dgm:choose name="Name29">
+                  <dgm:if name="Name30" func="var" arg="dir" op="equ" val="norm">
+                    <dgm:alg type="hierChild"/>
+                  </dgm:if>
+                  <dgm:else name="Name31">
+                    <dgm:alg type="hierChild">
+                      <dgm:param type="linDir" val="fromR"/>
+                    </dgm:alg>
+                  </dgm:else>
+                </dgm:choose>
+              </dgm:else>
+            </dgm:choose>
+            <dgm:shape xmlns:r="http://schemas.openxmlformats.org/officeDocument/2006/relationships" r:blip="">
+              <dgm:adjLst/>
+            </dgm:shape>
+            <dgm:presOf/>
+            <dgm:constrLst/>
+            <dgm:ruleLst/>
+            <dgm:forEach name="rep2a" axis="ch" ptType="nonAsst">
+              <dgm:forEach name="Name32" axis="precedSib" ptType="parTrans" st="-1" cnt="1">
+                <dgm:choose name="Name33">
+                  <dgm:if name="Name34" func="var" arg="hierBranch" op="equ" val="std">
+                    <dgm:layoutNode name="Name35">
+                      <dgm:alg type="conn">
+                        <dgm:param type="connRout" val="bend"/>
+                        <dgm:param type="dim" val="1D"/>
+                        <dgm:param type="endSty" val="noArr"/>
+                        <dgm:param type="begPts" val="bCtr"/>
+                        <dgm:param type="endPts" val="tCtr"/>
+                        <dgm:param type="bendPt" val="end"/>
+                      </dgm:alg>
+                      <dgm:shape xmlns:r="http://schemas.openxmlformats.org/officeDocument/2006/relationships" type="conn" r:blip="" zOrderOff="-99999">
+                        <dgm:adjLst/>
+                      </dgm:shape>
+                      <dgm:presOf axis="self"/>
+                      <dgm:constrLst>
+                        <dgm:constr type="begPad"/>
+                        <dgm:constr type="endPad"/>
+                      </dgm:constrLst>
+                      <dgm:ruleLst/>
+                    </dgm:layoutNode>
+                  </dgm:if>
+                  <dgm:if name="Name36" func="var" arg="hierBranch" op="equ" val="init">
+                    <dgm:layoutNode name="Name37">
+                      <dgm:choose name="Name38">
+                        <dgm:if name="Name39" axis="self" func="depth" op="lte" val="2">
+                          <dgm:alg type="conn">
+                            <dgm:param type="connRout" val="bend"/>
+                            <dgm:param type="dim" val="1D"/>
+                            <dgm:param type="endSty" val="noArr"/>
+                            <dgm:param type="begPts" val="bCtr"/>
+                            <dgm:param type="endPts" val="tCtr"/>
+                            <dgm:param type="bendPt" val="end"/>
+                          </dgm:alg>
+                        </dgm:if>
+                        <dgm:else name="Name40">
+                          <dgm:choose name="Name41">
+                            <dgm:if name="Name42" axis="par des" func="maxDepth" op="lte" val="1">
+                              <dgm:choose name="Name43">
+                                <dgm:if name="Name44" axis="par ch" ptType="node asst" func="cnt" op="gte" val="1">
+                                  <dgm:alg type="conn">
+                                    <dgm:param type="connRout" val="bend"/>
+                                    <dgm:param type="dim" val="1D"/>
+                                    <dgm:param type="endSty" val="noArr"/>
+                                    <dgm:param type="begPts" val="bCtr"/>
+                                    <dgm:param type="endPts" val="midL midR"/>
+                                  </dgm:alg>
+                                </dgm:if>
+                                <dgm:else name="Name45">
+                                  <dgm:alg type="conn">
+                                    <dgm:param type="connRout" val="bend"/>
+                                    <dgm:param type="dim" val="1D"/>
+                                    <dgm:param type="endSty" val="noArr"/>
+                                    <dgm:param type="begPts" val="bCtr"/>
+                                    <dgm:param type="endPts" val="midL midR"/>
+                                    <dgm:param type="srcNode" val="rootConnector"/>
+                                  </dgm:alg>
+                                </dgm:else>
+                              </dgm:choose>
+                            </dgm:if>
+                            <dgm:else name="Name46">
+                              <dgm:alg type="conn">
+                                <dgm:param type="connRout" val="bend"/>
+                                <dgm:param type="dim" val="1D"/>
+                                <dgm:param type="endSty" val="noArr"/>
+                                <dgm:param type="begPts" val="bCtr"/>
+                                <dgm:param type="endPts" val="tCtr"/>
+                                <dgm:param type="bendPt" val="end"/>
+                              </dgm:alg>
+                            </dgm:else>
+                          </dgm:choose>
+                        </dgm:else>
+                      </dgm:choose>
+                      <dgm:shape xmlns:r="http://schemas.openxmlformats.org/officeDocument/2006/relationships" type="conn" r:blip="" zOrderOff="-99999">
+                        <dgm:adjLst/>
+                      </dgm:shape>
+                      <dgm:presOf axis="self"/>
+                      <dgm:constrLst>
+                        <dgm:constr type="begPad"/>
+                        <dgm:constr type="endPad"/>
+                      </dgm:constrLst>
+                      <dgm:ruleLst/>
+                    </dgm:layoutNode>
+                  </dgm:if>
+                  <dgm:if name="Name47" func="var" arg="hierBranch" op="equ" val="hang">
+                    <dgm:layoutNode name="Name48">
+                      <dgm:alg type="conn">
+                        <dgm:param type="connRout" val="bend"/>
+                        <dgm:param type="dim" val="1D"/>
+                        <dgm:param type="endSty" val="noArr"/>
+                        <dgm:param type="begPts" val="bCtr"/>
+                        <dgm:param type="endPts" val="midL midR"/>
+                      </dgm:alg>
+                      <dgm:shape xmlns:r="http://schemas.openxmlformats.org/officeDocument/2006/relationships" type="conn" r:blip="" zOrderOff="-99999">
+                        <dgm:adjLst/>
+                      </dgm:shape>
+                      <dgm:presOf axis="self"/>
+                      <dgm:constrLst>
+                        <dgm:constr type="begPad"/>
+                        <dgm:constr type="endPad"/>
+                      </dgm:constrLst>
+                      <dgm:ruleLst/>
+                    </dgm:layoutNode>
+                  </dgm:if>
+                  <dgm:else name="Name49">
+                    <dgm:layoutNode name="Name50">
+                      <dgm:choose name="Name51">
+                        <dgm:if name="Name52" axis="self" func="depth" op="lte" val="2">
+                          <dgm:choose name="Name53">
+                            <dgm:if name="Name54" axis="par ch" ptType="node asst" func="cnt" op="gte" val="1">
+                              <dgm:alg type="conn">
+                                <dgm:param type="connRout" val="bend"/>
+                                <dgm:param type="dim" val="1D"/>
+                                <dgm:param type="endSty" val="noArr"/>
+                                <dgm:param type="begPts" val="bCtr"/>
+                                <dgm:param type="endPts" val="midL midR"/>
+                              </dgm:alg>
+                            </dgm:if>
+                            <dgm:else name="Name55">
+                              <dgm:alg type="conn">
+                                <dgm:param type="connRout" val="bend"/>
+                                <dgm:param type="dim" val="1D"/>
+                                <dgm:param type="endSty" val="noArr"/>
+                                <dgm:param type="begPts" val="bCtr"/>
+                                <dgm:param type="endPts" val="midL midR"/>
+                                <dgm:param type="srcNode" val="rootConnector1"/>
+                              </dgm:alg>
+                            </dgm:else>
+                          </dgm:choose>
+                        </dgm:if>
+                        <dgm:else name="Name56">
+                          <dgm:choose name="Name57">
+                            <dgm:if name="Name58" axis="par ch" ptType="node asst" func="cnt" op="gte" val="1">
+                              <dgm:alg type="conn">
+                                <dgm:param type="connRout" val="bend"/>
+                                <dgm:param type="dim" val="1D"/>
+                                <dgm:param type="endSty" val="noArr"/>
+                                <dgm:param type="begPts" val="bCtr"/>
+                                <dgm:param type="endPts" val="midL midR"/>
+                              </dgm:alg>
+                            </dgm:if>
+                            <dgm:else name="Name59">
+                              <dgm:alg type="conn">
+                                <dgm:param type="connRout" val="bend"/>
+                                <dgm:param type="dim" val="1D"/>
+                                <dgm:param type="endSty" val="noArr"/>
+                                <dgm:param type="begPts" val="bCtr"/>
+                                <dgm:param type="endPts" val="midL midR"/>
+                                <dgm:param type="srcNode" val="rootConnector"/>
+                              </dgm:alg>
+                            </dgm:else>
+                          </dgm:choose>
+                        </dgm:else>
+                      </dgm:choose>
+                      <dgm:shape xmlns:r="http://schemas.openxmlformats.org/officeDocument/2006/relationships" type="conn" r:blip="" zOrderOff="-99999">
+                        <dgm:adjLst/>
+                      </dgm:shape>
+                      <dgm:presOf axis="self"/>
+                      <dgm:constrLst>
+                        <dgm:constr type="begPad"/>
+                        <dgm:constr type="endPad"/>
+                      </dgm:constrLst>
+                      <dgm:ruleLst/>
+                    </dgm:layoutNode>
+                  </dgm:else>
+                </dgm:choose>
+              </dgm:forEach>
+              <dgm:layoutNode name="hierRoot2">
+                <dgm:varLst>
+                  <dgm:hierBranch val="init"/>
+                </dgm:varLst>
+                <dgm:choose name="Name60">
+                  <dgm:if name="Name61" func="var" arg="hierBranch" op="equ" val="l">
+                    <dgm:choose name="Name62">
+                      <dgm:if name="Name63" axis="ch" ptType="asst" func="cnt" op="gte" val="1">
+                        <dgm:alg type="hierRoot">
+                          <dgm:param type="hierAlign" val="tR"/>
+                        </dgm:alg>
+                        <dgm:shape xmlns:r="http://schemas.openxmlformats.org/officeDocument/2006/relationships" r:blip="">
+                          <dgm:adjLst/>
+                        </dgm:shape>
+                        <dgm:presOf/>
+                        <dgm:constrLst>
+                          <dgm:constr type="alignOff" val="0.65"/>
+                        </dgm:constrLst>
+                      </dgm:if>
+                      <dgm:else name="Name64">
+                        <dgm:alg type="hierRoot">
+                          <dgm:param type="hierAlign" val="tR"/>
+                        </dgm:alg>
+                        <dgm:shape xmlns:r="http://schemas.openxmlformats.org/officeDocument/2006/relationships" r:blip="">
+                          <dgm:adjLst/>
+                        </dgm:shape>
+                        <dgm:presOf/>
+                        <dgm:constrLst>
+                          <dgm:constr type="alignOff" val="0.25"/>
+                        </dgm:constrLst>
+                      </dgm:else>
+                    </dgm:choose>
+                  </dgm:if>
+                  <dgm:if name="Name65" func="var" arg="hierBranch" op="equ" val="r">
+                    <dgm:choose name="Name66">
+                      <dgm:if name="Name67" axis="ch" ptType="asst" func="cnt" op="gte" val="1">
+                        <dgm:alg type="hierRoot">
+                          <dgm:param type="hierAlign" val="tL"/>
+                        </dgm:alg>
+                        <dgm:shape xmlns:r="http://schemas.openxmlformats.org/officeDocument/2006/relationships" r:blip="">
+                          <dgm:adjLst/>
+                        </dgm:shape>
+                        <dgm:presOf/>
+                        <dgm:constrLst>
+                          <dgm:constr type="alignOff" val="0.65"/>
+                        </dgm:constrLst>
+                      </dgm:if>
+                      <dgm:else name="Name68">
+                        <dgm:alg type="hierRoot">
+                          <dgm:param type="hierAlign" val="tL"/>
+                        </dgm:alg>
+                        <dgm:shape xmlns:r="http://schemas.openxmlformats.org/officeDocument/2006/relationships" r:blip="">
+                          <dgm:adjLst/>
+                        </dgm:shape>
+                        <dgm:presOf/>
+                        <dgm:constrLst>
+                          <dgm:constr type="alignOff" val="0.25"/>
+                        </dgm:constrLst>
+                      </dgm:else>
+                    </dgm:choose>
+                  </dgm:if>
+                  <dgm:if name="Name69" func="var" arg="hierBranch" op="equ" val="std">
+                    <dgm:alg type="hierRoot"/>
+                    <dgm:shape xmlns:r="http://schemas.openxmlformats.org/officeDocument/2006/relationships" r:blip="">
+                      <dgm:adjLst/>
+                    </dgm:shape>
+                    <dgm:presOf/>
+                    <dgm:constrLst>
+                      <dgm:constr type="alignOff"/>
+                      <dgm:constr type="bendDist" for="des" ptType="parTrans" refType="sp" fact="0.5"/>
+                    </dgm:constrLst>
+                  </dgm:if>
+                  <dgm:if name="Name70" func="var" arg="hierBranch" op="equ" val="init">
+                    <dgm:choose name="Name71">
+                      <dgm:if name="Name72" axis="des" func="maxDepth" op="lte" val="1">
+                        <dgm:choose name="Name73">
+                          <dgm:if name="Name74" axis="ch" ptType="asst" func="cnt" op="gte" val="1">
+                            <dgm:alg type="hierRoot">
+                              <dgm:param type="hierAlign" val="tL"/>
+                            </dgm:alg>
+                            <dgm:shape xmlns:r="http://schemas.openxmlformats.org/officeDocument/2006/relationships" r:blip="">
+                              <dgm:adjLst/>
+                            </dgm:shape>
+                            <dgm:presOf/>
+                            <dgm:constrLst>
+                              <dgm:constr type="alignOff" val="0.65"/>
+                            </dgm:constrLst>
+                          </dgm:if>
+                          <dgm:else name="Name75">
+                            <dgm:alg type="hierRoot">
+                              <dgm:param type="hierAlign" val="tL"/>
+                            </dgm:alg>
+                            <dgm:shape xmlns:r="http://schemas.openxmlformats.org/officeDocument/2006/relationships" r:blip="">
+                              <dgm:adjLst/>
+                            </dgm:shape>
+                            <dgm:presOf/>
+                            <dgm:constrLst>
+                              <dgm:constr type="alignOff" val="0.25"/>
+                            </dgm:constrLst>
+                          </dgm:else>
+                        </dgm:choose>
+                      </dgm:if>
+                      <dgm:else name="Name76">
+                        <dgm:alg type="hierRoot"/>
+                        <dgm:shape xmlns:r="http://schemas.openxmlformats.org/officeDocument/2006/relationships" r:blip="">
+                          <dgm:adjLst/>
+                        </dgm:shape>
+                        <dgm:presOf/>
+                        <dgm:constrLst>
+                          <dgm:constr type="alignOff"/>
+                          <dgm:constr type="bendDist" for="des" ptType="parTrans" refType="sp" fact="0.5"/>
+                        </dgm:constrLst>
+                      </dgm:else>
+                    </dgm:choose>
+                  </dgm:if>
+                  <dgm:else name="Name77">
+                    <dgm:alg type="hierRoot"/>
+                    <dgm:shape xmlns:r="http://schemas.openxmlformats.org/officeDocument/2006/relationships" r:blip="">
+                      <dgm:adjLst/>
+                    </dgm:shape>
+                    <dgm:presOf/>
+                    <dgm:constrLst>
+                      <dgm:constr type="alignOff" val="0.65"/>
+                    </dgm:constrLst>
+                  </dgm:else>
+                </dgm:choose>
+                <dgm:ruleLst/>
+                <dgm:layoutNode name="rootComposite">
+                  <dgm:alg type="composite"/>
+                  <dgm:shape xmlns:r="http://schemas.openxmlformats.org/officeDocument/2006/relationships" r:blip="">
+                    <dgm:adjLst/>
+                  </dgm:shape>
+                  <dgm:presOf axis="self" ptType="node" cnt="1"/>
+                  <dgm:choose name="Name78">
+                    <dgm:if name="Name79" func="var" arg="hierBranch" op="equ" val="init">
+                      <dgm:constrLst>
+                        <dgm:constr type="l" for="ch" forName="rootText"/>
+                        <dgm:constr type="t" for="ch" forName="rootText"/>
+                        <dgm:constr type="w" for="ch" forName="rootText" refType="w"/>
+                        <dgm:constr type="h" for="ch" forName="rootText" refType="h"/>
+                        <dgm:constr type="l" for="ch" forName="rootConnector"/>
+                        <dgm:constr type="t" for="ch" forName="rootConnector"/>
+                        <dgm:constr type="w" for="ch" forName="rootConnector" refType="w" refFor="ch" refForName="rootText" fact="0.2"/>
+                        <dgm:constr type="h" for="ch" forName="rootConnector" refType="h" refFor="ch" refForName="rootText"/>
+                      </dgm:constrLst>
+                    </dgm:if>
+                    <dgm:if name="Name80" func="var" arg="hierBranch" op="equ" val="l">
+                      <dgm:constrLst>
+                        <dgm:constr type="l" for="ch" forName="rootText"/>
+                        <dgm:constr type="t" for="ch" forName="rootText"/>
+                        <dgm:constr type="w" for="ch" forName="rootText" refType="w"/>
+                        <dgm:constr type="h" for="ch" forName="rootText" refType="h"/>
+                        <dgm:constr type="r" for="ch" forName="rootConnector" refType="w"/>
+                        <dgm:constr type="t" for="ch" forName="rootConnector"/>
+                        <dgm:constr type="w" for="ch" forName="rootConnector" refType="w" refFor="ch" refForName="rootText" fact="0.2"/>
+                        <dgm:constr type="h" for="ch" forName="rootConnector" refType="h" refFor="ch" refForName="rootText"/>
+                      </dgm:constrLst>
+                    </dgm:if>
+                    <dgm:if name="Name81" func="var" arg="hierBranch" op="equ" val="r">
+                      <dgm:constrLst>
+                        <dgm:constr type="l" for="ch" forName="rootText"/>
+                        <dgm:constr type="t" for="ch" forName="rootText"/>
+                        <dgm:constr type="w" for="ch" forName="rootText" refType="w"/>
+                        <dgm:constr type="h" for="ch" forName="rootText" refType="h"/>
+                        <dgm:constr type="l" for="ch" forName="rootConnector"/>
+                        <dgm:constr type="t" for="ch" forName="rootConnector"/>
+                        <dgm:constr type="w" for="ch" forName="rootConnector" refType="w" refFor="ch" refForName="rootText" fact="0.2"/>
+                        <dgm:constr type="h" for="ch" forName="rootConnector" refType="h" refFor="ch" refForName="rootText"/>
+                      </dgm:constrLst>
+                    </dgm:if>
+                    <dgm:else name="Name82">
+                      <dgm:constrLst>
+                        <dgm:constr type="l" for="ch" forName="rootText"/>
+                        <dgm:constr type="t" for="ch" forName="rootText"/>
+                        <dgm:constr type="w" for="ch" forName="rootText" refType="w"/>
+                        <dgm:constr type="h" for="ch" forName="rootText" refType="h"/>
+                        <dgm:constr type="r" for="ch" forName="rootConnector" refType="w"/>
+                        <dgm:constr type="t" for="ch" forName="rootConnector"/>
+                        <dgm:constr type="w" for="ch" forName="rootConnector" refType="w" refFor="ch" refForName="rootText" fact="0.2"/>
+                        <dgm:constr type="h" for="ch" forName="rootConnector" refType="h" refFor="ch" refForName="rootText"/>
+                      </dgm:constrLst>
+                    </dgm:else>
+                  </dgm:choose>
+                  <dgm:ruleLst/>
+                  <dgm:layoutNode name="rootText">
+                    <dgm:varLst>
+                      <dgm:chPref val="3"/>
+                    </dgm:varLst>
+                    <dgm:alg type="tx"/>
+                    <dgm:shape xmlns:r="http://schemas.openxmlformats.org/officeDocument/2006/relationships" type="rect" r:blip="">
+                      <dgm:adjLst/>
+                    </dgm:shape>
+                    <dgm:presOf axis="self" ptType="node" cnt="1"/>
+                    <dgm:constrLst>
+                      <dgm:constr type="primFontSz" val="65"/>
+                      <dgm:constr type="lMarg" refType="primFontSz" fact="0.05"/>
+                      <dgm:constr type="rMarg" refType="primFontSz" fact="0.05"/>
+                      <dgm:constr type="tMarg" refType="primFontSz" fact="0.05"/>
+                      <dgm:constr type="bMarg" refType="primFontSz" fact="0.05"/>
+                    </dgm:constrLst>
+                    <dgm:ruleLst>
+                      <dgm:rule type="primFontSz" val="5" fact="NaN" max="NaN"/>
+                    </dgm:ruleLst>
+                  </dgm:layoutNode>
+                  <dgm:layoutNode name="rootConnector" moveWith="rootText">
+                    <dgm:alg type="sp"/>
+                    <dgm:shape xmlns:r="http://schemas.openxmlformats.org/officeDocument/2006/relationships" type="rect" r:blip="" hideGeom="1">
+                      <dgm:adjLst/>
+                    </dgm:shape>
+                    <dgm:presOf axis="self" ptType="node" cnt="1"/>
+                    <dgm:constrLst/>
+                    <dgm:ruleLst/>
+                  </dgm:layoutNode>
+                </dgm:layoutNode>
+                <dgm:layoutNode name="hierChild4">
+                  <dgm:choose name="Name83">
+                    <dgm:if name="Name84" func="var" arg="hierBranch" op="equ" val="l">
+                      <dgm:alg type="hierChild">
+                        <dgm:param type="chAlign" val="r"/>
+                        <dgm:param type="linDir" val="fromT"/>
+                      </dgm:alg>
+                    </dgm:if>
+                    <dgm:if name="Name85" func="var" arg="hierBranch" op="equ" val="r">
+                      <dgm:alg type="hierChild">
+                        <dgm:param type="chAlign" val="l"/>
+                        <dgm:param type="linDir" val="fromT"/>
+                      </dgm:alg>
+                    </dgm:if>
+                    <dgm:if name="Name86" func="var" arg="hierBranch" op="equ" val="hang">
+                      <dgm:choose name="Name87">
+                        <dgm:if name="Name88" func="var" arg="dir" op="equ" val="norm">
+                          <dgm:alg type="hierChild">
+                            <dgm:param type="chAlign" val="l"/>
+                            <dgm:param type="linDir" val="fromL"/>
+                            <dgm:param type="secChAlign" val="t"/>
+                            <dgm:param type="secLinDir" val="fromT"/>
+                          </dgm:alg>
+                        </dgm:if>
+                        <dgm:else name="Name89">
+                          <dgm:alg type="hierChild">
+                            <dgm:param type="chAlign" val="l"/>
+                            <dgm:param type="linDir" val="fromR"/>
+                            <dgm:param type="secChAlign" val="t"/>
+                            <dgm:param type="secLinDir" val="fromT"/>
+                          </dgm:alg>
+                        </dgm:else>
+                      </dgm:choose>
+                    </dgm:if>
+                    <dgm:if name="Name90" func="var" arg="hierBranch" op="equ" val="std">
+                      <dgm:choose name="Name91">
+                        <dgm:if name="Name92" func="var" arg="dir" op="equ" val="norm">
+                          <dgm:alg type="hierChild"/>
+                        </dgm:if>
+                        <dgm:else name="Name93">
+                          <dgm:alg type="hierChild">
+                            <dgm:param type="linDir" val="fromR"/>
+                          </dgm:alg>
+                        </dgm:else>
+                      </dgm:choose>
+                    </dgm:if>
+                    <dgm:if name="Name94" func="var" arg="hierBranch" op="equ" val="init">
+                      <dgm:choose name="Name95">
+                        <dgm:if name="Name96" axis="des" func="maxDepth" op="lte" val="1">
+                          <dgm:alg type="hierChild">
+                            <dgm:param type="chAlign" val="l"/>
+                            <dgm:param type="linDir" val="fromT"/>
+                          </dgm:alg>
+                        </dgm:if>
+                        <dgm:else name="Name97">
+                          <dgm:choose name="Name98">
+                            <dgm:if name="Name99" func="var" arg="dir" op="equ" val="norm">
+                              <dgm:alg type="hierChild"/>
+                            </dgm:if>
+                            <dgm:else name="Name100">
+                              <dgm:alg type="hierChild">
+                                <dgm:param type="linDir" val="fromR"/>
+                              </dgm:alg>
+                            </dgm:else>
+                          </dgm:choose>
+                        </dgm:else>
+                      </dgm:choose>
+                    </dgm:if>
+                    <dgm:else name="Name101"/>
+                  </dgm:choose>
+                  <dgm:shape xmlns:r="http://schemas.openxmlformats.org/officeDocument/2006/relationships" r:blip="">
+                    <dgm:adjLst/>
+                  </dgm:shape>
+                  <dgm:presOf/>
+                  <dgm:constrLst/>
+                  <dgm:ruleLst/>
+                  <dgm:forEach name="Name102" ref="rep2a"/>
+                </dgm:layoutNode>
+                <dgm:layoutNode name="hierChild5">
+                  <dgm:choose name="Name103">
+                    <dgm:if name="Name104" func="var" arg="dir" op="equ" val="norm">
+                      <dgm:alg type="hierChild">
+                        <dgm:param type="chAlign" val="l"/>
+                        <dgm:param type="linDir" val="fromL"/>
+                        <dgm:param type="secChAlign" val="t"/>
+                        <dgm:param type="secLinDir" val="fromT"/>
+                      </dgm:alg>
+                    </dgm:if>
+                    <dgm:else name="Name105">
+                      <dgm:alg type="hierChild">
+                        <dgm:param type="chAlign" val="l"/>
+                        <dgm:param type="linDir" val="fromR"/>
+                        <dgm:param type="secChAlign" val="t"/>
+                        <dgm:param type="secLinDir" val="fromT"/>
+                      </dgm:alg>
+                    </dgm:else>
+                  </dgm:choose>
+                  <dgm:shape xmlns:r="http://schemas.openxmlformats.org/officeDocument/2006/relationships" r:blip="">
+                    <dgm:adjLst/>
+                  </dgm:shape>
+                  <dgm:presOf/>
+                  <dgm:constrLst/>
+                  <dgm:ruleLst/>
+                  <dgm:forEach name="Name106" ref="rep2b"/>
+                </dgm:layoutNode>
+              </dgm:layoutNode>
+            </dgm:forEach>
+          </dgm:layoutNode>
+          <dgm:layoutNode name="hierChild3">
+            <dgm:choose name="Name107">
+              <dgm:if name="Name108" func="var" arg="dir" op="equ" val="norm">
+                <dgm:alg type="hierChild">
+                  <dgm:param type="chAlign" val="l"/>
+                  <dgm:param type="linDir" val="fromL"/>
+                  <dgm:param type="secChAlign" val="t"/>
+                  <dgm:param type="secLinDir" val="fromT"/>
+                </dgm:alg>
+              </dgm:if>
+              <dgm:else name="Name109">
+                <dgm:alg type="hierChild">
+                  <dgm:param type="chAlign" val="l"/>
+                  <dgm:param type="linDir" val="fromR"/>
+                  <dgm:param type="secChAlign" val="t"/>
+                  <dgm:param type="secLinDir" val="fromT"/>
+                </dgm:alg>
+              </dgm:else>
+            </dgm:choose>
+            <dgm:shape xmlns:r="http://schemas.openxmlformats.org/officeDocument/2006/relationships" r:blip="">
+              <dgm:adjLst/>
+            </dgm:shape>
+            <dgm:presOf/>
+            <dgm:constrLst/>
+            <dgm:ruleLst/>
+            <dgm:forEach name="rep2b" axis="ch" ptType="asst">
+              <dgm:forEach name="Name110" axis="precedSib" ptType="parTrans" st="-1" cnt="1">
+                <dgm:layoutNode name="Name111">
+                  <dgm:alg type="conn">
+                    <dgm:param type="connRout" val="bend"/>
+                    <dgm:param type="dim" val="1D"/>
+                    <dgm:param type="endSty" val="noArr"/>
+                    <dgm:param type="begPts" val="bCtr"/>
+                    <dgm:param type="endPts" val="midL midR"/>
+                  </dgm:alg>
+                  <dgm:shape xmlns:r="http://schemas.openxmlformats.org/officeDocument/2006/relationships" type="conn" r:blip="" zOrderOff="-99999">
+                    <dgm:adjLst/>
+                  </dgm:shape>
+                  <dgm:presOf axis="self"/>
+                  <dgm:constrLst>
+                    <dgm:constr type="begPad"/>
+                    <dgm:constr type="endPad"/>
+                  </dgm:constrLst>
+                  <dgm:ruleLst/>
+                </dgm:layoutNode>
+              </dgm:forEach>
+              <dgm:layoutNode name="hierRoot3">
+                <dgm:varLst>
+                  <dgm:hierBranch val="init"/>
+                </dgm:varLst>
+                <dgm:choose name="Name112">
+                  <dgm:if name="Name113" func="var" arg="hierBranch" op="equ" val="l">
+                    <dgm:alg type="hierRoot">
+                      <dgm:param type="hierAlign" val="tR"/>
+                    </dgm:alg>
+                    <dgm:shape xmlns:r="http://schemas.openxmlformats.org/officeDocument/2006/relationships" r:blip="">
+                      <dgm:adjLst/>
+                    </dgm:shape>
+                    <dgm:presOf/>
+                    <dgm:constrLst>
+                      <dgm:constr type="alignOff" val="0.65"/>
+                    </dgm:constrLst>
+                  </dgm:if>
+                  <dgm:if name="Name114" func="var" arg="hierBranch" op="equ" val="r">
+                    <dgm:alg type="hierRoot">
+                      <dgm:param type="hierAlign" val="tL"/>
+                    </dgm:alg>
+                    <dgm:shape xmlns:r="http://schemas.openxmlformats.org/officeDocument/2006/relationships" r:blip="">
+                      <dgm:adjLst/>
+                    </dgm:shape>
+                    <dgm:presOf/>
+                    <dgm:constrLst>
+                      <dgm:constr type="alignOff" val="0.65"/>
+                    </dgm:constrLst>
+                  </dgm:if>
+                  <dgm:if name="Name115" func="var" arg="hierBranch" op="equ" val="hang">
+                    <dgm:alg type="hierRoot"/>
+                    <dgm:shape xmlns:r="http://schemas.openxmlformats.org/officeDocument/2006/relationships" r:blip="">
+                      <dgm:adjLst/>
+                    </dgm:shape>
+                    <dgm:presOf/>
+                    <dgm:constrLst>
+                      <dgm:constr type="alignOff" val="0.65"/>
+                    </dgm:constrLst>
+                  </dgm:if>
+                  <dgm:if name="Name116" func="var" arg="hierBranch" op="equ" val="std">
+                    <dgm:alg type="hierRoot"/>
+                    <dgm:shape xmlns:r="http://schemas.openxmlformats.org/officeDocument/2006/relationships" r:blip="">
+                      <dgm:adjLst/>
+                    </dgm:shape>
+                    <dgm:presOf/>
+                    <dgm:constrLst>
+                      <dgm:constr type="alignOff"/>
+                      <dgm:constr type="bendDist" for="des" ptType="parTrans" refType="sp" fact="0.5"/>
+                    </dgm:constrLst>
+                  </dgm:if>
+                  <dgm:if name="Name117" func="var" arg="hierBranch" op="equ" val="init">
+                    <dgm:choose name="Name118">
+                      <dgm:if name="Name119" axis="des" func="maxDepth" op="lte" val="1">
+                        <dgm:alg type="hierRoot">
+                          <dgm:param type="hierAlign" val="tL"/>
+                        </dgm:alg>
+                        <dgm:shape xmlns:r="http://schemas.openxmlformats.org/officeDocument/2006/relationships" r:blip="">
+                          <dgm:adjLst/>
+                        </dgm:shape>
+                        <dgm:presOf/>
+                        <dgm:constrLst>
+                          <dgm:constr type="alignOff" val="0.65"/>
+                        </dgm:constrLst>
+                      </dgm:if>
+                      <dgm:else name="Name120">
+                        <dgm:alg type="hierRoot"/>
+                        <dgm:shape xmlns:r="http://schemas.openxmlformats.org/officeDocument/2006/relationships" r:blip="">
+                          <dgm:adjLst/>
+                        </dgm:shape>
+                        <dgm:presOf/>
+                        <dgm:constrLst>
+                          <dgm:constr type="alignOff"/>
+                          <dgm:constr type="bendDist" for="des" ptType="parTrans" refType="sp" fact="0.5"/>
+                        </dgm:constrLst>
+                      </dgm:else>
+                    </dgm:choose>
+                  </dgm:if>
+                  <dgm:else name="Name121"/>
+                </dgm:choose>
+                <dgm:ruleLst/>
+                <dgm:layoutNode name="rootComposite3">
+                  <dgm:alg type="composite"/>
+                  <dgm:shape xmlns:r="http://schemas.openxmlformats.org/officeDocument/2006/relationships" r:blip="">
+                    <dgm:adjLst/>
+                  </dgm:shape>
+                  <dgm:presOf axis="self" ptType="node" cnt="1"/>
+                  <dgm:choose name="Name122">
+                    <dgm:if name="Name123" func="var" arg="hierBranch" op="equ" val="init">
+                      <dgm:constrLst>
+                        <dgm:constr type="l" for="ch" forName="rootText3"/>
+                        <dgm:constr type="t" for="ch" forName="rootText3"/>
+                        <dgm:constr type="w" for="ch" forName="rootText3" refType="w"/>
+                        <dgm:constr type="h" for="ch" forName="rootText3" refType="h"/>
+                        <dgm:constr type="l" for="ch" forName="rootConnector3"/>
+                        <dgm:constr type="t" for="ch" forName="rootConnector3"/>
+                        <dgm:constr type="w" for="ch" forName="rootConnector3" refType="w" refFor="ch" refForName="rootText3" fact="0.2"/>
+                        <dgm:constr type="h" for="ch" forName="rootConnector3" refType="h" refFor="ch" refForName="rootText3"/>
+                      </dgm:constrLst>
+                    </dgm:if>
+                    <dgm:if name="Name124" func="var" arg="hierBranch" op="equ" val="l">
+                      <dgm:constrLst>
+                        <dgm:constr type="l" for="ch" forName="rootText3"/>
+                        <dgm:constr type="t" for="ch" forName="rootText3"/>
+                        <dgm:constr type="w" for="ch" forName="rootText3" refType="w"/>
+                        <dgm:constr type="h" for="ch" forName="rootText3" refType="h"/>
+                        <dgm:constr type="r" for="ch" forName="rootConnector3" refType="w"/>
+                        <dgm:constr type="t" for="ch" forName="rootConnector3"/>
+                        <dgm:constr type="w" for="ch" forName="rootConnector3" refType="w" refFor="ch" refForName="rootText3" fact="0.2"/>
+                        <dgm:constr type="h" for="ch" forName="rootConnector3" refType="h" refFor="ch" refForName="rootText3"/>
+                      </dgm:constrLst>
+                    </dgm:if>
+                    <dgm:if name="Name125" func="var" arg="hierBranch" op="equ" val="r">
+                      <dgm:constrLst>
+                        <dgm:constr type="l" for="ch" forName="rootText3"/>
+                        <dgm:constr type="t" for="ch" forName="rootText3"/>
+                        <dgm:constr type="w" for="ch" forName="rootText3" refType="w"/>
+                        <dgm:constr type="h" for="ch" forName="rootText3" refType="h"/>
+                        <dgm:constr type="l" for="ch" forName="rootConnector3"/>
+                        <dgm:constr type="t" for="ch" forName="rootConnector3"/>
+                        <dgm:constr type="w" for="ch" forName="rootConnector3" refType="w" refFor="ch" refForName="rootText3" fact="0.2"/>
+                        <dgm:constr type="h" for="ch" forName="rootConnector3" refType="h" refFor="ch" refForName="rootText3"/>
+                      </dgm:constrLst>
+                    </dgm:if>
+                    <dgm:else name="Name126">
+                      <dgm:constrLst>
+                        <dgm:constr type="l" for="ch" forName="rootText3"/>
+                        <dgm:constr type="t" for="ch" forName="rootText3"/>
+                        <dgm:constr type="w" for="ch" forName="rootText3" refType="w"/>
+                        <dgm:constr type="h" for="ch" forName="rootText3" refType="h"/>
+                        <dgm:constr type="r" for="ch" forName="rootConnector3" refType="w"/>
+                        <dgm:constr type="t" for="ch" forName="rootConnector3"/>
+                        <dgm:constr type="w" for="ch" forName="rootConnector3" refType="w" refFor="ch" refForName="rootText3" fact="0.2"/>
+                        <dgm:constr type="h" for="ch" forName="rootConnector3" refType="h" refFor="ch" refForName="rootText3"/>
+                      </dgm:constrLst>
+                    </dgm:else>
+                  </dgm:choose>
+                  <dgm:ruleLst/>
+                  <dgm:layoutNode name="rootText3">
+                    <dgm:varLst>
+                      <dgm:chPref val="3"/>
+                    </dgm:varLst>
+                    <dgm:alg type="tx"/>
+                    <dgm:shape xmlns:r="http://schemas.openxmlformats.org/officeDocument/2006/relationships" type="rect" r:blip="">
+                      <dgm:adjLst/>
+                    </dgm:shape>
+                    <dgm:presOf axis="self" ptType="node" cnt="1"/>
+                    <dgm:constrLst>
+                      <dgm:constr type="primFontSz" val="65"/>
+                      <dgm:constr type="lMarg" refType="primFontSz" fact="0.05"/>
+                      <dgm:constr type="rMarg" refType="primFontSz" fact="0.05"/>
+                      <dgm:constr type="tMarg" refType="primFontSz" fact="0.05"/>
+                      <dgm:constr type="bMarg" refType="primFontSz" fact="0.05"/>
+                    </dgm:constrLst>
+                    <dgm:ruleLst>
+                      <dgm:rule type="primFontSz" val="5" fact="NaN" max="NaN"/>
+                    </dgm:ruleLst>
+                  </dgm:layoutNode>
+                  <dgm:layoutNode name="rootConnector3" moveWith="rootText1">
+                    <dgm:alg type="sp"/>
+                    <dgm:shape xmlns:r="http://schemas.openxmlformats.org/officeDocument/2006/relationships" type="rect" r:blip="" hideGeom="1">
+                      <dgm:adjLst/>
+                    </dgm:shape>
+                    <dgm:presOf axis="self" ptType="node" cnt="1"/>
+                    <dgm:constrLst/>
+                    <dgm:ruleLst/>
+                  </dgm:layoutNode>
+                </dgm:layoutNode>
+                <dgm:layoutNode name="hierChild6">
+                  <dgm:choose name="Name127">
+                    <dgm:if name="Name128" func="var" arg="hierBranch" op="equ" val="l">
+                      <dgm:alg type="hierChild">
+                        <dgm:param type="chAlign" val="r"/>
+                        <dgm:param type="linDir" val="fromT"/>
+                      </dgm:alg>
+                    </dgm:if>
+                    <dgm:if name="Name129" func="var" arg="hierBranch" op="equ" val="r">
+                      <dgm:alg type="hierChild">
+                        <dgm:param type="chAlign" val="l"/>
+                        <dgm:param type="linDir" val="fromT"/>
+                      </dgm:alg>
+                    </dgm:if>
+                    <dgm:if name="Name130" func="var" arg="hierBranch" op="equ" val="hang">
+                      <dgm:choose name="Name131">
+                        <dgm:if name="Name132" func="var" arg="dir" op="equ" val="norm">
+                          <dgm:alg type="hierChild">
+                            <dgm:param type="chAlign" val="l"/>
+                            <dgm:param type="linDir" val="fromL"/>
+                            <dgm:param type="secChAlign" val="t"/>
+                            <dgm:param type="secLinDir" val="fromT"/>
+                          </dgm:alg>
+                        </dgm:if>
+                        <dgm:else name="Name133">
+                          <dgm:alg type="hierChild">
+                            <dgm:param type="chAlign" val="l"/>
+                            <dgm:param type="linDir" val="fromR"/>
+                            <dgm:param type="secChAlign" val="t"/>
+                            <dgm:param type="secLinDir" val="fromT"/>
+                          </dgm:alg>
+                        </dgm:else>
+                      </dgm:choose>
+                    </dgm:if>
+                    <dgm:if name="Name134" func="var" arg="hierBranch" op="equ" val="std">
+                      <dgm:choose name="Name135">
+                        <dgm:if name="Name136" func="var" arg="dir" op="equ" val="norm">
+                          <dgm:alg type="hierChild"/>
+                        </dgm:if>
+                        <dgm:else name="Name137">
+                          <dgm:alg type="hierChild">
+                            <dgm:param type="linDir" val="fromR"/>
+                          </dgm:alg>
+                        </dgm:else>
+                      </dgm:choose>
+                    </dgm:if>
+                    <dgm:if name="Name138" func="var" arg="hierBranch" op="equ" val="init">
+                      <dgm:choose name="Name139">
+                        <dgm:if name="Name140" axis="des" func="maxDepth" op="lte" val="1">
+                          <dgm:alg type="hierChild">
+                            <dgm:param type="chAlign" val="l"/>
+                            <dgm:param type="linDir" val="fromT"/>
+                          </dgm:alg>
+                        </dgm:if>
+                        <dgm:else name="Name141">
+                          <dgm:alg type="hierChild"/>
+                        </dgm:else>
+                      </dgm:choose>
+                    </dgm:if>
+                    <dgm:else name="Name142"/>
+                  </dgm:choose>
+                  <dgm:shape xmlns:r="http://schemas.openxmlformats.org/officeDocument/2006/relationships" r:blip="">
+                    <dgm:adjLst/>
+                  </dgm:shape>
+                  <dgm:presOf/>
+                  <dgm:constrLst/>
+                  <dgm:ruleLst/>
+                  <dgm:forEach name="Name143" ref="rep2a"/>
+                </dgm:layoutNode>
+                <dgm:layoutNode name="hierChild7">
+                  <dgm:choose name="Name144">
+                    <dgm:if name="Name145" func="var" arg="dir" op="equ" val="norm">
+                      <dgm:alg type="hierChild">
+                        <dgm:param type="chAlign" val="l"/>
+                        <dgm:param type="linDir" val="fromL"/>
+                        <dgm:param type="secChAlign" val="t"/>
+                        <dgm:param type="secLinDir" val="fromT"/>
+                      </dgm:alg>
+                    </dgm:if>
+                    <dgm:else name="Name146">
+                      <dgm:alg type="hierChild">
+                        <dgm:param type="chAlign" val="l"/>
+                        <dgm:param type="linDir" val="fromR"/>
+                        <dgm:param type="secChAlign" val="t"/>
+                        <dgm:param type="secLinDir" val="fromT"/>
+                      </dgm:alg>
+                    </dgm:else>
+                  </dgm:choose>
+                  <dgm:shape xmlns:r="http://schemas.openxmlformats.org/officeDocument/2006/relationships" r:blip="">
+                    <dgm:adjLst/>
+                  </dgm:shape>
+                  <dgm:presOf/>
+                  <dgm:constrLst/>
+                  <dgm:ruleLst/>
+                  <dgm:forEach name="Name147" ref="rep2b"/>
+                </dgm:layoutNode>
+              </dgm:layoutNode>
+            </dgm:forEach>
+          </dgm:layoutNode>
+        </dgm:layoutNode>
+      </dgm:forEach>
+    </dgm:forEach>
+  </dgm:layoutNode>
+</dgm:layoutDef>
+</file>
+
+<file path=ppt/diagrams/quickStyle1.xml><?xml version="1.0" encoding="utf-8"?>
+<dgm:styleDef xmlns:dgm="http://schemas.openxmlformats.org/drawingml/2006/diagram" xmlns:a="http://schemas.openxmlformats.org/drawingml/2006/main" uniqueId="urn:microsoft.com/office/officeart/2005/8/quickstyle/simple1">
+  <dgm:title val=""/>
+  <dgm:desc val=""/>
+  <dgm:catLst>
+    <dgm:cat type="simple" pri="10100"/>
+  </dgm:catLst>
+  <dgm:scene3d>
+    <a:camera prst="orthographicFront"/>
+    <a:lightRig rig="threePt" dir="t"/>
+  </dgm:scene3d>
+  <dgm:styleLbl name="node0">
+    <dgm:scene3d>
+      <a:camera prst="orthographicFront"/>
+      <a:lightRig rig="threePt" dir="t"/>
+    </dgm:scene3d>
+    <dgm:sp3d/>
+    <dgm:txPr/>
+    <dgm:style>
+      <a:lnRef idx="2">
+        <a:scrgbClr r="0" g="0" b="0"/>
+      </a:lnRef>
+      <a:fillRef idx="1">
+        <a:scrgbClr r="0" g="0" b="0"/>
+      </a:fillRef>
+      <a:effectRef idx="0">
+        <a:scrgbClr r="0" g="0" b="0"/>
+      </a:effectRef>
+      <a:fontRef idx="minor">
+        <a:schemeClr val="lt1"/>
+      </a:fontRef>
+    </dgm:style>
+  </dgm:styleLbl>
+  <dgm:styleLbl name="lnNode1">
+    <dgm:scene3d>
+      <a:camera prst="orthographicFront"/>
+      <a:lightRig rig="threePt" dir="t"/>
+    </dgm:scene3d>
+    <dgm:sp3d/>
+    <dgm:txPr/>
+    <dgm:style>
+      <a:lnRef idx="2">
+        <a:scrgbClr r="0" g="0" b="0"/>
+      </a:lnRef>
+      <a:fillRef idx="1">
+        <a:scrgbClr r="0" g="0" b="0"/>
+      </a:fillRef>
+      <a:effectRef idx="0">
+        <a:scrgbClr r="0" g="0" b="0"/>
+      </a:effectRef>
+      <a:fontRef idx="minor">
+        <a:schemeClr val="lt1"/>
+      </a:fontRef>
+    </dgm:style>
+  </dgm:styleLbl>
+  <dgm:styleLbl name="vennNode1">
+    <dgm:scene3d>
+      <a:camera prst="orthographicFront"/>
+      <a:lightRig rig="threePt" dir="t"/>
+    </dgm:scene3d>
+    <dgm:sp3d/>
+    <dgm:txPr/>
+    <dgm:style>
+      <a:lnRef idx="2">
+        <a:scrgbClr r="0" g="0" b="0"/>
+      </a:lnRef>
+      <a:fillRef idx="1">
+        <a:scrgbClr r="0" g="0" b="0"/>
+      </a:fillRef>
+      <a:effectRef idx="0">
+        <a:scrgbClr r="0" g="0" b="0"/>
+      </a:effectRef>
+      <a:fontRef idx="minor">
+        <a:schemeClr val="tx1"/>
+      </a:fontRef>
+    </dgm:style>
+  </dgm:styleLbl>
+  <dgm:styleLbl name="alignNode1">
+    <dgm:scene3d>
+      <a:camera prst="orthographicFront"/>
+      <a:lightRig rig="threePt" dir="t"/>
+    </dgm:scene3d>
+    <dgm:sp3d/>
+    <dgm:txPr/>
+    <dgm:style>
+      <a:lnRef idx="2">
+        <a:scrgbClr r="0" g="0" b="0"/>
+      </a:lnRef>
+      <a:fillRef idx="1">
+        <a:scrgbClr r="0" g="0" b="0"/>
+      </a:fillRef>
+      <a:effectRef idx="0">
+        <a:scrgbClr r="0" g="0" b="0"/>
+      </a:effectRef>
+      <a:fontRef idx="minor">
+        <a:schemeClr val="lt1"/>
+      </a:fontRef>
+    </dgm:style>
+  </dgm:styleLbl>
+  <dgm:styleLbl name="node1">
+    <dgm:scene3d>
+      <a:camera prst="orthographicFront"/>
+      <a:lightRig rig="threePt" dir="t"/>
+    </dgm:scene3d>
+    <dgm:sp3d/>
+    <dgm:txPr/>
+    <dgm:style>
+      <a:lnRef idx="2">
+        <a:scrgbClr r="0" g="0" b="0"/>
+      </a:lnRef>
+      <a:fillRef idx="1">
+        <a:scrgbClr r="0" g="0" b="0"/>
+      </a:fillRef>
+      <a:effectRef idx="0">
+        <a:scrgbClr r="0" g="0" b="0"/>
+      </a:effectRef>
+      <a:fontRef idx="minor">
+        <a:schemeClr val="lt1"/>
+      </a:fontRef>
+    </dgm:style>
+  </dgm:styleLbl>
+  <dgm:styleLbl name="node2">
+    <dgm:scene3d>
+      <a:camera prst="orthographicFront"/>
+      <a:lightRig rig="threePt" dir="t"/>
+    </dgm:scene3d>
+    <dgm:sp3d/>
+    <dgm:txPr/>
+    <dgm:style>
+      <a:lnRef idx="2">
+        <a:scrgbClr r="0" g="0" b="0"/>
+      </a:lnRef>
+      <a:fillRef idx="1">
+        <a:scrgbClr r="0" g="0" b="0"/>
+      </a:fillRef>
+      <a:effectRef idx="0">
+        <a:scrgbClr r="0" g="0" b="0"/>
+      </a:effectRef>
+      <a:fontRef idx="minor">
+        <a:schemeClr val="lt1"/>
+      </a:fontRef>
+    </dgm:style>
+  </dgm:styleLbl>
+  <dgm:styleLbl name="node3">
+    <dgm:scene3d>
+      <a:camera prst="orthographicFront"/>
+      <a:lightRig rig="threePt" dir="t"/>
+    </dgm:scene3d>
+    <dgm:sp3d/>
+    <dgm:txPr/>
+    <dgm:style>
+      <a:lnRef idx="2">
+        <a:scrgbClr r="0" g="0" b="0"/>
+      </a:lnRef>
+      <a:fillRef idx="1">
+        <a:scrgbClr r="0" g="0" b="0"/>
+      </a:fillRef>
+      <a:effectRef idx="0">
+        <a:scrgbClr r="0" g="0" b="0"/>
+      </a:effectRef>
+      <a:fontRef idx="minor">
+        <a:schemeClr val="lt1"/>
+      </a:fontRef>
+    </dgm:style>
+  </dgm:styleLbl>
+  <dgm:styleLbl name="node4">
+    <dgm:scene3d>
+      <a:camera prst="orthographicFront"/>
+      <a:lightRig rig="threePt" dir="t"/>
+    </dgm:scene3d>
+    <dgm:sp3d/>
+    <dgm:txPr/>
+    <dgm:style>
+      <a:lnRef idx="2">
+        <a:scrgbClr r="0" g="0" b="0"/>
+      </a:lnRef>
+      <a:fillRef idx="1">
+        <a:scrgbClr r="0" g="0" b="0"/>
+      </a:fillRef>
+      <a:effectRef idx="0">
+        <a:scrgbClr r="0" g="0" b="0"/>
+      </a:effectRef>
+      <a:fontRef idx="minor">
+        <a:schemeClr val="lt1"/>
+      </a:fontRef>
+    </dgm:style>
+  </dgm:styleLbl>
+  <dgm:styleLbl name="fgImgPlace1">
+    <dgm:scene3d>
+      <a:camera prst="orthographicFront"/>
+      <a:lightRig rig="threePt" dir="t"/>
+    </dgm:scene3d>
+    <dgm:sp3d/>
+    <dgm:txPr/>
+    <dgm:style>
+      <a:lnRef idx="2">
+        <a:scrgbClr r="0" g="0" b="0"/>
+      </a:lnRef>
+      <a:fillRef idx="1">
+        <a:scrgbClr r="0" g="0" b="0"/>
+      </a:fillRef>
+      <a:effectRef idx="0">
+        <a:scrgbClr r="0" g="0" b="0"/>
+      </a:effectRef>
+      <a:fontRef idx="minor"/>
+    </dgm:style>
+  </dgm:styleLbl>
+  <dgm:styleLbl name="alignImgPlace1">
+    <dgm:scene3d>
+      <a:camera prst="orthographicFront"/>
+      <a:lightRig rig="threePt" dir="t"/>
+    </dgm:scene3d>
+    <dgm:sp3d/>
+    <dgm:txPr/>
+    <dgm:style>
+      <a:lnRef idx="2">
+        <a:scrgbClr r="0" g="0" b="0"/>
+      </a:lnRef>
+      <a:fillRef idx="1">
+        <a:scrgbClr r="0" g="0" b="0"/>
+      </a:fillRef>
+      <a:effectRef idx="0">
+        <a:scrgbClr r="0" g="0" b="0"/>
+      </a:effectRef>
+      <a:fontRef idx="minor"/>
+    </dgm:style>
+  </dgm:styleLbl>
+  <dgm:styleLbl name="bgImgPlace1">
+    <dgm:scene3d>
+      <a:camera prst="orthographicFront"/>
+      <a:lightRig rig="threePt" dir="t"/>
+    </dgm:scene3d>
+    <dgm:sp3d/>
+    <dgm:txPr/>
+    <dgm:style>
+      <a:lnRef idx="2">
+        <a:scrgbClr r="0" g="0" b="0"/>
+      </a:lnRef>
+      <a:fillRef idx="1">
+        <a:scrgbClr r="0" g="0" b="0"/>
+      </a:fillRef>
+      <a:effectRef idx="0">
+        <a:scrgbClr r="0" g="0" b="0"/>
+      </a:effectRef>
+      <a:fontRef idx="minor"/>
+    </dgm:style>
+  </dgm:styleLbl>
+  <dgm:styleLbl name="sibTrans2D1">
+    <dgm:scene3d>
+      <a:camera prst="orthographicFront"/>
+      <a:lightRig rig="threePt" dir="t"/>
+    </dgm:scene3d>
+    <dgm:sp3d/>
+    <dgm:txPr/>
+    <dgm:style>
+      <a:lnRef idx="0">
+        <a:scrgbClr r="0" g="0" b="0"/>
+      </a:lnRef>
+      <a:fillRef idx="1">
+        <a:scrgbClr r="0" g="0" b="0"/>
+      </a:fillRef>
+      <a:effectRef idx="0">
+        <a:scrgbClr r="0" g="0" b="0"/>
+      </a:effectRef>
+      <a:fontRef idx="minor">
+        <a:schemeClr val="lt1"/>
+      </a:fontRef>
+    </dgm:style>
+  </dgm:styleLbl>
+  <dgm:styleLbl name="fgSibTrans2D1">
+    <dgm:scene3d>
+      <a:camera prst="orthographicFront"/>
+      <a:lightRig rig="threePt" dir="t"/>
+    </dgm:scene3d>
+    <dgm:sp3d/>
+    <dgm:txPr/>
+    <dgm:style>
+      <a:lnRef idx="0">
+        <a:scrgbClr r="0" g="0" b="0"/>
+      </a:lnRef>
+      <a:fillRef idx="1">
+        <a:scrgbClr r="0" g="0" b="0"/>
+      </a:fillRef>
+      <a:effectRef idx="0">
+        <a:scrgbClr r="0" g="0" b="0"/>
+      </a:effectRef>
+      <a:fontRef idx="minor">
+        <a:schemeClr val="lt1"/>
+      </a:fontRef>
+    </dgm:style>
+  </dgm:styleLbl>
+  <dgm:styleLbl name="bgSibTrans2D1">
+    <dgm:scene3d>
+      <a:camera prst="orthographicFront"/>
+      <a:lightRig rig="threePt" dir="t"/>
+    </dgm:scene3d>
+    <dgm:sp3d/>
+    <dgm:txPr/>
+    <dgm:style>
+      <a:lnRef idx="0">
+        <a:scrgbClr r="0" g="0" b="0"/>
+      </a:lnRef>
+      <a:fillRef idx="1">
+        <a:scrgbClr r="0" g="0" b="0"/>
+      </a:fillRef>
+      <a:effectRef idx="0">
+        <a:scrgbClr r="0" g="0" b="0"/>
+      </a:effectRef>
+      <a:fontRef idx="minor">
+        <a:schemeClr val="lt1"/>
+      </a:fontRef>
+    </dgm:style>
+  </dgm:styleLbl>
+  <dgm:styleLbl name="sibTrans1D1">
+    <dgm:scene3d>
+      <a:camera prst="orthographicFront"/>
+      <a:lightRig rig="threePt" dir="t"/>
+    </dgm:scene3d>
+    <dgm:sp3d/>
+    <dgm:txPr/>
+    <dgm:style>
+      <a:lnRef idx="1">
+        <a:scrgbClr r="0" g="0" b="0"/>
+      </a:lnRef>
+      <a:fillRef idx="0">
+        <a:scrgbClr r="0" g="0" b="0"/>
+      </a:fillRef>
+      <a:effectRef idx="0">
+        <a:scrgbClr r="0" g="0" b="0"/>
+      </a:effectRef>
+      <a:fontRef idx="minor"/>
+    </dgm:style>
+  </dgm:styleLbl>
+  <dgm:styleLbl name="callout">
+    <dgm:scene3d>
+      <a:camera prst="orthographicFront"/>
+      <a:lightRig rig="threePt" dir="t"/>
+    </dgm:scene3d>
+    <dgm:sp3d/>
+    <dgm:txPr/>
+    <dgm:style>
+      <a:lnRef idx="2">
+        <a:scrgbClr r="0" g="0" b="0"/>
+      </a:lnRef>
+      <a:fillRef idx="1">
+        <a:scrgbClr r="0" g="0" b="0"/>
+      </a:fillRef>
+      <a:effectRef idx="0">
+        <a:scrgbClr r="0" g="0" b="0"/>
+      </a:effectRef>
+      <a:fontRef idx="minor"/>
+    </dgm:style>
+  </dgm:styleLbl>
+  <dgm:styleLbl name="asst0">
+    <dgm:scene3d>
+      <a:camera prst="orthographicFront"/>
+      <a:lightRig rig="threePt" dir="t"/>
+    </dgm:scene3d>
+    <dgm:sp3d/>
+    <dgm:txPr/>
+    <dgm:style>
+      <a:lnRef idx="2">
+        <a:scrgbClr r="0" g="0" b="0"/>
+      </a:lnRef>
+      <a:fillRef idx="1">
+        <a:scrgbClr r="0" g="0" b="0"/>
+      </a:fillRef>
+      <a:effectRef idx="0">
+        <a:scrgbClr r="0" g="0" b="0"/>
+      </a:effectRef>
+      <a:fontRef idx="minor">
+        <a:schemeClr val="lt1"/>
+      </a:fontRef>
+    </dgm:style>
+  </dgm:styleLbl>
+  <dgm:styleLbl name="asst1">
+    <dgm:scene3d>
+      <a:camera prst="orthographicFront"/>
+      <a:lightRig rig="threePt" dir="t"/>
+    </dgm:scene3d>
+    <dgm:sp3d/>
+    <dgm:txPr/>
+    <dgm:style>
+      <a:lnRef idx="2">
+        <a:scrgbClr r="0" g="0" b="0"/>
+      </a:lnRef>
+      <a:fillRef idx="1">
+        <a:scrgbClr r="0" g="0" b="0"/>
+      </a:fillRef>
+      <a:effectRef idx="0">
+        <a:scrgbClr r="0" g="0" b="0"/>
+      </a:effectRef>
+      <a:fontRef idx="minor">
+        <a:schemeClr val="lt1"/>
+      </a:fontRef>
+    </dgm:style>
+  </dgm:styleLbl>
+  <dgm:styleLbl name="asst2">
+    <dgm:scene3d>
+      <a:camera prst="orthographicFront"/>
+      <a:lightRig rig="threePt" dir="t"/>
+    </dgm:scene3d>
+    <dgm:sp3d/>
+    <dgm:txPr/>
+    <dgm:style>
+      <a:lnRef idx="2">
+        <a:scrgbClr r="0" g="0" b="0"/>
+      </a:lnRef>
+      <a:fillRef idx="1">
+        <a:scrgbClr r="0" g="0" b="0"/>
+      </a:fillRef>
+      <a:effectRef idx="0">
+        <a:scrgbClr r="0" g="0" b="0"/>
+      </a:effectRef>
+      <a:fontRef idx="minor">
+        <a:schemeClr val="lt1"/>
+      </a:fontRef>
+    </dgm:style>
+  </dgm:styleLbl>
+  <dgm:styleLbl name="asst3">
+    <dgm:scene3d>
+      <a:camera prst="orthographicFront"/>
+      <a:lightRig rig="threePt" dir="t"/>
+    </dgm:scene3d>
+    <dgm:sp3d/>
+    <dgm:txPr/>
+    <dgm:style>
+      <a:lnRef idx="2">
+        <a:scrgbClr r="0" g="0" b="0"/>
+      </a:lnRef>
+      <a:fillRef idx="1">
+        <a:scrgbClr r="0" g="0" b="0"/>
+      </a:fillRef>
+      <a:effectRef idx="0">
+        <a:scrgbClr r="0" g="0" b="0"/>
+      </a:effectRef>
+      <a:fontRef idx="minor">
+        <a:schemeClr val="lt1"/>
+      </a:fontRef>
+    </dgm:style>
+  </dgm:styleLbl>
+  <dgm:styleLbl name="asst4">
+    <dgm:scene3d>
+      <a:camera prst="orthographicFront"/>
+      <a:lightRig rig="threePt" dir="t"/>
+    </dgm:scene3d>
+    <dgm:sp3d/>
+    <dgm:txPr/>
+    <dgm:style>
+      <a:lnRef idx="2">
+        <a:scrgbClr r="0" g="0" b="0"/>
+      </a:lnRef>
+      <a:fillRef idx="1">
+        <a:scrgbClr r="0" g="0" b="0"/>
+      </a:fillRef>
+      <a:effectRef idx="0">
+        <a:scrgbClr r="0" g="0" b="0"/>
+      </a:effectRef>
+      <a:fontRef idx="minor">
+        <a:schemeClr val="lt1"/>
+      </a:fontRef>
+    </dgm:style>
+  </dgm:styleLbl>
+  <dgm:styleLbl name="parChTrans2D1">
+    <dgm:scene3d>
+      <a:camera prst="orthographicFront"/>
+      <a:lightRig rig="threePt" dir="t"/>
+    </dgm:scene3d>
+    <dgm:sp3d/>
+    <dgm:txPr/>
+    <dgm:style>
+      <a:lnRef idx="2">
+        <a:scrgbClr r="0" g="0" b="0"/>
+      </a:lnRef>
+      <a:fillRef idx="1">
+        <a:scrgbClr r="0" g="0" b="0"/>
+      </a:fillRef>
+      <a:effectRef idx="0">
+        <a:scrgbClr r="0" g="0" b="0"/>
+      </a:effectRef>
+      <a:fontRef idx="minor">
+        <a:schemeClr val="lt1"/>
+      </a:fontRef>
+    </dgm:style>
+  </dgm:styleLbl>
+  <dgm:styleLbl name="parChTrans2D2">
+    <dgm:scene3d>
+      <a:camera prst="orthographicFront"/>
+      <a:lightRig rig="threePt" dir="t"/>
+    </dgm:scene3d>
+    <dgm:sp3d/>
+    <dgm:txPr/>
+    <dgm:style>
+      <a:lnRef idx="2">
+        <a:scrgbClr r="0" g="0" b="0"/>
+      </a:lnRef>
+      <a:fillRef idx="1">
+        <a:scrgbClr r="0" g="0" b="0"/>
+      </a:fillRef>
+      <a:effectRef idx="0">
+        <a:scrgbClr r="0" g="0" b="0"/>
+      </a:effectRef>
+      <a:fontRef idx="minor">
+        <a:schemeClr val="lt1"/>
+      </a:fontRef>
+    </dgm:style>
+  </dgm:styleLbl>
+  <dgm:styleLbl name="parChTrans2D3">
+    <dgm:scene3d>
+      <a:camera prst="orthographicFront"/>
+      <a:lightRig rig="threePt" dir="t"/>
+    </dgm:scene3d>
+    <dgm:sp3d/>
+    <dgm:txPr/>
+    <dgm:style>
+      <a:lnRef idx="2">
+        <a:scrgbClr r="0" g="0" b="0"/>
+      </a:lnRef>
+      <a:fillRef idx="1">
+        <a:scrgbClr r="0" g="0" b="0"/>
+      </a:fillRef>
+      <a:effectRef idx="0">
+        <a:scrgbClr r="0" g="0" b="0"/>
+      </a:effectRef>
+      <a:fontRef idx="minor">
+        <a:schemeClr val="lt1"/>
+      </a:fontRef>
+    </dgm:style>
+  </dgm:styleLbl>
+  <dgm:styleLbl name="parChTrans2D4">
+    <dgm:scene3d>
+      <a:camera prst="orthographicFront"/>
+      <a:lightRig rig="threePt" dir="t"/>
+    </dgm:scene3d>
+    <dgm:sp3d/>
+    <dgm:txPr/>
+    <dgm:style>
+      <a:lnRef idx="2">
+        <a:scrgbClr r="0" g="0" b="0"/>
+      </a:lnRef>
+      <a:fillRef idx="1">
+        <a:scrgbClr r="0" g="0" b="0"/>
+      </a:fillRef>
+      <a:effectRef idx="0">
+        <a:scrgbClr r="0" g="0" b="0"/>
+      </a:effectRef>
+      <a:fontRef idx="minor">
+        <a:schemeClr val="lt1"/>
+      </a:fontRef>
+    </dgm:style>
+  </dgm:styleLbl>
+  <dgm:styleLbl name="parChTrans1D1">
+    <dgm:scene3d>
+      <a:camera prst="orthographicFront"/>
+      <a:lightRig rig="threePt" dir="t"/>
+    </dgm:scene3d>
+    <dgm:sp3d/>
+    <dgm:txPr/>
+    <dgm:style>
+      <a:lnRef idx="2">
+        <a:scrgbClr r="0" g="0" b="0"/>
+      </a:lnRef>
+      <a:fillRef idx="0">
+        <a:scrgbClr r="0" g="0" b="0"/>
+      </a:fillRef>
+      <a:effectRef idx="0">
+        <a:scrgbClr r="0" g="0" b="0"/>
+      </a:effectRef>
+      <a:fontRef idx="minor"/>
+    </dgm:style>
+  </dgm:styleLbl>
+  <dgm:styleLbl name="parChTrans1D2">
+    <dgm:scene3d>
+      <a:camera prst="orthographicFront"/>
+      <a:lightRig rig="threePt" dir="t"/>
+    </dgm:scene3d>
+    <dgm:sp3d/>
+    <dgm:txPr/>
+    <dgm:style>
+      <a:lnRef idx="2">
+        <a:scrgbClr r="0" g="0" b="0"/>
+      </a:lnRef>
+      <a:fillRef idx="0">
+        <a:scrgbClr r="0" g="0" b="0"/>
+      </a:fillRef>
+      <a:effectRef idx="0">
+        <a:scrgbClr r="0" g="0" b="0"/>
+      </a:effectRef>
+      <a:fontRef idx="minor"/>
+    </dgm:style>
+  </dgm:styleLbl>
+  <dgm:styleLbl name="parChTrans1D3">
+    <dgm:scene3d>
+      <a:camera prst="orthographicFront"/>
+      <a:lightRig rig="threePt" dir="t"/>
+    </dgm:scene3d>
+    <dgm:sp3d/>
+    <dgm:txPr/>
+    <dgm:style>
+      <a:lnRef idx="2">
+        <a:scrgbClr r="0" g="0" b="0"/>
+      </a:lnRef>
+      <a:fillRef idx="0">
+        <a:scrgbClr r="0" g="0" b="0"/>
+      </a:fillRef>
+      <a:effectRef idx="0">
+        <a:scrgbClr r="0" g="0" b="0"/>
+      </a:effectRef>
+      <a:fontRef idx="minor"/>
+    </dgm:style>
+  </dgm:styleLbl>
+  <dgm:styleLbl name="parChTrans1D4">
+    <dgm:scene3d>
+      <a:camera prst="orthographicFront"/>
+      <a:lightRig rig="threePt" dir="t"/>
+    </dgm:scene3d>
+    <dgm:sp3d/>
+    <dgm:txPr/>
+    <dgm:style>
+      <a:lnRef idx="2">
+        <a:scrgbClr r="0" g="0" b="0"/>
+      </a:lnRef>
+      <a:fillRef idx="0">
+        <a:scrgbClr r="0" g="0" b="0"/>
+      </a:fillRef>
+      <a:effectRef idx="0">
+        <a:scrgbClr r="0" g="0" b="0"/>
+      </a:effectRef>
+      <a:fontRef idx="minor"/>
+    </dgm:style>
+  </dgm:styleLbl>
+  <dgm:styleLbl name="fgAcc1">
+    <dgm:scene3d>
+      <a:camera prst="orthographicFront"/>
+      <a:lightRig rig="threePt" dir="t"/>
+    </dgm:scene3d>
+    <dgm:sp3d/>
+    <dgm:txPr/>
+    <dgm:style>
+      <a:lnRef idx="2">
+        <a:scrgbClr r="0" g="0" b="0"/>
+      </a:lnRef>
+      <a:fillRef idx="1">
+        <a:scrgbClr r="0" g="0" b="0"/>
+      </a:fillRef>
+      <a:effectRef idx="0">
+        <a:scrgbClr r="0" g="0" b="0"/>
+      </a:effectRef>
+      <a:fontRef idx="minor"/>
+    </dgm:style>
+  </dgm:styleLbl>
+  <dgm:styleLbl name="conFgAcc1">
+    <dgm:scene3d>
+      <a:camera prst="orthographicFront"/>
+      <a:lightRig rig="threePt" dir="t"/>
+    </dgm:scene3d>
+    <dgm:sp3d/>
+    <dgm:txPr/>
+    <dgm:style>
+      <a:lnRef idx="2">
+        <a:scrgbClr r="0" g="0" b="0"/>
+      </a:lnRef>
+      <a:fillRef idx="1">
+        <a:scrgbClr r="0" g="0" b="0"/>
+      </a:fillRef>
+      <a:effectRef idx="0">
+        <a:scrgbClr r="0" g="0" b="0"/>
+      </a:effectRef>
+      <a:fontRef idx="minor"/>
+    </dgm:style>
+  </dgm:styleLbl>
+  <dgm:styleLbl name="alignAcc1">
+    <dgm:scene3d>
+      <a:camera prst="orthographicFront"/>
+      <a:lightRig rig="threePt" dir="t"/>
+    </dgm:scene3d>
+    <dgm:sp3d/>
+    <dgm:txPr/>
+    <dgm:style>
+      <a:lnRef idx="2">
+        <a:scrgbClr r="0" g="0" b="0"/>
+      </a:lnRef>
+      <a:fillRef idx="1">
+        <a:scrgbClr r="0" g="0" b="0"/>
+      </a:fillRef>
+      <a:effectRef idx="0">
+        <a:scrgbClr r="0" g="0" b="0"/>
+      </a:effectRef>
+      <a:fontRef idx="minor"/>
+    </dgm:style>
+  </dgm:styleLbl>
+  <dgm:styleLbl name="trAlignAcc1">
+    <dgm:scene3d>
+      <a:camera prst="orthographicFront"/>
+      <a:lightRig rig="threePt" dir="t"/>
+    </dgm:scene3d>
+    <dgm:sp3d/>
+    <dgm:txPr/>
+    <dgm:style>
+      <a:lnRef idx="1">
+        <a:scrgbClr r="0" g="0" b="0"/>
+      </a:lnRef>
+      <a:fillRef idx="1">
+        <a:scrgbClr r="0" g="0" b="0"/>
+      </a:fillRef>
+      <a:effectRef idx="0">
+        <a:scrgbClr r="0" g="0" b="0"/>
+      </a:effectRef>
+      <a:fontRef idx="minor"/>
+    </dgm:style>
+  </dgm:styleLbl>
+  <dgm:styleLbl name="bgAcc1">
+    <dgm:scene3d>
+      <a:camera prst="orthographicFront"/>
+      <a:lightRig rig="threePt" dir="t"/>
+    </dgm:scene3d>
+    <dgm:sp3d/>
+    <dgm:txPr/>
+    <dgm:style>
+      <a:lnRef idx="2">
+        <a:scrgbClr r="0" g="0" b="0"/>
+      </a:lnRef>
+      <a:fillRef idx="1">
+        <a:scrgbClr r="0" g="0" b="0"/>
+      </a:fillRef>
+      <a:effectRef idx="0">
+        <a:scrgbClr r="0" g="0" b="0"/>
+      </a:effectRef>
+      <a:fontRef idx="minor"/>
+    </dgm:style>
+  </dgm:styleLbl>
+  <dgm:styleLbl name="solidFgAcc1">
+    <dgm:scene3d>
+      <a:camera prst="orthographicFront"/>
+      <a:lightRig rig="threePt" dir="t"/>
+    </dgm:scene3d>
+    <dgm:sp3d/>
+    <dgm:txPr/>
+    <dgm:style>
+      <a:lnRef idx="2">
+        <a:scrgbClr r="0" g="0" b="0"/>
+      </a:lnRef>
+      <a:fillRef idx="1">
+        <a:scrgbClr r="0" g="0" b="0"/>
+      </a:fillRef>
+      <a:effectRef idx="0">
+        <a:scrgbClr r="0" g="0" b="0"/>
+      </a:effectRef>
+      <a:fontRef idx="minor"/>
+    </dgm:style>
+  </dgm:styleLbl>
+  <dgm:styleLbl name="solidAlignAcc1">
+    <dgm:scene3d>
+      <a:camera prst="orthographicFront"/>
+      <a:lightRig rig="threePt" dir="t"/>
+    </dgm:scene3d>
+    <dgm:sp3d/>
+    <dgm:txPr/>
+    <dgm:style>
+      <a:lnRef idx="2">
+        <a:scrgbClr r="0" g="0" b="0"/>
+      </a:lnRef>
+      <a:fillRef idx="1">
+        <a:scrgbClr r="0" g="0" b="0"/>
+      </a:fillRef>
+      <a:effectRef idx="0">
+        <a:scrgbClr r="0" g="0" b="0"/>
+      </a:effectRef>
+      <a:fontRef idx="minor"/>
+    </dgm:style>
+  </dgm:styleLbl>
+  <dgm:styleLbl name="solidBgAcc1">
+    <dgm:scene3d>
+      <a:camera prst="orthographicFront"/>
+      <a:lightRig rig="threePt" dir="t"/>
+    </dgm:scene3d>
+    <dgm:sp3d/>
+    <dgm:txPr/>
+    <dgm:style>
+      <a:lnRef idx="2">
+        <a:scrgbClr r="0" g="0" b="0"/>
+      </a:lnRef>
+      <a:fillRef idx="1">
+        <a:scrgbClr r="0" g="0" b="0"/>
+      </a:fillRef>
+      <a:effectRef idx="0">
+        <a:scrgbClr r="0" g="0" b="0"/>
+      </a:effectRef>
+      <a:fontRef idx="minor"/>
+    </dgm:style>
+  </dgm:styleLbl>
+  <dgm:styleLbl name="fgAccFollowNode1">
+    <dgm:scene3d>
+      <a:camera prst="orthographicFront"/>
+      <a:lightRig rig="threePt" dir="t"/>
+    </dgm:scene3d>
+    <dgm:sp3d/>
+    <dgm:txPr/>
+    <dgm:style>
+      <a:lnRef idx="2">
+        <a:scrgbClr r="0" g="0" b="0"/>
+      </a:lnRef>
+      <a:fillRef idx="1">
+        <a:scrgbClr r="0" g="0" b="0"/>
+      </a:fillRef>
+      <a:effectRef idx="0">
+        <a:scrgbClr r="0" g="0" b="0"/>
+      </a:effectRef>
+      <a:fontRef idx="minor"/>
+    </dgm:style>
+  </dgm:styleLbl>
+  <dgm:styleLbl name="alignAccFollowNode1">
+    <dgm:scene3d>
+      <a:camera prst="orthographicFront"/>
+      <a:lightRig rig="threePt" dir="t"/>
+    </dgm:scene3d>
+    <dgm:sp3d/>
+    <dgm:txPr/>
+    <dgm:style>
+      <a:lnRef idx="2">
+        <a:scrgbClr r="0" g="0" b="0"/>
+      </a:lnRef>
+      <a:fillRef idx="1">
+        <a:scrgbClr r="0" g="0" b="0"/>
+      </a:fillRef>
+      <a:effectRef idx="0">
+        <a:scrgbClr r="0" g="0" b="0"/>
+      </a:effectRef>
+      <a:fontRef idx="minor"/>
+    </dgm:style>
+  </dgm:styleLbl>
+  <dgm:styleLbl name="bgAccFollowNode1">
+    <dgm:scene3d>
+      <a:camera prst="orthographicFront"/>
+      <a:lightRig rig="threePt" dir="t"/>
+    </dgm:scene3d>
+    <dgm:sp3d/>
+    <dgm:txPr/>
+    <dgm:style>
+      <a:lnRef idx="2">
+        <a:scrgbClr r="0" g="0" b="0"/>
+      </a:lnRef>
+      <a:fillRef idx="1">
+        <a:scrgbClr r="0" g="0" b="0"/>
+      </a:fillRef>
+      <a:effectRef idx="0">
+        <a:scrgbClr r="0" g="0" b="0"/>
+      </a:effectRef>
+      <a:fontRef idx="minor"/>
+    </dgm:style>
+  </dgm:styleLbl>
+  <dgm:styleLbl name="fgAcc0">
+    <dgm:scene3d>
+      <a:camera prst="orthographicFront"/>
+      <a:lightRig rig="threePt" dir="t"/>
+    </dgm:scene3d>
+    <dgm:sp3d/>
+    <dgm:txPr/>
+    <dgm:style>
+      <a:lnRef idx="2">
+        <a:scrgbClr r="0" g="0" b="0"/>
+      </a:lnRef>
+      <a:fillRef idx="1">
+        <a:scrgbClr r="0" g="0" b="0"/>
+      </a:fillRef>
+      <a:effectRef idx="0">
+        <a:scrgbClr r="0" g="0" b="0"/>
+      </a:effectRef>
+      <a:fontRef idx="minor"/>
+    </dgm:style>
+  </dgm:styleLbl>
+  <dgm:styleLbl name="fgAcc2">
+    <dgm:scene3d>
+      <a:camera prst="orthographicFront"/>
+      <a:lightRig rig="threePt" dir="t"/>
+    </dgm:scene3d>
+    <dgm:sp3d/>
+    <dgm:txPr/>
+    <dgm:style>
+      <a:lnRef idx="2">
+        <a:scrgbClr r="0" g="0" b="0"/>
+      </a:lnRef>
+      <a:fillRef idx="1">
+        <a:scrgbClr r="0" g="0" b="0"/>
+      </a:fillRef>
+      <a:effectRef idx="0">
+        <a:scrgbClr r="0" g="0" b="0"/>
+      </a:effectRef>
+      <a:fontRef idx="minor"/>
+    </dgm:style>
+  </dgm:styleLbl>
+  <dgm:styleLbl name="fgAcc3">
+    <dgm:scene3d>
+      <a:camera prst="orthographicFront"/>
+      <a:lightRig rig="threePt" dir="t"/>
+    </dgm:scene3d>
+    <dgm:sp3d/>
+    <dgm:txPr/>
+    <dgm:style>
+      <a:lnRef idx="2">
+        <a:scrgbClr r="0" g="0" b="0"/>
+      </a:lnRef>
+      <a:fillRef idx="1">
+        <a:scrgbClr r="0" g="0" b="0"/>
+      </a:fillRef>
+      <a:effectRef idx="0">
+        <a:scrgbClr r="0" g="0" b="0"/>
+      </a:effectRef>
+      <a:fontRef idx="minor"/>
+    </dgm:style>
+  </dgm:styleLbl>
+  <dgm:styleLbl name="fgAcc4">
+    <dgm:scene3d>
+      <a:camera prst="orthographicFront"/>
+      <a:lightRig rig="threePt" dir="t"/>
+    </dgm:scene3d>
+    <dgm:sp3d/>
+    <dgm:txPr/>
+    <dgm:style>
+      <a:lnRef idx="2">
+        <a:scrgbClr r="0" g="0" b="0"/>
+      </a:lnRef>
+      <a:fillRef idx="1">
+        <a:scrgbClr r="0" g="0" b="0"/>
+      </a:fillRef>
+      <a:effectRef idx="0">
+        <a:scrgbClr r="0" g="0" b="0"/>
+      </a:effectRef>
+      <a:fontRef idx="minor"/>
+    </dgm:style>
+  </dgm:styleLbl>
+  <dgm:styleLbl name="bgShp">
+    <dgm:scene3d>
+      <a:camera prst="orthographicFront"/>
+      <a:lightRig rig="threePt" dir="t"/>
+    </dgm:scene3d>
+    <dgm:sp3d/>
+    <dgm:txPr/>
+    <dgm:style>
+      <a:lnRef idx="0">
+        <a:scrgbClr r="0" g="0" b="0"/>
+      </a:lnRef>
+      <a:fillRef idx="1">
+        <a:scrgbClr r="0" g="0" b="0"/>
+      </a:fillRef>
+      <a:effectRef idx="0">
+        <a:scrgbClr r="0" g="0" b="0"/>
+      </a:effectRef>
+      <a:fontRef idx="minor"/>
+    </dgm:style>
+  </dgm:styleLbl>
+  <dgm:styleLbl name="dkBgShp">
+    <dgm:scene3d>
+      <a:camera prst="orthographicFront"/>
+      <a:lightRig rig="threePt" dir="t"/>
+    </dgm:scene3d>
+    <dgm:sp3d/>
+    <dgm:txPr/>
+    <dgm:style>
+      <a:lnRef idx="0">
+        <a:scrgbClr r="0" g="0" b="0"/>
+      </a:lnRef>
+      <a:fillRef idx="1">
+        <a:scrgbClr r="0" g="0" b="0"/>
+      </a:fillRef>
+      <a:effectRef idx="0">
+        <a:scrgbClr r="0" g="0" b="0"/>
+      </a:effectRef>
+      <a:fontRef idx="minor"/>
+    </dgm:style>
+  </dgm:styleLbl>
+  <dgm:styleLbl name="trBgShp">
+    <dgm:scene3d>
+      <a:camera prst="orthographicFront"/>
+      <a:lightRig rig="threePt" dir="t"/>
+    </dgm:scene3d>
+    <dgm:sp3d/>
+    <dgm:txPr/>
+    <dgm:style>
+      <a:lnRef idx="0">
+        <a:scrgbClr r="0" g="0" b="0"/>
+      </a:lnRef>
+      <a:fillRef idx="1">
+        <a:scrgbClr r="0" g="0" b="0"/>
+      </a:fillRef>
+      <a:effectRef idx="0">
+        <a:scrgbClr r="0" g="0" b="0"/>
+      </a:effectRef>
+      <a:fontRef idx="minor"/>
+    </dgm:style>
+  </dgm:styleLbl>
+  <dgm:styleLbl name="fgShp">
+    <dgm:scene3d>
+      <a:camera prst="orthographicFront"/>
+      <a:lightRig rig="threePt" dir="t"/>
+    </dgm:scene3d>
+    <dgm:sp3d/>
+    <dgm:txPr/>
+    <dgm:style>
+      <a:lnRef idx="2">
+        <a:scrgbClr r="0" g="0" b="0"/>
+      </a:lnRef>
+      <a:fillRef idx="1">
+        <a:scrgbClr r="0" g="0" b="0"/>
+      </a:fillRef>
+      <a:effectRef idx="0">
+        <a:scrgbClr r="0" g="0" b="0"/>
+      </a:effectRef>
+      <a:fontRef idx="minor"/>
+    </dgm:style>
+  </dgm:styleLbl>
+  <dgm:styleLbl name="revTx">
+    <dgm:scene3d>
+      <a:camera prst="orthographicFront"/>
+      <a:lightRig rig="threePt" dir="t"/>
+    </dgm:scene3d>
+    <dgm:sp3d/>
+    <dgm:txPr/>
+    <dgm:style>
+      <a:lnRef idx="0">
+        <a:scrgbClr r="0" g="0" b="0"/>
+      </a:lnRef>
+      <a:fillRef idx="0">
+        <a:scrgbClr r="0" g="0" b="0"/>
+      </a:fillRef>
+      <a:effectRef idx="0">
+        <a:scrgbClr r="0" g="0" b="0"/>
+      </a:effectRef>
+      <a:fontRef idx="minor"/>
+    </dgm:style>
+  </dgm:styleLbl>
+</dgm:styleDef>
+</file>
+
 <file path=ppt/slideLayouts/slideLayout1.xml><?xml version="1.0" encoding="utf-8"?>
 <p:sldLayout xmlns:a="http://schemas.openxmlformats.org/drawingml/2006/main" xmlns:r="http://schemas.openxmlformats.org/officeDocument/2006/relationships" xmlns:p="http://schemas.openxmlformats.org/presentationml/2006/main" type="title" preserve="1">
   <p:cSld name="Титульный слайд">
@@ -255,7 +5398,7 @@
           <a:p>
             <a:fld id="{073ED0CC-082F-4160-86E5-0D6041F12778}" type="datetime1">
               <a:rPr lang="en-US" smtClean="0"/>
-              <a:t>3/18/2020</a:t>
+              <a:t>4/9/2020</a:t>
             </a:fld>
             <a:endParaRPr lang="en-US" dirty="0"/>
           </a:p>
@@ -467,7 +5610,7 @@
           <a:p>
             <a:fld id="{073ED0CC-082F-4160-86E5-0D6041F12778}" type="datetime1">
               <a:rPr lang="en-US" smtClean="0"/>
-              <a:t>3/18/2020</a:t>
+              <a:t>4/9/2020</a:t>
             </a:fld>
             <a:endParaRPr lang="en-US" dirty="0"/>
           </a:p>
@@ -683,7 +5826,7 @@
           <a:p>
             <a:fld id="{073ED0CC-082F-4160-86E5-0D6041F12778}" type="datetime1">
               <a:rPr lang="en-US" smtClean="0"/>
-              <a:t>3/18/2020</a:t>
+              <a:t>4/9/2020</a:t>
             </a:fld>
             <a:endParaRPr lang="en-US" dirty="0"/>
           </a:p>
@@ -885,7 +6028,7 @@
           <a:p>
             <a:fld id="{073ED0CC-082F-4160-86E5-0D6041F12778}" type="datetime1">
               <a:rPr lang="en-US" smtClean="0"/>
-              <a:t>3/18/2020</a:t>
+              <a:t>4/9/2020</a:t>
             </a:fld>
             <a:endParaRPr lang="en-US" dirty="0"/>
           </a:p>
@@ -1165,7 +6308,7 @@
           <a:p>
             <a:fld id="{073ED0CC-082F-4160-86E5-0D6041F12778}" type="datetime1">
               <a:rPr lang="en-US" smtClean="0"/>
-              <a:t>3/18/2020</a:t>
+              <a:t>4/9/2020</a:t>
             </a:fld>
             <a:endParaRPr lang="en-US" dirty="0"/>
           </a:p>
@@ -1434,7 +6577,7 @@
           <a:p>
             <a:fld id="{073ED0CC-082F-4160-86E5-0D6041F12778}" type="datetime1">
               <a:rPr lang="en-US" smtClean="0"/>
-              <a:t>3/18/2020</a:t>
+              <a:t>4/9/2020</a:t>
             </a:fld>
             <a:endParaRPr lang="en-US" dirty="0"/>
           </a:p>
@@ -1851,7 +6994,7 @@
           <a:p>
             <a:fld id="{073ED0CC-082F-4160-86E5-0D6041F12778}" type="datetime1">
               <a:rPr lang="en-US" smtClean="0"/>
-              <a:t>3/18/2020</a:t>
+              <a:t>4/9/2020</a:t>
             </a:fld>
             <a:endParaRPr lang="en-US" dirty="0"/>
           </a:p>
@@ -2001,7 +7144,7 @@
           <a:p>
             <a:fld id="{073ED0CC-082F-4160-86E5-0D6041F12778}" type="datetime1">
               <a:rPr lang="en-US" smtClean="0"/>
-              <a:t>3/18/2020</a:t>
+              <a:t>4/9/2020</a:t>
             </a:fld>
             <a:endParaRPr lang="en-US" dirty="0"/>
           </a:p>
@@ -2128,7 +7271,7 @@
           <a:p>
             <a:fld id="{073ED0CC-082F-4160-86E5-0D6041F12778}" type="datetime1">
               <a:rPr lang="en-US" smtClean="0"/>
-              <a:t>3/18/2020</a:t>
+              <a:t>4/9/2020</a:t>
             </a:fld>
             <a:endParaRPr lang="en-US" dirty="0"/>
           </a:p>
@@ -2380,7 +7523,7 @@
           <a:p>
             <a:fld id="{073ED0CC-082F-4160-86E5-0D6041F12778}" type="datetime1">
               <a:rPr lang="en-US" smtClean="0"/>
-              <a:t>3/18/2020</a:t>
+              <a:t>4/9/2020</a:t>
             </a:fld>
             <a:endParaRPr lang="en-US" dirty="0"/>
           </a:p>
@@ -2826,7 +7969,7 @@
           <a:p>
             <a:fld id="{073ED0CC-082F-4160-86E5-0D6041F12778}" type="datetime1">
               <a:rPr lang="en-US" smtClean="0"/>
-              <a:t>3/18/2020</a:t>
+              <a:t>4/9/2020</a:t>
             </a:fld>
             <a:endParaRPr lang="en-US" dirty="0"/>
           </a:p>
@@ -3154,7 +8297,7 @@
           <a:p>
             <a:fld id="{073ED0CC-082F-4160-86E5-0D6041F12778}" type="datetime1">
               <a:rPr lang="en-US" smtClean="0"/>
-              <a:t>3/18/2020</a:t>
+              <a:t>4/9/2020</a:t>
             </a:fld>
             <a:endParaRPr lang="en-US" dirty="0"/>
           </a:p>
@@ -3678,7 +8821,7 @@
             </a:br>
             <a:r>
               <a:rPr lang="ru-RU" sz="2800" dirty="0"/>
-              <a:t>к выпускной квалификационной работе бакалавра на тему «Создание сервиса ведения учебного процесса в университете»</a:t>
+              <a:t>к выпускной квалификационной работе бакалавра на тему «Система управления учебным процессом»</a:t>
             </a:r>
           </a:p>
         </p:txBody>
@@ -3709,7 +8852,23 @@
             </a:pPr>
             <a:r>
               <a:rPr lang="ru-RU" dirty="0"/>
-              <a:t>Авторы: Поздеев Максим Львович (группа Б01-191-2), Зырянов Иван Олегович (группа Б01-191-2)</a:t>
+              <a:t>Авторы: Поздеев Максим Львович (группа Б0</a:t>
+            </a:r>
+            <a:r>
+              <a:rPr lang="en-US" dirty="0"/>
+              <a:t>8</a:t>
+            </a:r>
+            <a:r>
+              <a:rPr lang="ru-RU" dirty="0"/>
+              <a:t>-191-2), Зырянов Иван Олегович (группа Б0</a:t>
+            </a:r>
+            <a:r>
+              <a:rPr lang="en-US" dirty="0"/>
+              <a:t>8</a:t>
+            </a:r>
+            <a:r>
+              <a:rPr lang="ru-RU" dirty="0"/>
+              <a:t>-191-2)</a:t>
             </a:r>
           </a:p>
           <a:p>
@@ -3717,7 +8876,7 @@
               <a:buNone/>
             </a:pPr>
             <a:r>
-              <a:rPr lang="ru-RU"/>
+              <a:rPr lang="ru-RU" dirty="0"/>
               <a:t>Руководитель: </a:t>
             </a:r>
           </a:p>
@@ -3821,7 +8980,7 @@
             </a:pPr>
             <a:r>
               <a:rPr lang="ru-RU" dirty="0"/>
-              <a:t>Повышение эффективности взаимодействия между участниками учебного процесса в университете</a:t>
+              <a:t>Повышение эффективности взаимодействия между преподавателями и студентами в учебном процессе.</a:t>
             </a:r>
           </a:p>
         </p:txBody>
@@ -3909,7 +9068,9 @@
           </a:xfrm>
         </p:spPr>
         <p:txBody>
-          <a:bodyPr/>
+          <a:bodyPr>
+            <a:normAutofit fontScale="92500" lnSpcReduction="20000"/>
+          </a:bodyPr>
           <a:lstStyle/>
           <a:p>
             <a:r>
@@ -3933,6 +9094,30 @@
             <a:r>
               <a:rPr lang="ru-RU" dirty="0"/>
               <a:t>Разработка клиентских приложений (для мобильных устройств, для ПК)</a:t>
+            </a:r>
+          </a:p>
+          <a:p>
+            <a:r>
+              <a:rPr lang="ru-RU" dirty="0"/>
+              <a:t>Разработка клиентского модуля студента</a:t>
+            </a:r>
+          </a:p>
+          <a:p>
+            <a:r>
+              <a:rPr lang="ru-RU" dirty="0"/>
+              <a:t>Разработка клиентского модуля преподавателя</a:t>
+            </a:r>
+          </a:p>
+          <a:p>
+            <a:r>
+              <a:rPr lang="ru-RU" dirty="0"/>
+              <a:t>Разработка клиентского модуля авторизации</a:t>
+            </a:r>
+          </a:p>
+          <a:p>
+            <a:r>
+              <a:rPr lang="ru-RU" dirty="0"/>
+              <a:t>Проектирование архитектуры системы</a:t>
             </a:r>
           </a:p>
         </p:txBody>
@@ -3995,38 +9180,697 @@
           </a:p>
         </p:txBody>
       </p:sp>
-      <p:pic>
-        <p:nvPicPr>
-          <p:cNvPr id="4" name="Объект 3">
+      <p:graphicFrame>
+        <p:nvGraphicFramePr>
+          <p:cNvPr id="13" name="Таблица 13">
             <a:extLst>
               <a:ext uri="{FF2B5EF4-FFF2-40B4-BE49-F238E27FC236}">
-                <a16:creationId xmlns:a16="http://schemas.microsoft.com/office/drawing/2014/main" id="{0C60AB36-9E25-4004-8F10-F6977451FEDC}"/>
+                <a16:creationId xmlns:a16="http://schemas.microsoft.com/office/drawing/2014/main" id="{F14B097E-6959-4402-ACCA-A06BD1F8C4C2}"/>
               </a:ext>
             </a:extLst>
           </p:cNvPr>
-          <p:cNvPicPr>
-            <a:picLocks noGrp="1" noChangeAspect="1"/>
-          </p:cNvPicPr>
+          <p:cNvGraphicFramePr>
+            <a:graphicFrameLocks noGrp="1"/>
+          </p:cNvGraphicFramePr>
           <p:nvPr>
             <p:ph idx="1"/>
+            <p:extLst>
+              <p:ext uri="{D42A27DB-BD31-4B8C-83A1-F6EECF244321}">
+                <p14:modId xmlns:p14="http://schemas.microsoft.com/office/powerpoint/2010/main" val="4293374471"/>
+              </p:ext>
+            </p:extLst>
           </p:nvPr>
-        </p:nvPicPr>
-        <p:blipFill>
-          <a:blip r:embed="rId2"/>
-          <a:stretch>
-            <a:fillRect/>
-          </a:stretch>
-        </p:blipFill>
-        <p:spPr>
-          <a:xfrm>
-            <a:off x="2740649" y="2692961"/>
-            <a:ext cx="7124447" cy="2177213"/>
-          </a:xfrm>
-          <a:prstGeom prst="rect">
-            <a:avLst/>
-          </a:prstGeom>
-        </p:spPr>
-      </p:pic>
+        </p:nvGraphicFramePr>
+        <p:xfrm>
+          <a:off x="1450975" y="2016125"/>
+          <a:ext cx="9604372" cy="2595880"/>
+        </p:xfrm>
+        <a:graphic>
+          <a:graphicData uri="http://schemas.openxmlformats.org/drawingml/2006/table">
+            <a:tbl>
+              <a:tblPr firstRow="1" bandRow="1">
+                <a:tableStyleId>{5C22544A-7EE6-4342-B048-85BDC9FD1C3A}</a:tableStyleId>
+              </a:tblPr>
+              <a:tblGrid>
+                <a:gridCol w="2401093">
+                  <a:extLst>
+                    <a:ext uri="{9D8B030D-6E8A-4147-A177-3AD203B41FA5}">
+                      <a16:colId xmlns:a16="http://schemas.microsoft.com/office/drawing/2014/main" val="3966322381"/>
+                    </a:ext>
+                  </a:extLst>
+                </a:gridCol>
+                <a:gridCol w="2401093">
+                  <a:extLst>
+                    <a:ext uri="{9D8B030D-6E8A-4147-A177-3AD203B41FA5}">
+                      <a16:colId xmlns:a16="http://schemas.microsoft.com/office/drawing/2014/main" val="1980450102"/>
+                    </a:ext>
+                  </a:extLst>
+                </a:gridCol>
+                <a:gridCol w="2401093">
+                  <a:extLst>
+                    <a:ext uri="{9D8B030D-6E8A-4147-A177-3AD203B41FA5}">
+                      <a16:colId xmlns:a16="http://schemas.microsoft.com/office/drawing/2014/main" val="2699471797"/>
+                    </a:ext>
+                  </a:extLst>
+                </a:gridCol>
+                <a:gridCol w="2401093">
+                  <a:extLst>
+                    <a:ext uri="{9D8B030D-6E8A-4147-A177-3AD203B41FA5}">
+                      <a16:colId xmlns:a16="http://schemas.microsoft.com/office/drawing/2014/main" val="1039859661"/>
+                    </a:ext>
+                  </a:extLst>
+                </a:gridCol>
+              </a:tblGrid>
+              <a:tr h="370840">
+                <a:tc>
+                  <a:txBody>
+                    <a:bodyPr/>
+                    <a:lstStyle/>
+                    <a:p>
+                      <a:pPr algn="ctr" fontAlgn="b"/>
+                      <a:endParaRPr lang="ru-RU" sz="1100" b="0" i="0" u="none" strike="noStrike" dirty="0">
+                        <a:solidFill>
+                          <a:schemeClr val="bg1"/>
+                        </a:solidFill>
+                        <a:effectLst/>
+                        <a:latin typeface="Calibri" panose="020F0502020204030204" pitchFamily="34" charset="0"/>
+                      </a:endParaRPr>
+                    </a:p>
+                  </a:txBody>
+                  <a:tcPr marL="9525" marR="9525" marT="9525" marB="0" anchor="ctr"/>
+                </a:tc>
+                <a:tc>
+                  <a:txBody>
+                    <a:bodyPr/>
+                    <a:lstStyle/>
+                    <a:p>
+                      <a:pPr algn="ctr" fontAlgn="b"/>
+                      <a:r>
+                        <a:rPr lang="ru-RU" sz="1100" b="0" i="0" u="none" strike="noStrike" dirty="0">
+                          <a:solidFill>
+                            <a:schemeClr val="bg1"/>
+                          </a:solidFill>
+                          <a:effectLst/>
+                          <a:latin typeface="Calibri" panose="020F0502020204030204" pitchFamily="34" charset="0"/>
+                        </a:rPr>
+                        <a:t>Разрабатываемый сервис (студент)</a:t>
+                      </a:r>
+                    </a:p>
+                  </a:txBody>
+                  <a:tcPr marL="9525" marR="9525" marT="9525" marB="0" anchor="ctr"/>
+                </a:tc>
+                <a:tc>
+                  <a:txBody>
+                    <a:bodyPr/>
+                    <a:lstStyle/>
+                    <a:p>
+                      <a:pPr algn="ctr" fontAlgn="b"/>
+                      <a:r>
+                        <a:rPr lang="ru-RU" sz="1100" b="0" i="0" u="none" strike="noStrike" dirty="0">
+                          <a:solidFill>
+                            <a:schemeClr val="bg1"/>
+                          </a:solidFill>
+                          <a:effectLst/>
+                          <a:latin typeface="Calibri" panose="020F0502020204030204" pitchFamily="34" charset="0"/>
+                        </a:rPr>
+                        <a:t>Личный кабинет студента ИжГТУ</a:t>
+                      </a:r>
+                    </a:p>
+                  </a:txBody>
+                  <a:tcPr marL="9525" marR="9525" marT="9525" marB="0" anchor="ctr"/>
+                </a:tc>
+                <a:tc>
+                  <a:txBody>
+                    <a:bodyPr/>
+                    <a:lstStyle/>
+                    <a:p>
+                      <a:pPr algn="ctr" fontAlgn="b"/>
+                      <a:r>
+                        <a:rPr lang="ru-RU" sz="1100" b="0" i="0" u="none" strike="noStrike" dirty="0">
+                          <a:solidFill>
+                            <a:schemeClr val="bg1"/>
+                          </a:solidFill>
+                          <a:effectLst/>
+                          <a:latin typeface="Calibri" panose="020F0502020204030204" pitchFamily="34" charset="0"/>
+                        </a:rPr>
+                        <a:t>Сайт ИжГТУ (</a:t>
+                      </a:r>
+                      <a:r>
+                        <a:rPr lang="en-US" sz="1100" b="0" i="0" u="none" strike="noStrike" dirty="0" err="1">
+                          <a:solidFill>
+                            <a:schemeClr val="bg1"/>
+                          </a:solidFill>
+                          <a:effectLst/>
+                          <a:latin typeface="Calibri" panose="020F0502020204030204" pitchFamily="34" charset="0"/>
+                        </a:rPr>
+                        <a:t>ee.istu</a:t>
+                      </a:r>
+                      <a:r>
+                        <a:rPr lang="en-US" sz="1100" b="0" i="0" u="none" strike="noStrike" dirty="0">
+                          <a:solidFill>
+                            <a:schemeClr val="bg1"/>
+                          </a:solidFill>
+                          <a:effectLst/>
+                          <a:latin typeface="Calibri" panose="020F0502020204030204" pitchFamily="34" charset="0"/>
+                        </a:rPr>
+                        <a:t>)</a:t>
+                      </a:r>
+                    </a:p>
+                  </a:txBody>
+                  <a:tcPr marL="9525" marR="9525" marT="9525" marB="0" anchor="ctr"/>
+                </a:tc>
+                <a:extLst>
+                  <a:ext uri="{0D108BD9-81ED-4DB2-BD59-A6C34878D82A}">
+                    <a16:rowId xmlns:a16="http://schemas.microsoft.com/office/drawing/2014/main" val="2471889252"/>
+                  </a:ext>
+                </a:extLst>
+              </a:tr>
+              <a:tr h="370840">
+                <a:tc>
+                  <a:txBody>
+                    <a:bodyPr/>
+                    <a:lstStyle/>
+                    <a:p>
+                      <a:pPr algn="ctr" fontAlgn="b"/>
+                      <a:r>
+                        <a:rPr lang="ru-RU" sz="1100" b="0" i="0" u="none" strike="noStrike" dirty="0">
+                          <a:solidFill>
+                            <a:srgbClr val="000000"/>
+                          </a:solidFill>
+                          <a:effectLst/>
+                          <a:latin typeface="Calibri" panose="020F0502020204030204" pitchFamily="34" charset="0"/>
+                        </a:rPr>
+                        <a:t>Актуальное расписание занятий</a:t>
+                      </a:r>
+                    </a:p>
+                  </a:txBody>
+                  <a:tcPr marL="9525" marR="9525" marT="9525" marB="0" anchor="ctr"/>
+                </a:tc>
+                <a:tc>
+                  <a:txBody>
+                    <a:bodyPr/>
+                    <a:lstStyle/>
+                    <a:p>
+                      <a:pPr algn="ctr" fontAlgn="b"/>
+                      <a:r>
+                        <a:rPr lang="ru-RU" sz="1100" b="0" i="0" u="none" strike="noStrike" dirty="0">
+                          <a:solidFill>
+                            <a:schemeClr val="tx1"/>
+                          </a:solidFill>
+                          <a:effectLst/>
+                          <a:latin typeface="Calibri" panose="020F0502020204030204" pitchFamily="34" charset="0"/>
+                        </a:rPr>
+                        <a:t>есть</a:t>
+                      </a:r>
+                    </a:p>
+                  </a:txBody>
+                  <a:tcPr marL="9525" marR="9525" marT="9525" marB="0" anchor="ctr"/>
+                </a:tc>
+                <a:tc>
+                  <a:txBody>
+                    <a:bodyPr/>
+                    <a:lstStyle/>
+                    <a:p>
+                      <a:pPr algn="ctr" fontAlgn="b"/>
+                      <a:r>
+                        <a:rPr lang="ru-RU" sz="1100" b="0" i="0" u="none" strike="noStrike">
+                          <a:solidFill>
+                            <a:schemeClr val="tx1"/>
+                          </a:solidFill>
+                          <a:effectLst/>
+                          <a:latin typeface="Calibri" panose="020F0502020204030204" pitchFamily="34" charset="0"/>
+                        </a:rPr>
+                        <a:t>нет</a:t>
+                      </a:r>
+                    </a:p>
+                  </a:txBody>
+                  <a:tcPr marL="9525" marR="9525" marT="9525" marB="0" anchor="ctr"/>
+                </a:tc>
+                <a:tc>
+                  <a:txBody>
+                    <a:bodyPr/>
+                    <a:lstStyle/>
+                    <a:p>
+                      <a:pPr algn="ctr" fontAlgn="b"/>
+                      <a:r>
+                        <a:rPr lang="ru-RU" sz="1100" b="0" i="0" u="none" strike="noStrike" dirty="0">
+                          <a:solidFill>
+                            <a:schemeClr val="tx1"/>
+                          </a:solidFill>
+                          <a:effectLst/>
+                          <a:latin typeface="Calibri" panose="020F0502020204030204" pitchFamily="34" charset="0"/>
+                        </a:rPr>
+                        <a:t>нет</a:t>
+                      </a:r>
+                    </a:p>
+                  </a:txBody>
+                  <a:tcPr marL="9525" marR="9525" marT="9525" marB="0" anchor="ctr"/>
+                </a:tc>
+                <a:extLst>
+                  <a:ext uri="{0D108BD9-81ED-4DB2-BD59-A6C34878D82A}">
+                    <a16:rowId xmlns:a16="http://schemas.microsoft.com/office/drawing/2014/main" val="31392361"/>
+                  </a:ext>
+                </a:extLst>
+              </a:tr>
+              <a:tr h="370840">
+                <a:tc>
+                  <a:txBody>
+                    <a:bodyPr/>
+                    <a:lstStyle/>
+                    <a:p>
+                      <a:pPr algn="ctr" fontAlgn="b"/>
+                      <a:r>
+                        <a:rPr lang="ru-RU" sz="1100" b="0" i="0" u="none" strike="noStrike">
+                          <a:solidFill>
+                            <a:srgbClr val="000000"/>
+                          </a:solidFill>
+                          <a:effectLst/>
+                          <a:latin typeface="Calibri" panose="020F0502020204030204" pitchFamily="34" charset="0"/>
+                        </a:rPr>
+                        <a:t>Доступ у списку студентов группы</a:t>
+                      </a:r>
+                    </a:p>
+                  </a:txBody>
+                  <a:tcPr marL="9525" marR="9525" marT="9525" marB="0" anchor="ctr"/>
+                </a:tc>
+                <a:tc>
+                  <a:txBody>
+                    <a:bodyPr/>
+                    <a:lstStyle/>
+                    <a:p>
+                      <a:pPr algn="ctr" fontAlgn="b"/>
+                      <a:r>
+                        <a:rPr lang="ru-RU" sz="1100" b="0" i="0" u="none" strike="noStrike" dirty="0">
+                          <a:solidFill>
+                            <a:schemeClr val="tx1"/>
+                          </a:solidFill>
+                          <a:effectLst/>
+                          <a:latin typeface="Calibri" panose="020F0502020204030204" pitchFamily="34" charset="0"/>
+                        </a:rPr>
+                        <a:t>есть</a:t>
+                      </a:r>
+                    </a:p>
+                  </a:txBody>
+                  <a:tcPr marL="9525" marR="9525" marT="9525" marB="0" anchor="ctr"/>
+                </a:tc>
+                <a:tc>
+                  <a:txBody>
+                    <a:bodyPr/>
+                    <a:lstStyle/>
+                    <a:p>
+                      <a:pPr algn="ctr" fontAlgn="b"/>
+                      <a:r>
+                        <a:rPr lang="ru-RU" sz="1100" b="0" i="0" u="none" strike="noStrike" dirty="0">
+                          <a:solidFill>
+                            <a:schemeClr val="tx1"/>
+                          </a:solidFill>
+                          <a:effectLst/>
+                          <a:latin typeface="Calibri" panose="020F0502020204030204" pitchFamily="34" charset="0"/>
+                        </a:rPr>
+                        <a:t>нет</a:t>
+                      </a:r>
+                    </a:p>
+                  </a:txBody>
+                  <a:tcPr marL="9525" marR="9525" marT="9525" marB="0" anchor="ctr"/>
+                </a:tc>
+                <a:tc>
+                  <a:txBody>
+                    <a:bodyPr/>
+                    <a:lstStyle/>
+                    <a:p>
+                      <a:pPr algn="ctr" fontAlgn="b"/>
+                      <a:r>
+                        <a:rPr lang="ru-RU" sz="1100" b="0" i="0" u="none" strike="noStrike">
+                          <a:solidFill>
+                            <a:schemeClr val="tx1"/>
+                          </a:solidFill>
+                          <a:effectLst/>
+                          <a:latin typeface="Calibri" panose="020F0502020204030204" pitchFamily="34" charset="0"/>
+                        </a:rPr>
+                        <a:t>нет</a:t>
+                      </a:r>
+                    </a:p>
+                  </a:txBody>
+                  <a:tcPr marL="9525" marR="9525" marT="9525" marB="0" anchor="ctr"/>
+                </a:tc>
+                <a:extLst>
+                  <a:ext uri="{0D108BD9-81ED-4DB2-BD59-A6C34878D82A}">
+                    <a16:rowId xmlns:a16="http://schemas.microsoft.com/office/drawing/2014/main" val="2083709275"/>
+                  </a:ext>
+                </a:extLst>
+              </a:tr>
+              <a:tr h="370840">
+                <a:tc>
+                  <a:txBody>
+                    <a:bodyPr/>
+                    <a:lstStyle/>
+                    <a:p>
+                      <a:pPr algn="ctr" fontAlgn="b"/>
+                      <a:r>
+                        <a:rPr lang="ru-RU" sz="1100" b="0" i="0" u="none" strike="noStrike">
+                          <a:solidFill>
+                            <a:srgbClr val="000000"/>
+                          </a:solidFill>
+                          <a:effectLst/>
+                          <a:latin typeface="Calibri" panose="020F0502020204030204" pitchFamily="34" charset="0"/>
+                        </a:rPr>
+                        <a:t>Лента новостей университета</a:t>
+                      </a:r>
+                    </a:p>
+                  </a:txBody>
+                  <a:tcPr marL="9525" marR="9525" marT="9525" marB="0" anchor="ctr"/>
+                </a:tc>
+                <a:tc>
+                  <a:txBody>
+                    <a:bodyPr/>
+                    <a:lstStyle/>
+                    <a:p>
+                      <a:pPr algn="ctr" fontAlgn="b"/>
+                      <a:r>
+                        <a:rPr lang="ru-RU" sz="1100" b="0" i="0" u="none" strike="noStrike" dirty="0">
+                          <a:solidFill>
+                            <a:schemeClr val="tx1"/>
+                          </a:solidFill>
+                          <a:effectLst/>
+                          <a:latin typeface="Calibri" panose="020F0502020204030204" pitchFamily="34" charset="0"/>
+                        </a:rPr>
+                        <a:t>есть</a:t>
+                      </a:r>
+                    </a:p>
+                  </a:txBody>
+                  <a:tcPr marL="9525" marR="9525" marT="9525" marB="0" anchor="ctr"/>
+                </a:tc>
+                <a:tc>
+                  <a:txBody>
+                    <a:bodyPr/>
+                    <a:lstStyle/>
+                    <a:p>
+                      <a:pPr algn="ctr" fontAlgn="b"/>
+                      <a:r>
+                        <a:rPr lang="ru-RU" sz="1100" b="0" i="0" u="none" strike="noStrike" dirty="0">
+                          <a:solidFill>
+                            <a:schemeClr val="tx1"/>
+                          </a:solidFill>
+                          <a:effectLst/>
+                          <a:latin typeface="Calibri" panose="020F0502020204030204" pitchFamily="34" charset="0"/>
+                        </a:rPr>
+                        <a:t>есть</a:t>
+                      </a:r>
+                    </a:p>
+                  </a:txBody>
+                  <a:tcPr marL="9525" marR="9525" marT="9525" marB="0" anchor="ctr"/>
+                </a:tc>
+                <a:tc>
+                  <a:txBody>
+                    <a:bodyPr/>
+                    <a:lstStyle/>
+                    <a:p>
+                      <a:pPr algn="ctr" fontAlgn="b"/>
+                      <a:r>
+                        <a:rPr lang="ru-RU" sz="1100" b="0" i="0" u="none" strike="noStrike" dirty="0">
+                          <a:solidFill>
+                            <a:schemeClr val="tx1"/>
+                          </a:solidFill>
+                          <a:effectLst/>
+                          <a:latin typeface="Calibri" panose="020F0502020204030204" pitchFamily="34" charset="0"/>
+                        </a:rPr>
+                        <a:t>нет</a:t>
+                      </a:r>
+                    </a:p>
+                  </a:txBody>
+                  <a:tcPr marL="9525" marR="9525" marT="9525" marB="0" anchor="ctr"/>
+                </a:tc>
+                <a:extLst>
+                  <a:ext uri="{0D108BD9-81ED-4DB2-BD59-A6C34878D82A}">
+                    <a16:rowId xmlns:a16="http://schemas.microsoft.com/office/drawing/2014/main" val="1533866239"/>
+                  </a:ext>
+                </a:extLst>
+              </a:tr>
+              <a:tr h="370840">
+                <a:tc>
+                  <a:txBody>
+                    <a:bodyPr/>
+                    <a:lstStyle/>
+                    <a:p>
+                      <a:pPr algn="ctr" fontAlgn="b"/>
+                      <a:r>
+                        <a:rPr lang="ru-RU" sz="1100" b="0" i="0" u="none" strike="noStrike">
+                          <a:solidFill>
+                            <a:srgbClr val="000000"/>
+                          </a:solidFill>
+                          <a:effectLst/>
+                          <a:latin typeface="Calibri" panose="020F0502020204030204" pitchFamily="34" charset="0"/>
+                        </a:rPr>
+                        <a:t>Лента объявлений старосты и преподавателей</a:t>
+                      </a:r>
+                    </a:p>
+                  </a:txBody>
+                  <a:tcPr marL="9525" marR="9525" marT="9525" marB="0" anchor="ctr"/>
+                </a:tc>
+                <a:tc>
+                  <a:txBody>
+                    <a:bodyPr/>
+                    <a:lstStyle/>
+                    <a:p>
+                      <a:pPr algn="ctr" fontAlgn="b"/>
+                      <a:r>
+                        <a:rPr lang="ru-RU" sz="1100" b="0" i="0" u="none" strike="noStrike">
+                          <a:solidFill>
+                            <a:schemeClr val="tx1"/>
+                          </a:solidFill>
+                          <a:effectLst/>
+                          <a:latin typeface="Calibri" panose="020F0502020204030204" pitchFamily="34" charset="0"/>
+                        </a:rPr>
+                        <a:t>есть</a:t>
+                      </a:r>
+                    </a:p>
+                  </a:txBody>
+                  <a:tcPr marL="9525" marR="9525" marT="9525" marB="0" anchor="ctr"/>
+                </a:tc>
+                <a:tc>
+                  <a:txBody>
+                    <a:bodyPr/>
+                    <a:lstStyle/>
+                    <a:p>
+                      <a:pPr algn="ctr" fontAlgn="b"/>
+                      <a:r>
+                        <a:rPr lang="ru-RU" sz="1100" b="0" i="0" u="none" strike="noStrike" dirty="0">
+                          <a:solidFill>
+                            <a:schemeClr val="tx1"/>
+                          </a:solidFill>
+                          <a:effectLst/>
+                          <a:latin typeface="Calibri" panose="020F0502020204030204" pitchFamily="34" charset="0"/>
+                        </a:rPr>
+                        <a:t>нет</a:t>
+                      </a:r>
+                    </a:p>
+                  </a:txBody>
+                  <a:tcPr marL="9525" marR="9525" marT="9525" marB="0" anchor="ctr"/>
+                </a:tc>
+                <a:tc>
+                  <a:txBody>
+                    <a:bodyPr/>
+                    <a:lstStyle/>
+                    <a:p>
+                      <a:pPr algn="ctr" fontAlgn="b"/>
+                      <a:r>
+                        <a:rPr lang="ru-RU" sz="1100" b="0" i="0" u="none" strike="noStrike" dirty="0">
+                          <a:solidFill>
+                            <a:schemeClr val="tx1"/>
+                          </a:solidFill>
+                          <a:effectLst/>
+                          <a:latin typeface="Calibri" panose="020F0502020204030204" pitchFamily="34" charset="0"/>
+                        </a:rPr>
+                        <a:t>нет</a:t>
+                      </a:r>
+                    </a:p>
+                  </a:txBody>
+                  <a:tcPr marL="9525" marR="9525" marT="9525" marB="0" anchor="ctr"/>
+                </a:tc>
+                <a:extLst>
+                  <a:ext uri="{0D108BD9-81ED-4DB2-BD59-A6C34878D82A}">
+                    <a16:rowId xmlns:a16="http://schemas.microsoft.com/office/drawing/2014/main" val="1660713644"/>
+                  </a:ext>
+                </a:extLst>
+              </a:tr>
+              <a:tr h="370840">
+                <a:tc>
+                  <a:txBody>
+                    <a:bodyPr/>
+                    <a:lstStyle/>
+                    <a:p>
+                      <a:pPr algn="ctr" fontAlgn="b"/>
+                      <a:r>
+                        <a:rPr lang="ru-RU" sz="1100" b="0" i="0" u="none" strike="noStrike">
+                          <a:solidFill>
+                            <a:srgbClr val="000000"/>
+                          </a:solidFill>
+                          <a:effectLst/>
+                          <a:latin typeface="Calibri" panose="020F0502020204030204" pitchFamily="34" charset="0"/>
+                        </a:rPr>
+                        <a:t>Удобный интерфейс</a:t>
+                      </a:r>
+                    </a:p>
+                  </a:txBody>
+                  <a:tcPr marL="9525" marR="9525" marT="9525" marB="0" anchor="ctr"/>
+                </a:tc>
+                <a:tc>
+                  <a:txBody>
+                    <a:bodyPr/>
+                    <a:lstStyle/>
+                    <a:p>
+                      <a:pPr algn="ctr" fontAlgn="b"/>
+                      <a:r>
+                        <a:rPr lang="ru-RU" sz="1100" b="0" i="0" u="none" strike="noStrike">
+                          <a:solidFill>
+                            <a:schemeClr val="tx1"/>
+                          </a:solidFill>
+                          <a:effectLst/>
+                          <a:latin typeface="Calibri" panose="020F0502020204030204" pitchFamily="34" charset="0"/>
+                        </a:rPr>
+                        <a:t>есть</a:t>
+                      </a:r>
+                    </a:p>
+                  </a:txBody>
+                  <a:tcPr marL="9525" marR="9525" marT="9525" marB="0" anchor="ctr"/>
+                </a:tc>
+                <a:tc>
+                  <a:txBody>
+                    <a:bodyPr/>
+                    <a:lstStyle/>
+                    <a:p>
+                      <a:pPr algn="ctr" fontAlgn="b"/>
+                      <a:r>
+                        <a:rPr lang="ru-RU" sz="1100" b="0" i="0" u="none" strike="noStrike" dirty="0">
+                          <a:solidFill>
+                            <a:schemeClr val="tx1"/>
+                          </a:solidFill>
+                          <a:effectLst/>
+                          <a:latin typeface="Calibri" panose="020F0502020204030204" pitchFamily="34" charset="0"/>
+                        </a:rPr>
+                        <a:t>есть(+-)</a:t>
+                      </a:r>
+                    </a:p>
+                  </a:txBody>
+                  <a:tcPr marL="9525" marR="9525" marT="9525" marB="0" anchor="ctr"/>
+                </a:tc>
+                <a:tc>
+                  <a:txBody>
+                    <a:bodyPr/>
+                    <a:lstStyle/>
+                    <a:p>
+                      <a:pPr algn="ctr" fontAlgn="b"/>
+                      <a:r>
+                        <a:rPr lang="ru-RU" sz="1100" b="0" i="0" u="none" strike="noStrike" dirty="0">
+                          <a:solidFill>
+                            <a:schemeClr val="tx1"/>
+                          </a:solidFill>
+                          <a:effectLst/>
+                          <a:latin typeface="Calibri" panose="020F0502020204030204" pitchFamily="34" charset="0"/>
+                        </a:rPr>
+                        <a:t>нет</a:t>
+                      </a:r>
+                    </a:p>
+                  </a:txBody>
+                  <a:tcPr marL="9525" marR="9525" marT="9525" marB="0" anchor="ctr"/>
+                </a:tc>
+                <a:extLst>
+                  <a:ext uri="{0D108BD9-81ED-4DB2-BD59-A6C34878D82A}">
+                    <a16:rowId xmlns:a16="http://schemas.microsoft.com/office/drawing/2014/main" val="601330675"/>
+                  </a:ext>
+                </a:extLst>
+              </a:tr>
+              <a:tr h="370840">
+                <a:tc>
+                  <a:txBody>
+                    <a:bodyPr/>
+                    <a:lstStyle/>
+                    <a:p>
+                      <a:pPr algn="ctr" fontAlgn="b"/>
+                      <a:r>
+                        <a:rPr lang="ru-RU" sz="1100" b="0" i="0" u="none" strike="noStrike">
+                          <a:solidFill>
+                            <a:srgbClr val="000000"/>
+                          </a:solidFill>
+                          <a:effectLst/>
+                          <a:latin typeface="Calibri" panose="020F0502020204030204" pitchFamily="34" charset="0"/>
+                        </a:rPr>
+                        <a:t>Возможность у старосты размещать объявления для студентов</a:t>
+                      </a:r>
+                    </a:p>
+                  </a:txBody>
+                  <a:tcPr marL="9525" marR="9525" marT="9525" marB="0" anchor="ctr"/>
+                </a:tc>
+                <a:tc>
+                  <a:txBody>
+                    <a:bodyPr/>
+                    <a:lstStyle/>
+                    <a:p>
+                      <a:pPr algn="ctr" fontAlgn="b"/>
+                      <a:r>
+                        <a:rPr lang="ru-RU" sz="1100" b="0" i="0" u="none" strike="noStrike">
+                          <a:solidFill>
+                            <a:schemeClr val="tx1"/>
+                          </a:solidFill>
+                          <a:effectLst/>
+                          <a:latin typeface="Calibri" panose="020F0502020204030204" pitchFamily="34" charset="0"/>
+                        </a:rPr>
+                        <a:t>есть</a:t>
+                      </a:r>
+                    </a:p>
+                  </a:txBody>
+                  <a:tcPr marL="9525" marR="9525" marT="9525" marB="0" anchor="ctr"/>
+                </a:tc>
+                <a:tc>
+                  <a:txBody>
+                    <a:bodyPr/>
+                    <a:lstStyle/>
+                    <a:p>
+                      <a:pPr algn="ctr" fontAlgn="b"/>
+                      <a:r>
+                        <a:rPr lang="ru-RU" sz="1100" b="0" i="0" u="none" strike="noStrike">
+                          <a:solidFill>
+                            <a:schemeClr val="tx1"/>
+                          </a:solidFill>
+                          <a:effectLst/>
+                          <a:latin typeface="Calibri" panose="020F0502020204030204" pitchFamily="34" charset="0"/>
+                        </a:rPr>
+                        <a:t>нет</a:t>
+                      </a:r>
+                    </a:p>
+                  </a:txBody>
+                  <a:tcPr marL="9525" marR="9525" marT="9525" marB="0" anchor="ctr"/>
+                </a:tc>
+                <a:tc>
+                  <a:txBody>
+                    <a:bodyPr/>
+                    <a:lstStyle/>
+                    <a:p>
+                      <a:pPr algn="ctr" fontAlgn="b"/>
+                      <a:r>
+                        <a:rPr lang="ru-RU" sz="1100" b="0" i="0" u="none" strike="noStrike" dirty="0">
+                          <a:solidFill>
+                            <a:schemeClr val="tx1"/>
+                          </a:solidFill>
+                          <a:effectLst/>
+                          <a:latin typeface="Calibri" panose="020F0502020204030204" pitchFamily="34" charset="0"/>
+                        </a:rPr>
+                        <a:t>нет</a:t>
+                      </a:r>
+                    </a:p>
+                  </a:txBody>
+                  <a:tcPr marL="9525" marR="9525" marT="9525" marB="0" anchor="ctr"/>
+                </a:tc>
+                <a:extLst>
+                  <a:ext uri="{0D108BD9-81ED-4DB2-BD59-A6C34878D82A}">
+                    <a16:rowId xmlns:a16="http://schemas.microsoft.com/office/drawing/2014/main" val="2108084239"/>
+                  </a:ext>
+                </a:extLst>
+              </a:tr>
+            </a:tbl>
+          </a:graphicData>
+        </a:graphic>
+      </p:graphicFrame>
     </p:spTree>
     <p:extLst>
       <p:ext uri="{BB962C8B-B14F-4D97-AF65-F5344CB8AC3E}">
@@ -4059,10 +9903,10 @@
       </p:grpSpPr>
       <p:sp>
         <p:nvSpPr>
-          <p:cNvPr id="2" name="Заголовок 1">
+          <p:cNvPr id="11" name="Заголовок 10">
             <a:extLst>
               <a:ext uri="{FF2B5EF4-FFF2-40B4-BE49-F238E27FC236}">
-                <a16:creationId xmlns:a16="http://schemas.microsoft.com/office/drawing/2014/main" id="{95F489E8-CE59-43E7-9FAF-4BAAAF2B6D94}"/>
+                <a16:creationId xmlns:a16="http://schemas.microsoft.com/office/drawing/2014/main" id="{E0510C60-9ED4-4D4E-9836-8C2DB50A5835}"/>
               </a:ext>
             </a:extLst>
           </p:cNvPr>
@@ -4080,47 +9924,1600 @@
           <a:p>
             <a:r>
               <a:rPr lang="ru-RU" dirty="0"/>
-              <a:t>Структурная схема</a:t>
+              <a:t>Анализ предметной области</a:t>
             </a:r>
           </a:p>
         </p:txBody>
       </p:sp>
-      <p:pic>
-        <p:nvPicPr>
-          <p:cNvPr id="4" name="Объект 3">
+      <p:graphicFrame>
+        <p:nvGraphicFramePr>
+          <p:cNvPr id="13" name="Таблица 13">
             <a:extLst>
               <a:ext uri="{FF2B5EF4-FFF2-40B4-BE49-F238E27FC236}">
-                <a16:creationId xmlns:a16="http://schemas.microsoft.com/office/drawing/2014/main" id="{4D9522A8-B72A-4F01-BA20-587DBB761E6E}"/>
+                <a16:creationId xmlns:a16="http://schemas.microsoft.com/office/drawing/2014/main" id="{FF38100D-FBC2-43E7-8783-02905514E42B}"/>
               </a:ext>
             </a:extLst>
           </p:cNvPr>
-          <p:cNvPicPr>
-            <a:picLocks noGrp="1" noChangeAspect="1"/>
-          </p:cNvPicPr>
+          <p:cNvGraphicFramePr>
+            <a:graphicFrameLocks noGrp="1"/>
+          </p:cNvGraphicFramePr>
           <p:nvPr>
             <p:ph idx="1"/>
+            <p:extLst>
+              <p:ext uri="{D42A27DB-BD31-4B8C-83A1-F6EECF244321}">
+                <p14:modId xmlns:p14="http://schemas.microsoft.com/office/powerpoint/2010/main" val="973760988"/>
+              </p:ext>
+            </p:extLst>
           </p:nvPr>
-        </p:nvPicPr>
-        <p:blipFill>
-          <a:blip r:embed="rId2"/>
-          <a:stretch>
-            <a:fillRect/>
-          </a:stretch>
-        </p:blipFill>
+        </p:nvGraphicFramePr>
+        <p:xfrm>
+          <a:off x="1450975" y="2016125"/>
+          <a:ext cx="9604372" cy="2550935"/>
+        </p:xfrm>
+        <a:graphic>
+          <a:graphicData uri="http://schemas.openxmlformats.org/drawingml/2006/table">
+            <a:tbl>
+              <a:tblPr firstRow="1" bandRow="1">
+                <a:tableStyleId>{5C22544A-7EE6-4342-B048-85BDC9FD1C3A}</a:tableStyleId>
+              </a:tblPr>
+              <a:tblGrid>
+                <a:gridCol w="2401093">
+                  <a:extLst>
+                    <a:ext uri="{9D8B030D-6E8A-4147-A177-3AD203B41FA5}">
+                      <a16:colId xmlns:a16="http://schemas.microsoft.com/office/drawing/2014/main" val="2504709391"/>
+                    </a:ext>
+                  </a:extLst>
+                </a:gridCol>
+                <a:gridCol w="2401093">
+                  <a:extLst>
+                    <a:ext uri="{9D8B030D-6E8A-4147-A177-3AD203B41FA5}">
+                      <a16:colId xmlns:a16="http://schemas.microsoft.com/office/drawing/2014/main" val="2932670032"/>
+                    </a:ext>
+                  </a:extLst>
+                </a:gridCol>
+                <a:gridCol w="2401093">
+                  <a:extLst>
+                    <a:ext uri="{9D8B030D-6E8A-4147-A177-3AD203B41FA5}">
+                      <a16:colId xmlns:a16="http://schemas.microsoft.com/office/drawing/2014/main" val="1981145997"/>
+                    </a:ext>
+                  </a:extLst>
+                </a:gridCol>
+                <a:gridCol w="2401093">
+                  <a:extLst>
+                    <a:ext uri="{9D8B030D-6E8A-4147-A177-3AD203B41FA5}">
+                      <a16:colId xmlns:a16="http://schemas.microsoft.com/office/drawing/2014/main" val="794616674"/>
+                    </a:ext>
+                  </a:extLst>
+                </a:gridCol>
+              </a:tblGrid>
+              <a:tr h="370840">
+                <a:tc>
+                  <a:txBody>
+                    <a:bodyPr/>
+                    <a:lstStyle/>
+                    <a:p>
+                      <a:pPr algn="ctr" fontAlgn="b"/>
+                      <a:endParaRPr lang="ru-RU" sz="1100" b="0" i="0" u="none" strike="noStrike" dirty="0">
+                        <a:solidFill>
+                          <a:schemeClr val="bg1"/>
+                        </a:solidFill>
+                        <a:effectLst/>
+                        <a:latin typeface="Calibri" panose="020F0502020204030204" pitchFamily="34" charset="0"/>
+                      </a:endParaRPr>
+                    </a:p>
+                  </a:txBody>
+                  <a:tcPr marL="9525" marR="9525" marT="9525" marB="0" anchor="ctr"/>
+                </a:tc>
+                <a:tc>
+                  <a:txBody>
+                    <a:bodyPr/>
+                    <a:lstStyle/>
+                    <a:p>
+                      <a:pPr algn="ctr" fontAlgn="b"/>
+                      <a:r>
+                        <a:rPr lang="ru-RU" sz="1100" b="0" i="0" u="none" strike="noStrike" dirty="0">
+                          <a:solidFill>
+                            <a:schemeClr val="bg1"/>
+                          </a:solidFill>
+                          <a:effectLst/>
+                          <a:latin typeface="Calibri" panose="020F0502020204030204" pitchFamily="34" charset="0"/>
+                        </a:rPr>
+                        <a:t>Разрабатываемый сервис (студент)</a:t>
+                      </a:r>
+                    </a:p>
+                  </a:txBody>
+                  <a:tcPr marL="9525" marR="9525" marT="9525" marB="0" anchor="ctr"/>
+                </a:tc>
+                <a:tc>
+                  <a:txBody>
+                    <a:bodyPr/>
+                    <a:lstStyle/>
+                    <a:p>
+                      <a:pPr algn="ctr" fontAlgn="b"/>
+                      <a:r>
+                        <a:rPr lang="ru-RU" sz="1100" b="0" i="0" u="none" strike="noStrike" dirty="0">
+                          <a:solidFill>
+                            <a:schemeClr val="bg1"/>
+                          </a:solidFill>
+                          <a:effectLst/>
+                          <a:latin typeface="Calibri" panose="020F0502020204030204" pitchFamily="34" charset="0"/>
+                        </a:rPr>
+                        <a:t>Личный кабинет студента ИжГТУ</a:t>
+                      </a:r>
+                    </a:p>
+                  </a:txBody>
+                  <a:tcPr marL="9525" marR="9525" marT="9525" marB="0" anchor="ctr"/>
+                </a:tc>
+                <a:tc>
+                  <a:txBody>
+                    <a:bodyPr/>
+                    <a:lstStyle/>
+                    <a:p>
+                      <a:pPr algn="ctr" fontAlgn="b"/>
+                      <a:r>
+                        <a:rPr lang="ru-RU" sz="1100" b="0" i="0" u="none" strike="noStrike" dirty="0">
+                          <a:solidFill>
+                            <a:schemeClr val="bg1"/>
+                          </a:solidFill>
+                          <a:effectLst/>
+                          <a:latin typeface="Calibri" panose="020F0502020204030204" pitchFamily="34" charset="0"/>
+                        </a:rPr>
+                        <a:t>Сайт ИжГТУ (</a:t>
+                      </a:r>
+                      <a:r>
+                        <a:rPr lang="en-US" sz="1100" b="0" i="0" u="none" strike="noStrike" dirty="0" err="1">
+                          <a:solidFill>
+                            <a:schemeClr val="bg1"/>
+                          </a:solidFill>
+                          <a:effectLst/>
+                          <a:latin typeface="Calibri" panose="020F0502020204030204" pitchFamily="34" charset="0"/>
+                        </a:rPr>
+                        <a:t>ee.istu</a:t>
+                      </a:r>
+                      <a:r>
+                        <a:rPr lang="en-US" sz="1100" b="0" i="0" u="none" strike="noStrike" dirty="0">
+                          <a:solidFill>
+                            <a:schemeClr val="bg1"/>
+                          </a:solidFill>
+                          <a:effectLst/>
+                          <a:latin typeface="Calibri" panose="020F0502020204030204" pitchFamily="34" charset="0"/>
+                        </a:rPr>
+                        <a:t>)</a:t>
+                      </a:r>
+                    </a:p>
+                  </a:txBody>
+                  <a:tcPr marL="9525" marR="9525" marT="9525" marB="0" anchor="ctr"/>
+                </a:tc>
+                <a:extLst>
+                  <a:ext uri="{0D108BD9-81ED-4DB2-BD59-A6C34878D82A}">
+                    <a16:rowId xmlns:a16="http://schemas.microsoft.com/office/drawing/2014/main" val="3566546608"/>
+                  </a:ext>
+                </a:extLst>
+              </a:tr>
+              <a:tr h="370840">
+                <a:tc>
+                  <a:txBody>
+                    <a:bodyPr/>
+                    <a:lstStyle/>
+                    <a:p>
+                      <a:pPr algn="ctr" fontAlgn="b"/>
+                      <a:r>
+                        <a:rPr lang="ru-RU" sz="1100" b="0" i="0" u="none" strike="noStrike" dirty="0">
+                          <a:solidFill>
+                            <a:srgbClr val="000000"/>
+                          </a:solidFill>
+                          <a:effectLst/>
+                          <a:latin typeface="Calibri" panose="020F0502020204030204" pitchFamily="34" charset="0"/>
+                        </a:rPr>
+                        <a:t>Возможность посмотреть релевантную информацию об изучаемом предмете</a:t>
+                      </a:r>
+                    </a:p>
+                  </a:txBody>
+                  <a:tcPr marL="9525" marR="9525" marT="9525" marB="0" anchor="ctr"/>
+                </a:tc>
+                <a:tc>
+                  <a:txBody>
+                    <a:bodyPr/>
+                    <a:lstStyle/>
+                    <a:p>
+                      <a:pPr algn="ctr" fontAlgn="b"/>
+                      <a:r>
+                        <a:rPr lang="ru-RU" sz="1100" b="0" i="0" u="none" strike="noStrike">
+                          <a:solidFill>
+                            <a:schemeClr val="tx1"/>
+                          </a:solidFill>
+                          <a:effectLst/>
+                          <a:latin typeface="Calibri" panose="020F0502020204030204" pitchFamily="34" charset="0"/>
+                        </a:rPr>
+                        <a:t>есть</a:t>
+                      </a:r>
+                    </a:p>
+                  </a:txBody>
+                  <a:tcPr marL="9525" marR="9525" marT="9525" marB="0" anchor="ctr"/>
+                </a:tc>
+                <a:tc>
+                  <a:txBody>
+                    <a:bodyPr/>
+                    <a:lstStyle/>
+                    <a:p>
+                      <a:pPr algn="ctr" fontAlgn="b"/>
+                      <a:r>
+                        <a:rPr lang="ru-RU" sz="1100" b="0" i="0" u="none" strike="noStrike" dirty="0">
+                          <a:solidFill>
+                            <a:schemeClr val="tx1"/>
+                          </a:solidFill>
+                          <a:effectLst/>
+                          <a:latin typeface="Calibri" panose="020F0502020204030204" pitchFamily="34" charset="0"/>
+                        </a:rPr>
+                        <a:t>нет</a:t>
+                      </a:r>
+                    </a:p>
+                  </a:txBody>
+                  <a:tcPr marL="9525" marR="9525" marT="9525" marB="0" anchor="ctr"/>
+                </a:tc>
+                <a:tc>
+                  <a:txBody>
+                    <a:bodyPr/>
+                    <a:lstStyle/>
+                    <a:p>
+                      <a:pPr algn="ctr" fontAlgn="b"/>
+                      <a:r>
+                        <a:rPr lang="ru-RU" sz="1100" b="0" i="0" u="none" strike="noStrike">
+                          <a:solidFill>
+                            <a:schemeClr val="tx1"/>
+                          </a:solidFill>
+                          <a:effectLst/>
+                          <a:latin typeface="Calibri" panose="020F0502020204030204" pitchFamily="34" charset="0"/>
+                        </a:rPr>
+                        <a:t>есть</a:t>
+                      </a:r>
+                    </a:p>
+                  </a:txBody>
+                  <a:tcPr marL="9525" marR="9525" marT="9525" marB="0" anchor="ctr"/>
+                </a:tc>
+                <a:extLst>
+                  <a:ext uri="{0D108BD9-81ED-4DB2-BD59-A6C34878D82A}">
+                    <a16:rowId xmlns:a16="http://schemas.microsoft.com/office/drawing/2014/main" val="642932160"/>
+                  </a:ext>
+                </a:extLst>
+              </a:tr>
+              <a:tr h="370840">
+                <a:tc>
+                  <a:txBody>
+                    <a:bodyPr/>
+                    <a:lstStyle/>
+                    <a:p>
+                      <a:pPr algn="ctr" fontAlgn="b"/>
+                      <a:r>
+                        <a:rPr lang="ru-RU" sz="1100" b="0" i="0" u="none" strike="noStrike">
+                          <a:solidFill>
+                            <a:srgbClr val="000000"/>
+                          </a:solidFill>
+                          <a:effectLst/>
+                          <a:latin typeface="Calibri" panose="020F0502020204030204" pitchFamily="34" charset="0"/>
+                        </a:rPr>
+                        <a:t>Доступный профиль преподавателя</a:t>
+                      </a:r>
+                    </a:p>
+                  </a:txBody>
+                  <a:tcPr marL="9525" marR="9525" marT="9525" marB="0" anchor="ctr"/>
+                </a:tc>
+                <a:tc>
+                  <a:txBody>
+                    <a:bodyPr/>
+                    <a:lstStyle/>
+                    <a:p>
+                      <a:pPr algn="ctr" fontAlgn="b"/>
+                      <a:r>
+                        <a:rPr lang="ru-RU" sz="1100" b="0" i="0" u="none" strike="noStrike">
+                          <a:solidFill>
+                            <a:schemeClr val="tx1"/>
+                          </a:solidFill>
+                          <a:effectLst/>
+                          <a:latin typeface="Calibri" panose="020F0502020204030204" pitchFamily="34" charset="0"/>
+                        </a:rPr>
+                        <a:t>есть</a:t>
+                      </a:r>
+                    </a:p>
+                  </a:txBody>
+                  <a:tcPr marL="9525" marR="9525" marT="9525" marB="0" anchor="ctr"/>
+                </a:tc>
+                <a:tc>
+                  <a:txBody>
+                    <a:bodyPr/>
+                    <a:lstStyle/>
+                    <a:p>
+                      <a:pPr algn="ctr" fontAlgn="b"/>
+                      <a:r>
+                        <a:rPr lang="ru-RU" sz="1100" b="0" i="0" u="none" strike="noStrike">
+                          <a:solidFill>
+                            <a:schemeClr val="tx1"/>
+                          </a:solidFill>
+                          <a:effectLst/>
+                          <a:latin typeface="Calibri" panose="020F0502020204030204" pitchFamily="34" charset="0"/>
+                        </a:rPr>
+                        <a:t>есть</a:t>
+                      </a:r>
+                    </a:p>
+                  </a:txBody>
+                  <a:tcPr marL="9525" marR="9525" marT="9525" marB="0" anchor="ctr"/>
+                </a:tc>
+                <a:tc>
+                  <a:txBody>
+                    <a:bodyPr/>
+                    <a:lstStyle/>
+                    <a:p>
+                      <a:pPr algn="ctr" fontAlgn="b"/>
+                      <a:r>
+                        <a:rPr lang="ru-RU" sz="1100" b="0" i="0" u="none" strike="noStrike">
+                          <a:solidFill>
+                            <a:schemeClr val="tx1"/>
+                          </a:solidFill>
+                          <a:effectLst/>
+                          <a:latin typeface="Calibri" panose="020F0502020204030204" pitchFamily="34" charset="0"/>
+                        </a:rPr>
+                        <a:t>есть</a:t>
+                      </a:r>
+                    </a:p>
+                  </a:txBody>
+                  <a:tcPr marL="9525" marR="9525" marT="9525" marB="0" anchor="ctr"/>
+                </a:tc>
+                <a:extLst>
+                  <a:ext uri="{0D108BD9-81ED-4DB2-BD59-A6C34878D82A}">
+                    <a16:rowId xmlns:a16="http://schemas.microsoft.com/office/drawing/2014/main" val="252610178"/>
+                  </a:ext>
+                </a:extLst>
+              </a:tr>
+              <a:tr h="370840">
+                <a:tc>
+                  <a:txBody>
+                    <a:bodyPr/>
+                    <a:lstStyle/>
+                    <a:p>
+                      <a:pPr algn="ctr" fontAlgn="b"/>
+                      <a:r>
+                        <a:rPr lang="ru-RU" sz="1100" b="0" i="0" u="none" strike="noStrike">
+                          <a:solidFill>
+                            <a:srgbClr val="000000"/>
+                          </a:solidFill>
+                          <a:effectLst/>
+                          <a:latin typeface="Calibri" panose="020F0502020204030204" pitchFamily="34" charset="0"/>
+                        </a:rPr>
+                        <a:t>Отслеживание прогресса выполнения заданий по предмету</a:t>
+                      </a:r>
+                    </a:p>
+                  </a:txBody>
+                  <a:tcPr marL="9525" marR="9525" marT="9525" marB="0" anchor="ctr"/>
+                </a:tc>
+                <a:tc>
+                  <a:txBody>
+                    <a:bodyPr/>
+                    <a:lstStyle/>
+                    <a:p>
+                      <a:pPr algn="ctr" fontAlgn="b"/>
+                      <a:r>
+                        <a:rPr lang="ru-RU" sz="1100" b="0" i="0" u="none" strike="noStrike">
+                          <a:solidFill>
+                            <a:schemeClr val="tx1"/>
+                          </a:solidFill>
+                          <a:effectLst/>
+                          <a:latin typeface="Calibri" panose="020F0502020204030204" pitchFamily="34" charset="0"/>
+                        </a:rPr>
+                        <a:t>есть</a:t>
+                      </a:r>
+                    </a:p>
+                  </a:txBody>
+                  <a:tcPr marL="9525" marR="9525" marT="9525" marB="0" anchor="ctr"/>
+                </a:tc>
+                <a:tc>
+                  <a:txBody>
+                    <a:bodyPr/>
+                    <a:lstStyle/>
+                    <a:p>
+                      <a:pPr algn="ctr" fontAlgn="b"/>
+                      <a:r>
+                        <a:rPr lang="ru-RU" sz="1100" b="0" i="0" u="none" strike="noStrike">
+                          <a:solidFill>
+                            <a:schemeClr val="tx1"/>
+                          </a:solidFill>
+                          <a:effectLst/>
+                          <a:latin typeface="Calibri" panose="020F0502020204030204" pitchFamily="34" charset="0"/>
+                        </a:rPr>
+                        <a:t>нет</a:t>
+                      </a:r>
+                    </a:p>
+                  </a:txBody>
+                  <a:tcPr marL="9525" marR="9525" marT="9525" marB="0" anchor="ctr"/>
+                </a:tc>
+                <a:tc>
+                  <a:txBody>
+                    <a:bodyPr/>
+                    <a:lstStyle/>
+                    <a:p>
+                      <a:pPr algn="ctr" fontAlgn="b"/>
+                      <a:r>
+                        <a:rPr lang="ru-RU" sz="1100" b="0" i="0" u="none" strike="noStrike">
+                          <a:solidFill>
+                            <a:schemeClr val="tx1"/>
+                          </a:solidFill>
+                          <a:effectLst/>
+                          <a:latin typeface="Calibri" panose="020F0502020204030204" pitchFamily="34" charset="0"/>
+                        </a:rPr>
+                        <a:t>есть</a:t>
+                      </a:r>
+                    </a:p>
+                  </a:txBody>
+                  <a:tcPr marL="9525" marR="9525" marT="9525" marB="0" anchor="ctr"/>
+                </a:tc>
+                <a:extLst>
+                  <a:ext uri="{0D108BD9-81ED-4DB2-BD59-A6C34878D82A}">
+                    <a16:rowId xmlns:a16="http://schemas.microsoft.com/office/drawing/2014/main" val="1992509770"/>
+                  </a:ext>
+                </a:extLst>
+              </a:tr>
+              <a:tr h="325895">
+                <a:tc>
+                  <a:txBody>
+                    <a:bodyPr/>
+                    <a:lstStyle/>
+                    <a:p>
+                      <a:pPr algn="ctr" fontAlgn="b"/>
+                      <a:r>
+                        <a:rPr lang="ru-RU" sz="1100" b="0" i="0" u="none" strike="noStrike">
+                          <a:solidFill>
+                            <a:srgbClr val="000000"/>
+                          </a:solidFill>
+                          <a:effectLst/>
+                          <a:latin typeface="Calibri" panose="020F0502020204030204" pitchFamily="34" charset="0"/>
+                        </a:rPr>
+                        <a:t>Зачетная книжка</a:t>
+                      </a:r>
+                    </a:p>
+                  </a:txBody>
+                  <a:tcPr marL="9525" marR="9525" marT="9525" marB="0" anchor="ctr"/>
+                </a:tc>
+                <a:tc>
+                  <a:txBody>
+                    <a:bodyPr/>
+                    <a:lstStyle/>
+                    <a:p>
+                      <a:pPr algn="ctr" fontAlgn="b"/>
+                      <a:r>
+                        <a:rPr lang="ru-RU" sz="1100" b="0" i="0" u="none" strike="noStrike">
+                          <a:solidFill>
+                            <a:schemeClr val="tx1"/>
+                          </a:solidFill>
+                          <a:effectLst/>
+                          <a:latin typeface="Calibri" panose="020F0502020204030204" pitchFamily="34" charset="0"/>
+                        </a:rPr>
+                        <a:t>есть</a:t>
+                      </a:r>
+                    </a:p>
+                  </a:txBody>
+                  <a:tcPr marL="9525" marR="9525" marT="9525" marB="0" anchor="ctr"/>
+                </a:tc>
+                <a:tc>
+                  <a:txBody>
+                    <a:bodyPr/>
+                    <a:lstStyle/>
+                    <a:p>
+                      <a:pPr algn="ctr" fontAlgn="b"/>
+                      <a:r>
+                        <a:rPr lang="ru-RU" sz="1100" b="0" i="0" u="none" strike="noStrike">
+                          <a:solidFill>
+                            <a:schemeClr val="tx1"/>
+                          </a:solidFill>
+                          <a:effectLst/>
+                          <a:latin typeface="Calibri" panose="020F0502020204030204" pitchFamily="34" charset="0"/>
+                        </a:rPr>
+                        <a:t>есть</a:t>
+                      </a:r>
+                    </a:p>
+                  </a:txBody>
+                  <a:tcPr marL="9525" marR="9525" marT="9525" marB="0" anchor="ctr"/>
+                </a:tc>
+                <a:tc>
+                  <a:txBody>
+                    <a:bodyPr/>
+                    <a:lstStyle/>
+                    <a:p>
+                      <a:pPr algn="ctr" fontAlgn="b"/>
+                      <a:r>
+                        <a:rPr lang="ru-RU" sz="1100" b="0" i="0" u="none" strike="noStrike">
+                          <a:solidFill>
+                            <a:schemeClr val="tx1"/>
+                          </a:solidFill>
+                          <a:effectLst/>
+                          <a:latin typeface="Calibri" panose="020F0502020204030204" pitchFamily="34" charset="0"/>
+                        </a:rPr>
+                        <a:t>нет</a:t>
+                      </a:r>
+                    </a:p>
+                  </a:txBody>
+                  <a:tcPr marL="9525" marR="9525" marT="9525" marB="0" anchor="ctr"/>
+                </a:tc>
+                <a:extLst>
+                  <a:ext uri="{0D108BD9-81ED-4DB2-BD59-A6C34878D82A}">
+                    <a16:rowId xmlns:a16="http://schemas.microsoft.com/office/drawing/2014/main" val="842725220"/>
+                  </a:ext>
+                </a:extLst>
+              </a:tr>
+              <a:tr h="370840">
+                <a:tc>
+                  <a:txBody>
+                    <a:bodyPr/>
+                    <a:lstStyle/>
+                    <a:p>
+                      <a:pPr algn="ctr" fontAlgn="b"/>
+                      <a:r>
+                        <a:rPr lang="ru-RU" sz="1100" b="0" i="0" u="none" strike="noStrike">
+                          <a:solidFill>
+                            <a:srgbClr val="000000"/>
+                          </a:solidFill>
+                          <a:effectLst/>
+                          <a:latin typeface="Calibri" panose="020F0502020204030204" pitchFamily="34" charset="0"/>
+                        </a:rPr>
+                        <a:t>Возможносность у старосты отмечать посещаемость</a:t>
+                      </a:r>
+                    </a:p>
+                  </a:txBody>
+                  <a:tcPr marL="9525" marR="9525" marT="9525" marB="0" anchor="ctr"/>
+                </a:tc>
+                <a:tc>
+                  <a:txBody>
+                    <a:bodyPr/>
+                    <a:lstStyle/>
+                    <a:p>
+                      <a:pPr algn="ctr" fontAlgn="b"/>
+                      <a:r>
+                        <a:rPr lang="ru-RU" sz="1100" b="0" i="0" u="none" strike="noStrike">
+                          <a:solidFill>
+                            <a:schemeClr val="tx1"/>
+                          </a:solidFill>
+                          <a:effectLst/>
+                          <a:latin typeface="Calibri" panose="020F0502020204030204" pitchFamily="34" charset="0"/>
+                        </a:rPr>
+                        <a:t>есть</a:t>
+                      </a:r>
+                    </a:p>
+                  </a:txBody>
+                  <a:tcPr marL="9525" marR="9525" marT="9525" marB="0" anchor="ctr"/>
+                </a:tc>
+                <a:tc>
+                  <a:txBody>
+                    <a:bodyPr/>
+                    <a:lstStyle/>
+                    <a:p>
+                      <a:pPr algn="ctr" fontAlgn="b"/>
+                      <a:r>
+                        <a:rPr lang="ru-RU" sz="1100" b="0" i="0" u="none" strike="noStrike">
+                          <a:solidFill>
+                            <a:schemeClr val="tx1"/>
+                          </a:solidFill>
+                          <a:effectLst/>
+                          <a:latin typeface="Calibri" panose="020F0502020204030204" pitchFamily="34" charset="0"/>
+                        </a:rPr>
+                        <a:t>нет</a:t>
+                      </a:r>
+                    </a:p>
+                  </a:txBody>
+                  <a:tcPr marL="9525" marR="9525" marT="9525" marB="0" anchor="ctr"/>
+                </a:tc>
+                <a:tc>
+                  <a:txBody>
+                    <a:bodyPr/>
+                    <a:lstStyle/>
+                    <a:p>
+                      <a:pPr algn="ctr" fontAlgn="b"/>
+                      <a:r>
+                        <a:rPr lang="ru-RU" sz="1100" b="0" i="0" u="none" strike="noStrike">
+                          <a:solidFill>
+                            <a:schemeClr val="tx1"/>
+                          </a:solidFill>
+                          <a:effectLst/>
+                          <a:latin typeface="Calibri" panose="020F0502020204030204" pitchFamily="34" charset="0"/>
+                        </a:rPr>
+                        <a:t>нет</a:t>
+                      </a:r>
+                    </a:p>
+                  </a:txBody>
+                  <a:tcPr marL="9525" marR="9525" marT="9525" marB="0" anchor="ctr"/>
+                </a:tc>
+                <a:extLst>
+                  <a:ext uri="{0D108BD9-81ED-4DB2-BD59-A6C34878D82A}">
+                    <a16:rowId xmlns:a16="http://schemas.microsoft.com/office/drawing/2014/main" val="1685214943"/>
+                  </a:ext>
+                </a:extLst>
+              </a:tr>
+              <a:tr h="370840">
+                <a:tc>
+                  <a:txBody>
+                    <a:bodyPr/>
+                    <a:lstStyle/>
+                    <a:p>
+                      <a:pPr algn="ctr" fontAlgn="b"/>
+                      <a:r>
+                        <a:rPr lang="ru-RU" sz="1100" b="0" i="0" u="none" strike="noStrike">
+                          <a:solidFill>
+                            <a:srgbClr val="000000"/>
+                          </a:solidFill>
+                          <a:effectLst/>
+                          <a:latin typeface="Calibri" panose="020F0502020204030204" pitchFamily="34" charset="0"/>
+                        </a:rPr>
+                        <a:t>Доступ к статусу преподавателя (в каком кабинете проводит пару)</a:t>
+                      </a:r>
+                    </a:p>
+                  </a:txBody>
+                  <a:tcPr marL="9525" marR="9525" marT="9525" marB="0" anchor="ctr"/>
+                </a:tc>
+                <a:tc>
+                  <a:txBody>
+                    <a:bodyPr/>
+                    <a:lstStyle/>
+                    <a:p>
+                      <a:pPr algn="ctr" fontAlgn="b"/>
+                      <a:r>
+                        <a:rPr lang="ru-RU" sz="1100" b="0" i="0" u="none" strike="noStrike">
+                          <a:solidFill>
+                            <a:schemeClr val="tx1"/>
+                          </a:solidFill>
+                          <a:effectLst/>
+                          <a:latin typeface="Calibri" panose="020F0502020204030204" pitchFamily="34" charset="0"/>
+                        </a:rPr>
+                        <a:t>есть</a:t>
+                      </a:r>
+                    </a:p>
+                  </a:txBody>
+                  <a:tcPr marL="9525" marR="9525" marT="9525" marB="0" anchor="ctr"/>
+                </a:tc>
+                <a:tc>
+                  <a:txBody>
+                    <a:bodyPr/>
+                    <a:lstStyle/>
+                    <a:p>
+                      <a:pPr algn="ctr" fontAlgn="b"/>
+                      <a:r>
+                        <a:rPr lang="ru-RU" sz="1100" b="0" i="0" u="none" strike="noStrike">
+                          <a:solidFill>
+                            <a:schemeClr val="tx1"/>
+                          </a:solidFill>
+                          <a:effectLst/>
+                          <a:latin typeface="Calibri" panose="020F0502020204030204" pitchFamily="34" charset="0"/>
+                        </a:rPr>
+                        <a:t>нет</a:t>
+                      </a:r>
+                    </a:p>
+                  </a:txBody>
+                  <a:tcPr marL="9525" marR="9525" marT="9525" marB="0" anchor="ctr"/>
+                </a:tc>
+                <a:tc>
+                  <a:txBody>
+                    <a:bodyPr/>
+                    <a:lstStyle/>
+                    <a:p>
+                      <a:pPr algn="ctr" fontAlgn="b"/>
+                      <a:r>
+                        <a:rPr lang="ru-RU" sz="1100" b="0" i="0" u="none" strike="noStrike" dirty="0">
+                          <a:solidFill>
+                            <a:schemeClr val="tx1"/>
+                          </a:solidFill>
+                          <a:effectLst/>
+                          <a:latin typeface="Calibri" panose="020F0502020204030204" pitchFamily="34" charset="0"/>
+                        </a:rPr>
+                        <a:t>нет</a:t>
+                      </a:r>
+                    </a:p>
+                  </a:txBody>
+                  <a:tcPr marL="9525" marR="9525" marT="9525" marB="0" anchor="ctr"/>
+                </a:tc>
+                <a:extLst>
+                  <a:ext uri="{0D108BD9-81ED-4DB2-BD59-A6C34878D82A}">
+                    <a16:rowId xmlns:a16="http://schemas.microsoft.com/office/drawing/2014/main" val="1902229056"/>
+                  </a:ext>
+                </a:extLst>
+              </a:tr>
+            </a:tbl>
+          </a:graphicData>
+        </a:graphic>
+      </p:graphicFrame>
+    </p:spTree>
+    <p:extLst>
+      <p:ext uri="{BB962C8B-B14F-4D97-AF65-F5344CB8AC3E}">
+        <p14:creationId xmlns:p14="http://schemas.microsoft.com/office/powerpoint/2010/main" val="2585492906"/>
+      </p:ext>
+    </p:extLst>
+  </p:cSld>
+  <p:clrMapOvr>
+    <a:masterClrMapping/>
+  </p:clrMapOvr>
+</p:sld>
+</file>
+
+<file path=ppt/slides/slide6.xml><?xml version="1.0" encoding="utf-8"?>
+<p:sld xmlns:a="http://schemas.openxmlformats.org/drawingml/2006/main" xmlns:r="http://schemas.openxmlformats.org/officeDocument/2006/relationships" xmlns:p="http://schemas.openxmlformats.org/presentationml/2006/main">
+  <p:cSld>
+    <p:spTree>
+      <p:nvGrpSpPr>
+        <p:cNvPr id="1" name=""/>
+        <p:cNvGrpSpPr/>
+        <p:nvPr/>
+      </p:nvGrpSpPr>
+      <p:grpSpPr>
+        <a:xfrm>
+          <a:off x="0" y="0"/>
+          <a:ext cx="0" cy="0"/>
+          <a:chOff x="0" y="0"/>
+          <a:chExt cx="0" cy="0"/>
+        </a:xfrm>
+      </p:grpSpPr>
+      <p:sp>
+        <p:nvSpPr>
+          <p:cNvPr id="2" name="Заголовок 1">
+            <a:extLst>
+              <a:ext uri="{FF2B5EF4-FFF2-40B4-BE49-F238E27FC236}">
+                <a16:creationId xmlns:a16="http://schemas.microsoft.com/office/drawing/2014/main" id="{C25990B9-0EB1-463D-8AB5-3B84999284D8}"/>
+              </a:ext>
+            </a:extLst>
+          </p:cNvPr>
+          <p:cNvSpPr>
+            <a:spLocks noGrp="1"/>
+          </p:cNvSpPr>
+          <p:nvPr>
+            <p:ph type="title"/>
+          </p:nvPr>
+        </p:nvSpPr>
+        <p:spPr/>
+        <p:txBody>
+          <a:bodyPr/>
+          <a:lstStyle/>
+          <a:p>
+            <a:r>
+              <a:rPr lang="ru-RU" dirty="0"/>
+              <a:t>Анализ предметной области</a:t>
+            </a:r>
+          </a:p>
+        </p:txBody>
+      </p:sp>
+      <p:graphicFrame>
+        <p:nvGraphicFramePr>
+          <p:cNvPr id="4" name="Таблица 4">
+            <a:extLst>
+              <a:ext uri="{FF2B5EF4-FFF2-40B4-BE49-F238E27FC236}">
+                <a16:creationId xmlns:a16="http://schemas.microsoft.com/office/drawing/2014/main" id="{78990ABD-E278-491C-B1ED-01034F6F18E6}"/>
+              </a:ext>
+            </a:extLst>
+          </p:cNvPr>
+          <p:cNvGraphicFramePr>
+            <a:graphicFrameLocks noGrp="1"/>
+          </p:cNvGraphicFramePr>
+          <p:nvPr>
+            <p:ph idx="1"/>
+            <p:extLst>
+              <p:ext uri="{D42A27DB-BD31-4B8C-83A1-F6EECF244321}">
+                <p14:modId xmlns:p14="http://schemas.microsoft.com/office/powerpoint/2010/main" val="2363041888"/>
+              </p:ext>
+            </p:extLst>
+          </p:nvPr>
+        </p:nvGraphicFramePr>
+        <p:xfrm>
+          <a:off x="1450975" y="2016125"/>
+          <a:ext cx="9604372" cy="2225040"/>
+        </p:xfrm>
+        <a:graphic>
+          <a:graphicData uri="http://schemas.openxmlformats.org/drawingml/2006/table">
+            <a:tbl>
+              <a:tblPr firstRow="1" bandRow="1">
+                <a:tableStyleId>{5C22544A-7EE6-4342-B048-85BDC9FD1C3A}</a:tableStyleId>
+              </a:tblPr>
+              <a:tblGrid>
+                <a:gridCol w="2401093">
+                  <a:extLst>
+                    <a:ext uri="{9D8B030D-6E8A-4147-A177-3AD203B41FA5}">
+                      <a16:colId xmlns:a16="http://schemas.microsoft.com/office/drawing/2014/main" val="1085984224"/>
+                    </a:ext>
+                  </a:extLst>
+                </a:gridCol>
+                <a:gridCol w="2401093">
+                  <a:extLst>
+                    <a:ext uri="{9D8B030D-6E8A-4147-A177-3AD203B41FA5}">
+                      <a16:colId xmlns:a16="http://schemas.microsoft.com/office/drawing/2014/main" val="3484637982"/>
+                    </a:ext>
+                  </a:extLst>
+                </a:gridCol>
+                <a:gridCol w="2401093">
+                  <a:extLst>
+                    <a:ext uri="{9D8B030D-6E8A-4147-A177-3AD203B41FA5}">
+                      <a16:colId xmlns:a16="http://schemas.microsoft.com/office/drawing/2014/main" val="586993183"/>
+                    </a:ext>
+                  </a:extLst>
+                </a:gridCol>
+                <a:gridCol w="2401093">
+                  <a:extLst>
+                    <a:ext uri="{9D8B030D-6E8A-4147-A177-3AD203B41FA5}">
+                      <a16:colId xmlns:a16="http://schemas.microsoft.com/office/drawing/2014/main" val="242618695"/>
+                    </a:ext>
+                  </a:extLst>
+                </a:gridCol>
+              </a:tblGrid>
+              <a:tr h="370840">
+                <a:tc>
+                  <a:txBody>
+                    <a:bodyPr/>
+                    <a:lstStyle/>
+                    <a:p>
+                      <a:pPr algn="ctr" fontAlgn="b"/>
+                      <a:endParaRPr lang="ru-RU" sz="1100" b="0" i="0" u="none" strike="noStrike" dirty="0">
+                        <a:solidFill>
+                          <a:srgbClr val="000000"/>
+                        </a:solidFill>
+                        <a:effectLst/>
+                        <a:latin typeface="Calibri" panose="020F0502020204030204" pitchFamily="34" charset="0"/>
+                      </a:endParaRPr>
+                    </a:p>
+                  </a:txBody>
+                  <a:tcPr marL="9525" marR="9525" marT="9525" marB="0" anchor="ctr"/>
+                </a:tc>
+                <a:tc>
+                  <a:txBody>
+                    <a:bodyPr/>
+                    <a:lstStyle/>
+                    <a:p>
+                      <a:pPr algn="ctr" fontAlgn="b"/>
+                      <a:r>
+                        <a:rPr lang="ru-RU" sz="1100" b="0" i="0" u="none" strike="noStrike">
+                          <a:solidFill>
+                            <a:schemeClr val="bg1"/>
+                          </a:solidFill>
+                          <a:effectLst/>
+                          <a:latin typeface="Calibri" panose="020F0502020204030204" pitchFamily="34" charset="0"/>
+                        </a:rPr>
+                        <a:t>Разрабатываемый сервис (преподаватель)</a:t>
+                      </a:r>
+                    </a:p>
+                  </a:txBody>
+                  <a:tcPr marL="9525" marR="9525" marT="9525" marB="0" anchor="ctr"/>
+                </a:tc>
+                <a:tc>
+                  <a:txBody>
+                    <a:bodyPr/>
+                    <a:lstStyle/>
+                    <a:p>
+                      <a:pPr algn="ctr" fontAlgn="b"/>
+                      <a:r>
+                        <a:rPr lang="ru-RU" sz="1100" b="0" i="0" u="none" strike="noStrike">
+                          <a:solidFill>
+                            <a:schemeClr val="bg1"/>
+                          </a:solidFill>
+                          <a:effectLst/>
+                          <a:latin typeface="Calibri" panose="020F0502020204030204" pitchFamily="34" charset="0"/>
+                        </a:rPr>
+                        <a:t>Личный кабинет преподавателя</a:t>
+                      </a:r>
+                    </a:p>
+                  </a:txBody>
+                  <a:tcPr marL="9525" marR="9525" marT="9525" marB="0" anchor="ctr"/>
+                </a:tc>
+                <a:tc>
+                  <a:txBody>
+                    <a:bodyPr/>
+                    <a:lstStyle/>
+                    <a:p>
+                      <a:pPr algn="ctr" fontAlgn="b"/>
+                      <a:r>
+                        <a:rPr lang="ru-RU" sz="1100" b="0" i="0" u="none" strike="noStrike" dirty="0">
+                          <a:solidFill>
+                            <a:schemeClr val="bg1"/>
+                          </a:solidFill>
+                          <a:effectLst/>
+                          <a:latin typeface="Calibri" panose="020F0502020204030204" pitchFamily="34" charset="0"/>
+                        </a:rPr>
+                        <a:t>Сайт ИжГТУ (</a:t>
+                      </a:r>
+                      <a:r>
+                        <a:rPr lang="en-US" sz="1100" b="0" i="0" u="none" strike="noStrike" dirty="0" err="1">
+                          <a:solidFill>
+                            <a:schemeClr val="bg1"/>
+                          </a:solidFill>
+                          <a:effectLst/>
+                          <a:latin typeface="Calibri" panose="020F0502020204030204" pitchFamily="34" charset="0"/>
+                        </a:rPr>
+                        <a:t>ee.istu</a:t>
+                      </a:r>
+                      <a:r>
+                        <a:rPr lang="en-US" sz="1100" b="0" i="0" u="none" strike="noStrike" dirty="0">
+                          <a:solidFill>
+                            <a:schemeClr val="bg1"/>
+                          </a:solidFill>
+                          <a:effectLst/>
+                          <a:latin typeface="Calibri" panose="020F0502020204030204" pitchFamily="34" charset="0"/>
+                        </a:rPr>
+                        <a:t>)</a:t>
+                      </a:r>
+                    </a:p>
+                  </a:txBody>
+                  <a:tcPr marL="9525" marR="9525" marT="9525" marB="0" anchor="ctr"/>
+                </a:tc>
+                <a:extLst>
+                  <a:ext uri="{0D108BD9-81ED-4DB2-BD59-A6C34878D82A}">
+                    <a16:rowId xmlns:a16="http://schemas.microsoft.com/office/drawing/2014/main" val="3719073658"/>
+                  </a:ext>
+                </a:extLst>
+              </a:tr>
+              <a:tr h="370840">
+                <a:tc>
+                  <a:txBody>
+                    <a:bodyPr/>
+                    <a:lstStyle/>
+                    <a:p>
+                      <a:pPr algn="ctr" fontAlgn="b"/>
+                      <a:r>
+                        <a:rPr lang="ru-RU" sz="1100" b="0" i="0" u="none" strike="noStrike">
+                          <a:solidFill>
+                            <a:srgbClr val="000000"/>
+                          </a:solidFill>
+                          <a:effectLst/>
+                          <a:latin typeface="Calibri" panose="020F0502020204030204" pitchFamily="34" charset="0"/>
+                        </a:rPr>
+                        <a:t>Актуальное расписание занятий</a:t>
+                      </a:r>
+                    </a:p>
+                  </a:txBody>
+                  <a:tcPr marL="9525" marR="9525" marT="9525" marB="0" anchor="ctr"/>
+                </a:tc>
+                <a:tc>
+                  <a:txBody>
+                    <a:bodyPr/>
+                    <a:lstStyle/>
+                    <a:p>
+                      <a:pPr algn="ctr" fontAlgn="b"/>
+                      <a:r>
+                        <a:rPr lang="ru-RU" sz="1100" b="0" i="0" u="none" strike="noStrike">
+                          <a:solidFill>
+                            <a:srgbClr val="000000"/>
+                          </a:solidFill>
+                          <a:effectLst/>
+                          <a:latin typeface="Calibri" panose="020F0502020204030204" pitchFamily="34" charset="0"/>
+                        </a:rPr>
+                        <a:t>есть</a:t>
+                      </a:r>
+                    </a:p>
+                  </a:txBody>
+                  <a:tcPr marL="9525" marR="9525" marT="9525" marB="0" anchor="ctr"/>
+                </a:tc>
+                <a:tc>
+                  <a:txBody>
+                    <a:bodyPr/>
+                    <a:lstStyle/>
+                    <a:p>
+                      <a:pPr algn="ctr" fontAlgn="b"/>
+                      <a:r>
+                        <a:rPr lang="ru-RU" sz="1100" b="0" i="0" u="none" strike="noStrike">
+                          <a:solidFill>
+                            <a:srgbClr val="000000"/>
+                          </a:solidFill>
+                          <a:effectLst/>
+                          <a:latin typeface="Calibri" panose="020F0502020204030204" pitchFamily="34" charset="0"/>
+                        </a:rPr>
+                        <a:t>нет</a:t>
+                      </a:r>
+                    </a:p>
+                  </a:txBody>
+                  <a:tcPr marL="9525" marR="9525" marT="9525" marB="0" anchor="ctr"/>
+                </a:tc>
+                <a:tc>
+                  <a:txBody>
+                    <a:bodyPr/>
+                    <a:lstStyle/>
+                    <a:p>
+                      <a:pPr algn="ctr" fontAlgn="b"/>
+                      <a:r>
+                        <a:rPr lang="ru-RU" sz="1100" b="0" i="0" u="none" strike="noStrike">
+                          <a:solidFill>
+                            <a:srgbClr val="000000"/>
+                          </a:solidFill>
+                          <a:effectLst/>
+                          <a:latin typeface="Calibri" panose="020F0502020204030204" pitchFamily="34" charset="0"/>
+                        </a:rPr>
+                        <a:t>нет</a:t>
+                      </a:r>
+                    </a:p>
+                  </a:txBody>
+                  <a:tcPr marL="9525" marR="9525" marT="9525" marB="0" anchor="ctr"/>
+                </a:tc>
+                <a:extLst>
+                  <a:ext uri="{0D108BD9-81ED-4DB2-BD59-A6C34878D82A}">
+                    <a16:rowId xmlns:a16="http://schemas.microsoft.com/office/drawing/2014/main" val="3983078192"/>
+                  </a:ext>
+                </a:extLst>
+              </a:tr>
+              <a:tr h="370840">
+                <a:tc>
+                  <a:txBody>
+                    <a:bodyPr/>
+                    <a:lstStyle/>
+                    <a:p>
+                      <a:pPr algn="ctr" fontAlgn="b"/>
+                      <a:r>
+                        <a:rPr lang="ru-RU" sz="1100" b="0" i="0" u="none" strike="noStrike">
+                          <a:solidFill>
+                            <a:srgbClr val="000000"/>
+                          </a:solidFill>
+                          <a:effectLst/>
+                          <a:latin typeface="Calibri" panose="020F0502020204030204" pitchFamily="34" charset="0"/>
+                        </a:rPr>
+                        <a:t>Доступ к списку студентов обучаемых групп</a:t>
+                      </a:r>
+                    </a:p>
+                  </a:txBody>
+                  <a:tcPr marL="9525" marR="9525" marT="9525" marB="0" anchor="ctr"/>
+                </a:tc>
+                <a:tc>
+                  <a:txBody>
+                    <a:bodyPr/>
+                    <a:lstStyle/>
+                    <a:p>
+                      <a:pPr algn="ctr" fontAlgn="b"/>
+                      <a:r>
+                        <a:rPr lang="ru-RU" sz="1100" b="0" i="0" u="none" strike="noStrike" dirty="0">
+                          <a:solidFill>
+                            <a:srgbClr val="000000"/>
+                          </a:solidFill>
+                          <a:effectLst/>
+                          <a:latin typeface="Calibri" panose="020F0502020204030204" pitchFamily="34" charset="0"/>
+                        </a:rPr>
+                        <a:t>есть</a:t>
+                      </a:r>
+                    </a:p>
+                  </a:txBody>
+                  <a:tcPr marL="9525" marR="9525" marT="9525" marB="0" anchor="ctr"/>
+                </a:tc>
+                <a:tc>
+                  <a:txBody>
+                    <a:bodyPr/>
+                    <a:lstStyle/>
+                    <a:p>
+                      <a:pPr algn="ctr" fontAlgn="b"/>
+                      <a:r>
+                        <a:rPr lang="ru-RU" sz="1100" b="0" i="0" u="none" strike="noStrike">
+                          <a:solidFill>
+                            <a:srgbClr val="000000"/>
+                          </a:solidFill>
+                          <a:effectLst/>
+                          <a:latin typeface="Calibri" panose="020F0502020204030204" pitchFamily="34" charset="0"/>
+                        </a:rPr>
+                        <a:t>??</a:t>
+                      </a:r>
+                    </a:p>
+                  </a:txBody>
+                  <a:tcPr marL="9525" marR="9525" marT="9525" marB="0" anchor="ctr"/>
+                </a:tc>
+                <a:tc>
+                  <a:txBody>
+                    <a:bodyPr/>
+                    <a:lstStyle/>
+                    <a:p>
+                      <a:pPr algn="ctr" fontAlgn="b"/>
+                      <a:r>
+                        <a:rPr lang="ru-RU" sz="1100" b="0" i="0" u="none" strike="noStrike">
+                          <a:solidFill>
+                            <a:srgbClr val="000000"/>
+                          </a:solidFill>
+                          <a:effectLst/>
+                          <a:latin typeface="Calibri" panose="020F0502020204030204" pitchFamily="34" charset="0"/>
+                        </a:rPr>
+                        <a:t>есть (если подписались)</a:t>
+                      </a:r>
+                    </a:p>
+                  </a:txBody>
+                  <a:tcPr marL="9525" marR="9525" marT="9525" marB="0" anchor="ctr"/>
+                </a:tc>
+                <a:extLst>
+                  <a:ext uri="{0D108BD9-81ED-4DB2-BD59-A6C34878D82A}">
+                    <a16:rowId xmlns:a16="http://schemas.microsoft.com/office/drawing/2014/main" val="4155135747"/>
+                  </a:ext>
+                </a:extLst>
+              </a:tr>
+              <a:tr h="370840">
+                <a:tc>
+                  <a:txBody>
+                    <a:bodyPr/>
+                    <a:lstStyle/>
+                    <a:p>
+                      <a:pPr algn="ctr" fontAlgn="b"/>
+                      <a:r>
+                        <a:rPr lang="ru-RU" sz="1100" b="0" i="0" u="none" strike="noStrike">
+                          <a:solidFill>
+                            <a:srgbClr val="000000"/>
+                          </a:solidFill>
+                          <a:effectLst/>
+                          <a:latin typeface="Calibri" panose="020F0502020204030204" pitchFamily="34" charset="0"/>
+                        </a:rPr>
+                        <a:t>Лента новостей университета</a:t>
+                      </a:r>
+                    </a:p>
+                  </a:txBody>
+                  <a:tcPr marL="9525" marR="9525" marT="9525" marB="0" anchor="ctr"/>
+                </a:tc>
+                <a:tc>
+                  <a:txBody>
+                    <a:bodyPr/>
+                    <a:lstStyle/>
+                    <a:p>
+                      <a:pPr algn="ctr" fontAlgn="b"/>
+                      <a:r>
+                        <a:rPr lang="ru-RU" sz="1100" b="0" i="0" u="none" strike="noStrike">
+                          <a:solidFill>
+                            <a:srgbClr val="000000"/>
+                          </a:solidFill>
+                          <a:effectLst/>
+                          <a:latin typeface="Calibri" panose="020F0502020204030204" pitchFamily="34" charset="0"/>
+                        </a:rPr>
+                        <a:t>есть</a:t>
+                      </a:r>
+                    </a:p>
+                  </a:txBody>
+                  <a:tcPr marL="9525" marR="9525" marT="9525" marB="0" anchor="ctr"/>
+                </a:tc>
+                <a:tc>
+                  <a:txBody>
+                    <a:bodyPr/>
+                    <a:lstStyle/>
+                    <a:p>
+                      <a:pPr algn="ctr" fontAlgn="b"/>
+                      <a:r>
+                        <a:rPr lang="ru-RU" sz="1100" b="0" i="0" u="none" strike="noStrike">
+                          <a:solidFill>
+                            <a:srgbClr val="000000"/>
+                          </a:solidFill>
+                          <a:effectLst/>
+                          <a:latin typeface="Calibri" panose="020F0502020204030204" pitchFamily="34" charset="0"/>
+                        </a:rPr>
+                        <a:t>есть</a:t>
+                      </a:r>
+                    </a:p>
+                  </a:txBody>
+                  <a:tcPr marL="9525" marR="9525" marT="9525" marB="0" anchor="ctr"/>
+                </a:tc>
+                <a:tc>
+                  <a:txBody>
+                    <a:bodyPr/>
+                    <a:lstStyle/>
+                    <a:p>
+                      <a:pPr algn="ctr" fontAlgn="b"/>
+                      <a:r>
+                        <a:rPr lang="ru-RU" sz="1100" b="0" i="0" u="none" strike="noStrike">
+                          <a:solidFill>
+                            <a:srgbClr val="000000"/>
+                          </a:solidFill>
+                          <a:effectLst/>
+                          <a:latin typeface="Calibri" panose="020F0502020204030204" pitchFamily="34" charset="0"/>
+                        </a:rPr>
+                        <a:t>нет</a:t>
+                      </a:r>
+                    </a:p>
+                  </a:txBody>
+                  <a:tcPr marL="9525" marR="9525" marT="9525" marB="0" anchor="ctr"/>
+                </a:tc>
+                <a:extLst>
+                  <a:ext uri="{0D108BD9-81ED-4DB2-BD59-A6C34878D82A}">
+                    <a16:rowId xmlns:a16="http://schemas.microsoft.com/office/drawing/2014/main" val="488361277"/>
+                  </a:ext>
+                </a:extLst>
+              </a:tr>
+              <a:tr h="370840">
+                <a:tc>
+                  <a:txBody>
+                    <a:bodyPr/>
+                    <a:lstStyle/>
+                    <a:p>
+                      <a:pPr algn="ctr" fontAlgn="b"/>
+                      <a:r>
+                        <a:rPr lang="ru-RU" sz="1100" b="0" i="0" u="none" strike="noStrike">
+                          <a:solidFill>
+                            <a:srgbClr val="000000"/>
+                          </a:solidFill>
+                          <a:effectLst/>
+                          <a:latin typeface="Calibri" panose="020F0502020204030204" pitchFamily="34" charset="0"/>
+                        </a:rPr>
+                        <a:t>Возможность писать объявления для обучаемых групп</a:t>
+                      </a:r>
+                    </a:p>
+                  </a:txBody>
+                  <a:tcPr marL="9525" marR="9525" marT="9525" marB="0" anchor="ctr"/>
+                </a:tc>
+                <a:tc>
+                  <a:txBody>
+                    <a:bodyPr/>
+                    <a:lstStyle/>
+                    <a:p>
+                      <a:pPr algn="ctr" fontAlgn="b"/>
+                      <a:r>
+                        <a:rPr lang="ru-RU" sz="1100" b="0" i="0" u="none" strike="noStrike">
+                          <a:solidFill>
+                            <a:srgbClr val="000000"/>
+                          </a:solidFill>
+                          <a:effectLst/>
+                          <a:latin typeface="Calibri" panose="020F0502020204030204" pitchFamily="34" charset="0"/>
+                        </a:rPr>
+                        <a:t>есть</a:t>
+                      </a:r>
+                    </a:p>
+                  </a:txBody>
+                  <a:tcPr marL="9525" marR="9525" marT="9525" marB="0" anchor="ctr"/>
+                </a:tc>
+                <a:tc>
+                  <a:txBody>
+                    <a:bodyPr/>
+                    <a:lstStyle/>
+                    <a:p>
+                      <a:pPr algn="ctr" fontAlgn="b"/>
+                      <a:r>
+                        <a:rPr lang="ru-RU" sz="1100" b="0" i="0" u="none" strike="noStrike">
+                          <a:solidFill>
+                            <a:srgbClr val="000000"/>
+                          </a:solidFill>
+                          <a:effectLst/>
+                          <a:latin typeface="Calibri" panose="020F0502020204030204" pitchFamily="34" charset="0"/>
+                        </a:rPr>
+                        <a:t>нет</a:t>
+                      </a:r>
+                    </a:p>
+                  </a:txBody>
+                  <a:tcPr marL="9525" marR="9525" marT="9525" marB="0" anchor="ctr"/>
+                </a:tc>
+                <a:tc>
+                  <a:txBody>
+                    <a:bodyPr/>
+                    <a:lstStyle/>
+                    <a:p>
+                      <a:pPr algn="ctr" fontAlgn="b"/>
+                      <a:r>
+                        <a:rPr lang="ru-RU" sz="1100" b="0" i="0" u="none" strike="noStrike" dirty="0">
+                          <a:solidFill>
+                            <a:srgbClr val="000000"/>
+                          </a:solidFill>
+                          <a:effectLst/>
+                          <a:latin typeface="Calibri" panose="020F0502020204030204" pitchFamily="34" charset="0"/>
+                        </a:rPr>
+                        <a:t>нет</a:t>
+                      </a:r>
+                    </a:p>
+                  </a:txBody>
+                  <a:tcPr marL="9525" marR="9525" marT="9525" marB="0" anchor="ctr"/>
+                </a:tc>
+                <a:extLst>
+                  <a:ext uri="{0D108BD9-81ED-4DB2-BD59-A6C34878D82A}">
+                    <a16:rowId xmlns:a16="http://schemas.microsoft.com/office/drawing/2014/main" val="1032574751"/>
+                  </a:ext>
+                </a:extLst>
+              </a:tr>
+              <a:tr h="370840">
+                <a:tc>
+                  <a:txBody>
+                    <a:bodyPr/>
+                    <a:lstStyle/>
+                    <a:p>
+                      <a:pPr algn="ctr" fontAlgn="b"/>
+                      <a:r>
+                        <a:rPr lang="ru-RU" sz="1100" b="0" i="0" u="none" strike="noStrike">
+                          <a:solidFill>
+                            <a:srgbClr val="000000"/>
+                          </a:solidFill>
+                          <a:effectLst/>
+                          <a:latin typeface="Calibri" panose="020F0502020204030204" pitchFamily="34" charset="0"/>
+                        </a:rPr>
+                        <a:t>Профиль студента с контактной информацией</a:t>
+                      </a:r>
+                    </a:p>
+                  </a:txBody>
+                  <a:tcPr marL="9525" marR="9525" marT="9525" marB="0" anchor="ctr"/>
+                </a:tc>
+                <a:tc>
+                  <a:txBody>
+                    <a:bodyPr/>
+                    <a:lstStyle/>
+                    <a:p>
+                      <a:pPr algn="ctr" fontAlgn="b"/>
+                      <a:r>
+                        <a:rPr lang="ru-RU" sz="1100" b="0" i="0" u="none" strike="noStrike">
+                          <a:solidFill>
+                            <a:srgbClr val="000000"/>
+                          </a:solidFill>
+                          <a:effectLst/>
+                          <a:latin typeface="Calibri" panose="020F0502020204030204" pitchFamily="34" charset="0"/>
+                        </a:rPr>
+                        <a:t>есть</a:t>
+                      </a:r>
+                    </a:p>
+                  </a:txBody>
+                  <a:tcPr marL="9525" marR="9525" marT="9525" marB="0" anchor="ctr"/>
+                </a:tc>
+                <a:tc>
+                  <a:txBody>
+                    <a:bodyPr/>
+                    <a:lstStyle/>
+                    <a:p>
+                      <a:pPr algn="ctr" fontAlgn="b"/>
+                      <a:r>
+                        <a:rPr lang="ru-RU" sz="1100" b="0" i="0" u="none" strike="noStrike">
+                          <a:solidFill>
+                            <a:srgbClr val="000000"/>
+                          </a:solidFill>
+                          <a:effectLst/>
+                          <a:latin typeface="Calibri" panose="020F0502020204030204" pitchFamily="34" charset="0"/>
+                        </a:rPr>
+                        <a:t>нет</a:t>
+                      </a:r>
+                    </a:p>
+                  </a:txBody>
+                  <a:tcPr marL="9525" marR="9525" marT="9525" marB="0" anchor="ctr"/>
+                </a:tc>
+                <a:tc>
+                  <a:txBody>
+                    <a:bodyPr/>
+                    <a:lstStyle/>
+                    <a:p>
+                      <a:pPr algn="ctr" fontAlgn="b"/>
+                      <a:r>
+                        <a:rPr lang="ru-RU" sz="1100" b="0" i="0" u="none" strike="noStrike" dirty="0">
+                          <a:solidFill>
+                            <a:srgbClr val="000000"/>
+                          </a:solidFill>
+                          <a:effectLst/>
+                          <a:latin typeface="Calibri" panose="020F0502020204030204" pitchFamily="34" charset="0"/>
+                        </a:rPr>
+                        <a:t>нет</a:t>
+                      </a:r>
+                    </a:p>
+                  </a:txBody>
+                  <a:tcPr marL="9525" marR="9525" marT="9525" marB="0" anchor="ctr"/>
+                </a:tc>
+                <a:extLst>
+                  <a:ext uri="{0D108BD9-81ED-4DB2-BD59-A6C34878D82A}">
+                    <a16:rowId xmlns:a16="http://schemas.microsoft.com/office/drawing/2014/main" val="439755269"/>
+                  </a:ext>
+                </a:extLst>
+              </a:tr>
+            </a:tbl>
+          </a:graphicData>
+        </a:graphic>
+      </p:graphicFrame>
+    </p:spTree>
+    <p:extLst>
+      <p:ext uri="{BB962C8B-B14F-4D97-AF65-F5344CB8AC3E}">
+        <p14:creationId xmlns:p14="http://schemas.microsoft.com/office/powerpoint/2010/main" val="1166103752"/>
+      </p:ext>
+    </p:extLst>
+  </p:cSld>
+  <p:clrMapOvr>
+    <a:masterClrMapping/>
+  </p:clrMapOvr>
+</p:sld>
+</file>
+
+<file path=ppt/slides/slide7.xml><?xml version="1.0" encoding="utf-8"?>
+<p:sld xmlns:a="http://schemas.openxmlformats.org/drawingml/2006/main" xmlns:r="http://schemas.openxmlformats.org/officeDocument/2006/relationships" xmlns:p="http://schemas.openxmlformats.org/presentationml/2006/main">
+  <p:cSld>
+    <p:spTree>
+      <p:nvGrpSpPr>
+        <p:cNvPr id="1" name=""/>
+        <p:cNvGrpSpPr/>
+        <p:nvPr/>
+      </p:nvGrpSpPr>
+      <p:grpSpPr>
+        <a:xfrm>
+          <a:off x="0" y="0"/>
+          <a:ext cx="0" cy="0"/>
+          <a:chOff x="0" y="0"/>
+          <a:chExt cx="0" cy="0"/>
+        </a:xfrm>
+      </p:grpSpPr>
+      <p:sp>
+        <p:nvSpPr>
+          <p:cNvPr id="2" name="Заголовок 1">
+            <a:extLst>
+              <a:ext uri="{FF2B5EF4-FFF2-40B4-BE49-F238E27FC236}">
+                <a16:creationId xmlns:a16="http://schemas.microsoft.com/office/drawing/2014/main" id="{93662022-F41B-47A5-A1F5-5E853E1254AC}"/>
+              </a:ext>
+            </a:extLst>
+          </p:cNvPr>
+          <p:cNvSpPr>
+            <a:spLocks noGrp="1"/>
+          </p:cNvSpPr>
+          <p:nvPr>
+            <p:ph type="title"/>
+          </p:nvPr>
+        </p:nvSpPr>
         <p:spPr>
           <a:xfrm>
-            <a:off x="2795794" y="2016125"/>
-            <a:ext cx="6429188" cy="4762362"/>
+            <a:off x="1451579" y="804520"/>
+            <a:ext cx="9603275" cy="587718"/>
+          </a:xfrm>
+        </p:spPr>
+        <p:txBody>
+          <a:bodyPr/>
+          <a:lstStyle/>
+          <a:p>
+            <a:r>
+              <a:rPr lang="ru-RU" dirty="0"/>
+              <a:t>Структурная схема</a:t>
+            </a:r>
+          </a:p>
+        </p:txBody>
+      </p:sp>
+      <p:graphicFrame>
+        <p:nvGraphicFramePr>
+          <p:cNvPr id="7" name="Объект 6">
+            <a:extLst>
+              <a:ext uri="{FF2B5EF4-FFF2-40B4-BE49-F238E27FC236}">
+                <a16:creationId xmlns:a16="http://schemas.microsoft.com/office/drawing/2014/main" id="{DA11B5D6-1E16-415C-8B4F-D04A72BEE02C}"/>
+              </a:ext>
+            </a:extLst>
+          </p:cNvPr>
+          <p:cNvGraphicFramePr>
+            <a:graphicFrameLocks noGrp="1"/>
+          </p:cNvGraphicFramePr>
+          <p:nvPr>
+            <p:ph idx="1"/>
+            <p:extLst>
+              <p:ext uri="{D42A27DB-BD31-4B8C-83A1-F6EECF244321}">
+                <p14:modId xmlns:p14="http://schemas.microsoft.com/office/powerpoint/2010/main" val="2881659914"/>
+              </p:ext>
+            </p:extLst>
+          </p:nvPr>
+        </p:nvGraphicFramePr>
+        <p:xfrm>
+          <a:off x="1450976" y="2016125"/>
+          <a:ext cx="9603274" cy="3562554"/>
+        </p:xfrm>
+        <a:graphic>
+          <a:graphicData uri="http://schemas.openxmlformats.org/drawingml/2006/diagram">
+            <dgm:relIds xmlns:dgm="http://schemas.openxmlformats.org/drawingml/2006/diagram" xmlns:r="http://schemas.openxmlformats.org/officeDocument/2006/relationships" r:dm="rId2" r:lo="rId3" r:qs="rId4" r:cs="rId5"/>
+          </a:graphicData>
+        </a:graphic>
+      </p:graphicFrame>
+      <p:sp>
+        <p:nvSpPr>
+          <p:cNvPr id="9" name="TextBox 8">
+            <a:extLst>
+              <a:ext uri="{FF2B5EF4-FFF2-40B4-BE49-F238E27FC236}">
+                <a16:creationId xmlns:a16="http://schemas.microsoft.com/office/drawing/2014/main" id="{AACB1F3F-B76B-4020-94F5-EBF563F97FE3}"/>
+              </a:ext>
+            </a:extLst>
+          </p:cNvPr>
+          <p:cNvSpPr txBox="1"/>
+          <p:nvPr/>
+        </p:nvSpPr>
+        <p:spPr>
+          <a:xfrm>
+            <a:off x="9110444" y="251670"/>
+            <a:ext cx="2382473" cy="646331"/>
+          </a:xfrm>
+          <a:prstGeom prst="rect">
+            <a:avLst/>
+          </a:prstGeom>
+          <a:noFill/>
+        </p:spPr>
+        <p:txBody>
+          <a:bodyPr wrap="square" rtlCol="0">
+            <a:spAutoFit/>
+          </a:bodyPr>
+          <a:lstStyle/>
+          <a:p>
+            <a:r>
+              <a:rPr lang="ru-RU" dirty="0"/>
+              <a:t>Поздеев М. Л. </a:t>
+            </a:r>
+          </a:p>
+          <a:p>
+            <a:r>
+              <a:rPr lang="ru-RU" dirty="0"/>
+              <a:t>Зырянов И. О.   </a:t>
+            </a:r>
+          </a:p>
+        </p:txBody>
+      </p:sp>
+      <p:sp>
+        <p:nvSpPr>
+          <p:cNvPr id="10" name="Прямоугольник 9">
+            <a:extLst>
+              <a:ext uri="{FF2B5EF4-FFF2-40B4-BE49-F238E27FC236}">
+                <a16:creationId xmlns:a16="http://schemas.microsoft.com/office/drawing/2014/main" id="{7F8115EB-5F2D-4B8F-9C05-C01A5AB8A768}"/>
+              </a:ext>
+            </a:extLst>
+          </p:cNvPr>
+          <p:cNvSpPr/>
+          <p:nvPr/>
+        </p:nvSpPr>
+        <p:spPr>
+          <a:xfrm>
+            <a:off x="10654018" y="369116"/>
+            <a:ext cx="159391" cy="142612"/>
           </a:xfrm>
           <a:prstGeom prst="rect">
             <a:avLst/>
           </a:prstGeom>
         </p:spPr>
-      </p:pic>
+        <p:style>
+          <a:lnRef idx="2">
+            <a:schemeClr val="dk1">
+              <a:shade val="50000"/>
+            </a:schemeClr>
+          </a:lnRef>
+          <a:fillRef idx="1">
+            <a:schemeClr val="dk1"/>
+          </a:fillRef>
+          <a:effectRef idx="0">
+            <a:schemeClr val="dk1"/>
+          </a:effectRef>
+          <a:fontRef idx="minor">
+            <a:schemeClr val="lt1"/>
+          </a:fontRef>
+        </p:style>
+        <p:txBody>
+          <a:bodyPr rtlCol="0" anchor="ctr"/>
+          <a:lstStyle/>
+          <a:p>
+            <a:pPr algn="ctr"/>
+            <a:endParaRPr lang="ru-RU"/>
+          </a:p>
+        </p:txBody>
+      </p:sp>
+      <p:sp>
+        <p:nvSpPr>
+          <p:cNvPr id="12" name="Прямоугольник 11">
+            <a:extLst>
+              <a:ext uri="{FF2B5EF4-FFF2-40B4-BE49-F238E27FC236}">
+                <a16:creationId xmlns:a16="http://schemas.microsoft.com/office/drawing/2014/main" id="{82A26DBD-2416-4EE3-B6CD-73572B50E014}"/>
+              </a:ext>
+            </a:extLst>
+          </p:cNvPr>
+          <p:cNvSpPr/>
+          <p:nvPr/>
+        </p:nvSpPr>
+        <p:spPr>
+          <a:xfrm>
+            <a:off x="10654018" y="629174"/>
+            <a:ext cx="159391" cy="142612"/>
+          </a:xfrm>
+          <a:prstGeom prst="rect">
+            <a:avLst/>
+          </a:prstGeom>
+          <a:solidFill>
+            <a:schemeClr val="accent6">
+              <a:lumMod val="50000"/>
+            </a:schemeClr>
+          </a:solidFill>
+        </p:spPr>
+        <p:style>
+          <a:lnRef idx="2">
+            <a:schemeClr val="dk1">
+              <a:shade val="50000"/>
+            </a:schemeClr>
+          </a:lnRef>
+          <a:fillRef idx="1">
+            <a:schemeClr val="dk1"/>
+          </a:fillRef>
+          <a:effectRef idx="0">
+            <a:schemeClr val="dk1"/>
+          </a:effectRef>
+          <a:fontRef idx="minor">
+            <a:schemeClr val="lt1"/>
+          </a:fontRef>
+        </p:style>
+        <p:txBody>
+          <a:bodyPr rtlCol="0" anchor="ctr"/>
+          <a:lstStyle/>
+          <a:p>
+            <a:pPr algn="ctr"/>
+            <a:endParaRPr lang="ru-RU"/>
+          </a:p>
+        </p:txBody>
+      </p:sp>
     </p:spTree>
     <p:extLst>
       <p:ext uri="{BB962C8B-B14F-4D97-AF65-F5344CB8AC3E}">
-        <p14:creationId xmlns:p14="http://schemas.microsoft.com/office/powerpoint/2010/main" val="1388357821"/>
+        <p14:creationId xmlns:p14="http://schemas.microsoft.com/office/powerpoint/2010/main" val="736878425"/>
       </p:ext>
     </p:extLst>
   </p:cSld>
